--- a/docs/流程文件/中期/中期PPT.pptx
+++ b/docs/流程文件/中期/中期PPT.pptx
@@ -1,27 +1,27 @@
 
 <file path=ppt/presentation.xml><?xml version="1.0" encoding="utf-8"?>
-<p:presentation xmlns:a="http://schemas.openxmlformats.org/drawingml/2006/main" xmlns:r="http://schemas.openxmlformats.org/officeDocument/2006/relationships" xmlns:p="http://schemas.openxmlformats.org/presentationml/2006/main" saveSubsetFonts="1">
+<p:presentation xmlns:a="http://schemas.openxmlformats.org/drawingml/2006/main" xmlns:r="http://schemas.openxmlformats.org/officeDocument/2006/relationships" xmlns:p="http://schemas.openxmlformats.org/presentationml/2006/main">
   <p:sldMasterIdLst>
-    <p:sldMasterId id="2147483660" r:id="rId1"/>
+    <p:sldMasterId id="2147483648" r:id="rId1"/>
   </p:sldMasterIdLst>
   <p:notesMasterIdLst>
-    <p:notesMasterId r:id="rId16"/>
+    <p:notesMasterId r:id="rId4"/>
   </p:notesMasterIdLst>
   <p:sldIdLst>
-    <p:sldId id="1836" r:id="rId2"/>
-    <p:sldId id="1795" r:id="rId3"/>
-    <p:sldId id="2727" r:id="rId4"/>
-    <p:sldId id="2728" r:id="rId5"/>
-    <p:sldId id="3253" r:id="rId6"/>
-    <p:sldId id="3250" r:id="rId7"/>
-    <p:sldId id="3251" r:id="rId8"/>
-    <p:sldId id="3252" r:id="rId9"/>
-    <p:sldId id="1839" r:id="rId10"/>
-    <p:sldId id="2726" r:id="rId11"/>
-    <p:sldId id="3254" r:id="rId12"/>
-    <p:sldId id="1838" r:id="rId13"/>
-    <p:sldId id="3255" r:id="rId14"/>
-    <p:sldId id="1837" r:id="rId15"/>
+    <p:sldId id="1836" r:id="rId3"/>
+    <p:sldId id="1795" r:id="rId5"/>
+    <p:sldId id="2727" r:id="rId6"/>
+    <p:sldId id="2728" r:id="rId7"/>
+    <p:sldId id="3253" r:id="rId8"/>
+    <p:sldId id="3250" r:id="rId9"/>
+    <p:sldId id="3251" r:id="rId10"/>
+    <p:sldId id="3252" r:id="rId11"/>
+    <p:sldId id="1839" r:id="rId12"/>
+    <p:sldId id="2726" r:id="rId13"/>
+    <p:sldId id="3254" r:id="rId14"/>
+    <p:sldId id="1838" r:id="rId15"/>
+    <p:sldId id="3255" r:id="rId16"/>
+    <p:sldId id="1837" r:id="rId17"/>
   </p:sldIdLst>
   <p:sldSz cx="12192000" cy="6858000"/>
   <p:notesSz cx="6858000" cy="9144000"/>
@@ -120,11 +120,6 @@
       </a:defRPr>
     </a:lvl9pPr>
   </p:defaultTextStyle>
-  <p:extLst>
-    <p:ext uri="{EFAFB233-063F-42B5-8137-9DF3F51BA10A}">
-      <p15:sldGuideLst xmlns:p15="http://schemas.microsoft.com/office/powerpoint/2012/main"/>
-    </p:ext>
-  </p:extLst>
 </p:presentation>
 </file>
 
@@ -210,7 +205,6 @@
           <a:p>
             <a:fld id="{71E24C40-B019-4B59-92A9-1446C112029E}" type="datetimeFigureOut">
               <a:rPr lang="zh-CN" altLang="en-US" smtClean="0"/>
-              <a:t>2025/4/16</a:t>
             </a:fld>
             <a:endParaRPr lang="zh-CN" altLang="en-US"/>
           </a:p>
@@ -277,6 +271,7 @@
               <a:rPr lang="zh-CN" altLang="en-US"/>
               <a:t>单击此处编辑母版文本样式</a:t>
             </a:r>
+            <a:endParaRPr lang="zh-CN" altLang="en-US"/>
           </a:p>
           <a:p>
             <a:pPr lvl="1"/>
@@ -284,6 +279,7 @@
               <a:rPr lang="zh-CN" altLang="en-US"/>
               <a:t>二级</a:t>
             </a:r>
+            <a:endParaRPr lang="zh-CN" altLang="en-US"/>
           </a:p>
           <a:p>
             <a:pPr lvl="2"/>
@@ -291,6 +287,7 @@
               <a:rPr lang="zh-CN" altLang="en-US"/>
               <a:t>三级</a:t>
             </a:r>
+            <a:endParaRPr lang="zh-CN" altLang="en-US"/>
           </a:p>
           <a:p>
             <a:pPr lvl="3"/>
@@ -298,6 +295,7 @@
               <a:rPr lang="zh-CN" altLang="en-US"/>
               <a:t>四级</a:t>
             </a:r>
+            <a:endParaRPr lang="zh-CN" altLang="en-US"/>
           </a:p>
           <a:p>
             <a:pPr lvl="4"/>
@@ -305,6 +303,7 @@
               <a:rPr lang="zh-CN" altLang="en-US"/>
               <a:t>五级</a:t>
             </a:r>
+            <a:endParaRPr lang="zh-CN" altLang="en-US"/>
           </a:p>
         </p:txBody>
       </p:sp>
@@ -368,18 +367,12 @@
           <a:p>
             <a:fld id="{8A9512ED-2DBB-4EE8-8DC6-C64CADA43524}" type="slidenum">
               <a:rPr lang="zh-CN" altLang="en-US" smtClean="0"/>
-              <a:t>‹#›</a:t>
             </a:fld>
             <a:endParaRPr lang="zh-CN" altLang="en-US"/>
           </a:p>
         </p:txBody>
       </p:sp>
     </p:spTree>
-    <p:extLst>
-      <p:ext uri="{BB962C8B-B14F-4D97-AF65-F5344CB8AC3E}">
-        <p14:creationId xmlns:p14="http://schemas.microsoft.com/office/powerpoint/2010/main" val="2291475907"/>
-      </p:ext>
-    </p:extLst>
   </p:cSld>
   <p:clrMap bg1="lt1" tx1="dk1" bg2="lt2" tx2="dk2" accent1="accent1" accent2="accent2" accent3="accent3" accent4="accent4" accent5="accent5" accent6="accent6" hlink="hlink" folHlink="folHlink"/>
   <p:notesStyle>
@@ -554,7 +547,6 @@
               <a:buSzTx/>
               <a:buFontTx/>
               <a:buNone/>
-              <a:tabLst/>
               <a:defRPr/>
             </a:pPr>
             <a:fld id="{CD7A2CCA-E5D5-4859-8035-B358016F08F8}" type="slidenum">
@@ -568,28 +560,10 @@
                 <a:effectLst/>
                 <a:uLnTx/>
                 <a:uFillTx/>
-                <a:latin typeface="微软雅黑" panose="020B0503020204020204" pitchFamily="34" charset="-122"/>
-                <a:ea typeface="微软雅黑" panose="020B0503020204020204" pitchFamily="34" charset="-122"/>
+                <a:latin typeface="微软雅黑" panose="020B0503020204020204" charset="-122"/>
+                <a:ea typeface="微软雅黑" panose="020B0503020204020204" charset="-122"/>
                 <a:cs typeface="+mn-cs"/>
               </a:rPr>
-              <a:pPr marL="0" marR="0" lvl="0" indent="0" algn="r" defTabSz="914400" rtl="0" eaLnBrk="1" fontAlgn="auto" latinLnBrk="0" hangingPunct="1">
-                <a:lnSpc>
-                  <a:spcPct val="100000"/>
-                </a:lnSpc>
-                <a:spcBef>
-                  <a:spcPts val="0"/>
-                </a:spcBef>
-                <a:spcAft>
-                  <a:spcPts val="0"/>
-                </a:spcAft>
-                <a:buClrTx/>
-                <a:buSzTx/>
-                <a:buFontTx/>
-                <a:buNone/>
-                <a:tabLst/>
-                <a:defRPr/>
-              </a:pPr>
-              <a:t>1</a:t>
             </a:fld>
             <a:endParaRPr kumimoji="0" lang="zh-CN" altLang="en-US" sz="1200" b="0" i="0" u="none" strike="noStrike" kern="1200" cap="none" spc="0" normalizeH="0" baseline="0" noProof="0" dirty="0">
               <a:ln>
@@ -601,19 +575,14 @@
               <a:effectLst/>
               <a:uLnTx/>
               <a:uFillTx/>
-              <a:latin typeface="微软雅黑" panose="020B0503020204020204" pitchFamily="34" charset="-122"/>
-              <a:ea typeface="微软雅黑" panose="020B0503020204020204" pitchFamily="34" charset="-122"/>
+              <a:latin typeface="微软雅黑" panose="020B0503020204020204" charset="-122"/>
+              <a:ea typeface="微软雅黑" panose="020B0503020204020204" charset="-122"/>
               <a:cs typeface="+mn-cs"/>
             </a:endParaRPr>
           </a:p>
         </p:txBody>
       </p:sp>
     </p:spTree>
-    <p:extLst>
-      <p:ext uri="{BB962C8B-B14F-4D97-AF65-F5344CB8AC3E}">
-        <p14:creationId xmlns:p14="http://schemas.microsoft.com/office/powerpoint/2010/main" val="446691437"/>
-      </p:ext>
-    </p:extLst>
   </p:cSld>
   <p:clrMapOvr>
     <a:masterClrMapping/>
@@ -689,21 +658,12 @@
             </a:pPr>
             <a:fld id="{CD7A2CCA-E5D5-4859-8035-B358016F08F8}" type="slidenum">
               <a:rPr lang="zh-CN" altLang="en-US" smtClean="0"/>
-              <a:pPr>
-                <a:defRPr/>
-              </a:pPr>
-              <a:t>10</a:t>
             </a:fld>
             <a:endParaRPr lang="zh-CN" altLang="en-US" dirty="0"/>
           </a:p>
         </p:txBody>
       </p:sp>
     </p:spTree>
-    <p:extLst>
-      <p:ext uri="{BB962C8B-B14F-4D97-AF65-F5344CB8AC3E}">
-        <p14:creationId xmlns:p14="http://schemas.microsoft.com/office/powerpoint/2010/main" val="2552778272"/>
-      </p:ext>
-    </p:extLst>
   </p:cSld>
   <p:clrMapOvr>
     <a:masterClrMapping/>
@@ -779,21 +739,12 @@
             </a:pPr>
             <a:fld id="{CD7A2CCA-E5D5-4859-8035-B358016F08F8}" type="slidenum">
               <a:rPr lang="zh-CN" altLang="en-US" smtClean="0"/>
-              <a:pPr>
-                <a:defRPr/>
-              </a:pPr>
-              <a:t>11</a:t>
             </a:fld>
             <a:endParaRPr lang="zh-CN" altLang="en-US" dirty="0"/>
           </a:p>
         </p:txBody>
       </p:sp>
     </p:spTree>
-    <p:extLst>
-      <p:ext uri="{BB962C8B-B14F-4D97-AF65-F5344CB8AC3E}">
-        <p14:creationId xmlns:p14="http://schemas.microsoft.com/office/powerpoint/2010/main" val="1538430350"/>
-      </p:ext>
-    </p:extLst>
   </p:cSld>
   <p:clrMapOvr>
     <a:masterClrMapping/>
@@ -869,21 +820,12 @@
             </a:pPr>
             <a:fld id="{CD7A2CCA-E5D5-4859-8035-B358016F08F8}" type="slidenum">
               <a:rPr lang="zh-CN" altLang="en-US" smtClean="0"/>
-              <a:pPr>
-                <a:defRPr/>
-              </a:pPr>
-              <a:t>12</a:t>
             </a:fld>
             <a:endParaRPr lang="zh-CN" altLang="en-US" dirty="0"/>
           </a:p>
         </p:txBody>
       </p:sp>
     </p:spTree>
-    <p:extLst>
-      <p:ext uri="{BB962C8B-B14F-4D97-AF65-F5344CB8AC3E}">
-        <p14:creationId xmlns:p14="http://schemas.microsoft.com/office/powerpoint/2010/main" val="3062964988"/>
-      </p:ext>
-    </p:extLst>
   </p:cSld>
   <p:clrMapOvr>
     <a:masterClrMapping/>
@@ -949,7 +891,6 @@
               <a:buSzTx/>
               <a:buFontTx/>
               <a:buNone/>
-              <a:tabLst/>
             </a:pPr>
             <a:r>
               <a:rPr kumimoji="0" lang="zh-CN" altLang="zh-CN" sz="1200" b="0" i="0" u="none" strike="noStrike" cap="none" normalizeH="0" baseline="0" dirty="0">
@@ -1158,7 +1099,6 @@
               <a:buSzTx/>
               <a:buFontTx/>
               <a:buNone/>
-              <a:tabLst/>
             </a:pPr>
             <a:r>
               <a:rPr kumimoji="0" lang="zh-CN" altLang="zh-CN" sz="1200" b="0" i="0" u="none" strike="noStrike" cap="none" normalizeH="0" baseline="0" dirty="0">
@@ -1199,7 +1139,6 @@
               <a:buSzTx/>
               <a:buFontTx/>
               <a:buNone/>
-              <a:tabLst/>
             </a:pPr>
             <a:r>
               <a:rPr kumimoji="0" lang="zh-CN" altLang="zh-CN" sz="1200" b="0" i="0" u="none" strike="noStrike" cap="none" normalizeH="0" baseline="0" dirty="0">
@@ -1251,21 +1190,12 @@
             </a:pPr>
             <a:fld id="{CD7A2CCA-E5D5-4859-8035-B358016F08F8}" type="slidenum">
               <a:rPr lang="zh-CN" altLang="en-US" smtClean="0"/>
-              <a:pPr>
-                <a:defRPr/>
-              </a:pPr>
-              <a:t>13</a:t>
             </a:fld>
             <a:endParaRPr lang="zh-CN" altLang="en-US" dirty="0"/>
           </a:p>
         </p:txBody>
       </p:sp>
     </p:spTree>
-    <p:extLst>
-      <p:ext uri="{BB962C8B-B14F-4D97-AF65-F5344CB8AC3E}">
-        <p14:creationId xmlns:p14="http://schemas.microsoft.com/office/powerpoint/2010/main" val="1764217994"/>
-      </p:ext>
-    </p:extLst>
   </p:cSld>
   <p:clrMapOvr>
     <a:masterClrMapping/>
@@ -1350,7 +1280,6 @@
               <a:buSzTx/>
               <a:buFontTx/>
               <a:buNone/>
-              <a:tabLst/>
               <a:defRPr/>
             </a:pPr>
             <a:fld id="{CD7A2CCA-E5D5-4859-8035-B358016F08F8}" type="slidenum">
@@ -1364,28 +1293,10 @@
                 <a:effectLst/>
                 <a:uLnTx/>
                 <a:uFillTx/>
-                <a:latin typeface="微软雅黑" panose="020B0503020204020204" pitchFamily="34" charset="-122"/>
-                <a:ea typeface="微软雅黑" panose="020B0503020204020204" pitchFamily="34" charset="-122"/>
+                <a:latin typeface="微软雅黑" panose="020B0503020204020204" charset="-122"/>
+                <a:ea typeface="微软雅黑" panose="020B0503020204020204" charset="-122"/>
                 <a:cs typeface="+mn-cs"/>
               </a:rPr>
-              <a:pPr marL="0" marR="0" lvl="0" indent="0" algn="r" defTabSz="914400" rtl="0" eaLnBrk="1" fontAlgn="auto" latinLnBrk="0" hangingPunct="1">
-                <a:lnSpc>
-                  <a:spcPct val="100000"/>
-                </a:lnSpc>
-                <a:spcBef>
-                  <a:spcPts val="0"/>
-                </a:spcBef>
-                <a:spcAft>
-                  <a:spcPts val="0"/>
-                </a:spcAft>
-                <a:buClrTx/>
-                <a:buSzTx/>
-                <a:buFontTx/>
-                <a:buNone/>
-                <a:tabLst/>
-                <a:defRPr/>
-              </a:pPr>
-              <a:t>14</a:t>
             </a:fld>
             <a:endParaRPr kumimoji="0" lang="zh-CN" altLang="en-US" sz="1200" b="0" i="0" u="none" strike="noStrike" kern="1200" cap="none" spc="0" normalizeH="0" baseline="0" noProof="0" dirty="0">
               <a:ln>
@@ -1397,19 +1308,14 @@
               <a:effectLst/>
               <a:uLnTx/>
               <a:uFillTx/>
-              <a:latin typeface="微软雅黑" panose="020B0503020204020204" pitchFamily="34" charset="-122"/>
-              <a:ea typeface="微软雅黑" panose="020B0503020204020204" pitchFamily="34" charset="-122"/>
+              <a:latin typeface="微软雅黑" panose="020B0503020204020204" charset="-122"/>
+              <a:ea typeface="微软雅黑" panose="020B0503020204020204" charset="-122"/>
               <a:cs typeface="+mn-cs"/>
             </a:endParaRPr>
           </a:p>
         </p:txBody>
       </p:sp>
     </p:spTree>
-    <p:extLst>
-      <p:ext uri="{BB962C8B-B14F-4D97-AF65-F5344CB8AC3E}">
-        <p14:creationId xmlns:p14="http://schemas.microsoft.com/office/powerpoint/2010/main" val="1070937721"/>
-      </p:ext>
-    </p:extLst>
   </p:cSld>
   <p:clrMapOvr>
     <a:masterClrMapping/>
@@ -1485,21 +1391,12 @@
             </a:pPr>
             <a:fld id="{CD7A2CCA-E5D5-4859-8035-B358016F08F8}" type="slidenum">
               <a:rPr lang="zh-CN" altLang="en-US" smtClean="0"/>
-              <a:pPr>
-                <a:defRPr/>
-              </a:pPr>
-              <a:t>2</a:t>
             </a:fld>
             <a:endParaRPr lang="zh-CN" altLang="en-US" dirty="0"/>
           </a:p>
         </p:txBody>
       </p:sp>
     </p:spTree>
-    <p:extLst>
-      <p:ext uri="{BB962C8B-B14F-4D97-AF65-F5344CB8AC3E}">
-        <p14:creationId xmlns:p14="http://schemas.microsoft.com/office/powerpoint/2010/main" val="3484821464"/>
-      </p:ext>
-    </p:extLst>
   </p:cSld>
   <p:clrMapOvr>
     <a:masterClrMapping/>
@@ -1575,21 +1472,12 @@
             </a:pPr>
             <a:fld id="{CD7A2CCA-E5D5-4859-8035-B358016F08F8}" type="slidenum">
               <a:rPr lang="zh-CN" altLang="en-US" smtClean="0"/>
-              <a:pPr>
-                <a:defRPr/>
-              </a:pPr>
-              <a:t>3</a:t>
             </a:fld>
             <a:endParaRPr lang="zh-CN" altLang="en-US" dirty="0"/>
           </a:p>
         </p:txBody>
       </p:sp>
     </p:spTree>
-    <p:extLst>
-      <p:ext uri="{BB962C8B-B14F-4D97-AF65-F5344CB8AC3E}">
-        <p14:creationId xmlns:p14="http://schemas.microsoft.com/office/powerpoint/2010/main" val="33461271"/>
-      </p:ext>
-    </p:extLst>
   </p:cSld>
   <p:clrMapOvr>
     <a:masterClrMapping/>
@@ -1655,7 +1543,6 @@
               <a:buSzTx/>
               <a:buFontTx/>
               <a:buNone/>
-              <a:tabLst/>
             </a:pPr>
             <a:r>
               <a:rPr kumimoji="0" lang="zh-CN" altLang="zh-CN" sz="1200" b="0" i="0" u="none" strike="noStrike" cap="none" normalizeH="0" baseline="0" dirty="0">
@@ -1864,7 +1751,6 @@
               <a:buSzTx/>
               <a:buFontTx/>
               <a:buNone/>
-              <a:tabLst/>
             </a:pPr>
             <a:r>
               <a:rPr kumimoji="0" lang="zh-CN" altLang="zh-CN" sz="1200" b="0" i="0" u="none" strike="noStrike" cap="none" normalizeH="0" baseline="0" dirty="0">
@@ -1905,7 +1791,6 @@
               <a:buSzTx/>
               <a:buFontTx/>
               <a:buNone/>
-              <a:tabLst/>
             </a:pPr>
             <a:r>
               <a:rPr kumimoji="0" lang="zh-CN" altLang="zh-CN" sz="1200" b="0" i="0" u="none" strike="noStrike" cap="none" normalizeH="0" baseline="0" dirty="0">
@@ -1957,21 +1842,12 @@
             </a:pPr>
             <a:fld id="{CD7A2CCA-E5D5-4859-8035-B358016F08F8}" type="slidenum">
               <a:rPr lang="zh-CN" altLang="en-US" smtClean="0"/>
-              <a:pPr>
-                <a:defRPr/>
-              </a:pPr>
-              <a:t>4</a:t>
             </a:fld>
             <a:endParaRPr lang="zh-CN" altLang="en-US" dirty="0"/>
           </a:p>
         </p:txBody>
       </p:sp>
     </p:spTree>
-    <p:extLst>
-      <p:ext uri="{BB962C8B-B14F-4D97-AF65-F5344CB8AC3E}">
-        <p14:creationId xmlns:p14="http://schemas.microsoft.com/office/powerpoint/2010/main" val="2046578157"/>
-      </p:ext>
-    </p:extLst>
   </p:cSld>
   <p:clrMapOvr>
     <a:masterClrMapping/>
@@ -2037,7 +1913,6 @@
               <a:buSzTx/>
               <a:buFontTx/>
               <a:buNone/>
-              <a:tabLst/>
             </a:pPr>
             <a:r>
               <a:rPr kumimoji="0" lang="zh-CN" altLang="zh-CN" sz="1200" b="0" i="0" u="none" strike="noStrike" cap="none" normalizeH="0" baseline="0" dirty="0">
@@ -2246,7 +2121,6 @@
               <a:buSzTx/>
               <a:buFontTx/>
               <a:buNone/>
-              <a:tabLst/>
             </a:pPr>
             <a:r>
               <a:rPr kumimoji="0" lang="zh-CN" altLang="zh-CN" sz="1200" b="0" i="0" u="none" strike="noStrike" cap="none" normalizeH="0" baseline="0" dirty="0">
@@ -2287,7 +2161,6 @@
               <a:buSzTx/>
               <a:buFontTx/>
               <a:buNone/>
-              <a:tabLst/>
             </a:pPr>
             <a:r>
               <a:rPr kumimoji="0" lang="zh-CN" altLang="zh-CN" sz="1200" b="0" i="0" u="none" strike="noStrike" cap="none" normalizeH="0" baseline="0" dirty="0">
@@ -2339,21 +2212,12 @@
             </a:pPr>
             <a:fld id="{CD7A2CCA-E5D5-4859-8035-B358016F08F8}" type="slidenum">
               <a:rPr lang="zh-CN" altLang="en-US" smtClean="0"/>
-              <a:pPr>
-                <a:defRPr/>
-              </a:pPr>
-              <a:t>5</a:t>
             </a:fld>
             <a:endParaRPr lang="zh-CN" altLang="en-US" dirty="0"/>
           </a:p>
         </p:txBody>
       </p:sp>
     </p:spTree>
-    <p:extLst>
-      <p:ext uri="{BB962C8B-B14F-4D97-AF65-F5344CB8AC3E}">
-        <p14:creationId xmlns:p14="http://schemas.microsoft.com/office/powerpoint/2010/main" val="4111345695"/>
-      </p:ext>
-    </p:extLst>
   </p:cSld>
   <p:clrMapOvr>
     <a:masterClrMapping/>
@@ -2419,7 +2283,6 @@
               <a:buSzTx/>
               <a:buFontTx/>
               <a:buNone/>
-              <a:tabLst/>
             </a:pPr>
             <a:r>
               <a:rPr kumimoji="0" lang="zh-CN" altLang="zh-CN" sz="1200" b="0" i="0" u="none" strike="noStrike" cap="none" normalizeH="0" baseline="0" dirty="0">
@@ -2628,7 +2491,6 @@
               <a:buSzTx/>
               <a:buFontTx/>
               <a:buNone/>
-              <a:tabLst/>
             </a:pPr>
             <a:r>
               <a:rPr kumimoji="0" lang="zh-CN" altLang="zh-CN" sz="1200" b="0" i="0" u="none" strike="noStrike" cap="none" normalizeH="0" baseline="0" dirty="0">
@@ -2669,7 +2531,6 @@
               <a:buSzTx/>
               <a:buFontTx/>
               <a:buNone/>
-              <a:tabLst/>
             </a:pPr>
             <a:r>
               <a:rPr kumimoji="0" lang="zh-CN" altLang="zh-CN" sz="1200" b="0" i="0" u="none" strike="noStrike" cap="none" normalizeH="0" baseline="0" dirty="0">
@@ -2721,21 +2582,12 @@
             </a:pPr>
             <a:fld id="{CD7A2CCA-E5D5-4859-8035-B358016F08F8}" type="slidenum">
               <a:rPr lang="zh-CN" altLang="en-US" smtClean="0"/>
-              <a:pPr>
-                <a:defRPr/>
-              </a:pPr>
-              <a:t>6</a:t>
             </a:fld>
             <a:endParaRPr lang="zh-CN" altLang="en-US" dirty="0"/>
           </a:p>
         </p:txBody>
       </p:sp>
     </p:spTree>
-    <p:extLst>
-      <p:ext uri="{BB962C8B-B14F-4D97-AF65-F5344CB8AC3E}">
-        <p14:creationId xmlns:p14="http://schemas.microsoft.com/office/powerpoint/2010/main" val="2642574644"/>
-      </p:ext>
-    </p:extLst>
   </p:cSld>
   <p:clrMapOvr>
     <a:masterClrMapping/>
@@ -2801,7 +2653,6 @@
               <a:buSzTx/>
               <a:buFontTx/>
               <a:buNone/>
-              <a:tabLst/>
             </a:pPr>
             <a:r>
               <a:rPr kumimoji="0" lang="zh-CN" altLang="zh-CN" sz="1200" b="0" i="0" u="none" strike="noStrike" cap="none" normalizeH="0" baseline="0" dirty="0">
@@ -3010,7 +2861,6 @@
               <a:buSzTx/>
               <a:buFontTx/>
               <a:buNone/>
-              <a:tabLst/>
             </a:pPr>
             <a:r>
               <a:rPr kumimoji="0" lang="zh-CN" altLang="zh-CN" sz="1200" b="0" i="0" u="none" strike="noStrike" cap="none" normalizeH="0" baseline="0" dirty="0">
@@ -3051,7 +2901,6 @@
               <a:buSzTx/>
               <a:buFontTx/>
               <a:buNone/>
-              <a:tabLst/>
             </a:pPr>
             <a:r>
               <a:rPr kumimoji="0" lang="zh-CN" altLang="zh-CN" sz="1200" b="0" i="0" u="none" strike="noStrike" cap="none" normalizeH="0" baseline="0" dirty="0">
@@ -3103,21 +2952,12 @@
             </a:pPr>
             <a:fld id="{CD7A2CCA-E5D5-4859-8035-B358016F08F8}" type="slidenum">
               <a:rPr lang="zh-CN" altLang="en-US" smtClean="0"/>
-              <a:pPr>
-                <a:defRPr/>
-              </a:pPr>
-              <a:t>7</a:t>
             </a:fld>
             <a:endParaRPr lang="zh-CN" altLang="en-US" dirty="0"/>
           </a:p>
         </p:txBody>
       </p:sp>
     </p:spTree>
-    <p:extLst>
-      <p:ext uri="{BB962C8B-B14F-4D97-AF65-F5344CB8AC3E}">
-        <p14:creationId xmlns:p14="http://schemas.microsoft.com/office/powerpoint/2010/main" val="3744030197"/>
-      </p:ext>
-    </p:extLst>
   </p:cSld>
   <p:clrMapOvr>
     <a:masterClrMapping/>
@@ -3183,7 +3023,6 @@
               <a:buSzTx/>
               <a:buFontTx/>
               <a:buNone/>
-              <a:tabLst/>
             </a:pPr>
             <a:r>
               <a:rPr kumimoji="0" lang="zh-CN" altLang="zh-CN" sz="1200" b="0" i="0" u="none" strike="noStrike" cap="none" normalizeH="0" baseline="0" dirty="0">
@@ -3392,7 +3231,6 @@
               <a:buSzTx/>
               <a:buFontTx/>
               <a:buNone/>
-              <a:tabLst/>
             </a:pPr>
             <a:r>
               <a:rPr kumimoji="0" lang="zh-CN" altLang="zh-CN" sz="1200" b="0" i="0" u="none" strike="noStrike" cap="none" normalizeH="0" baseline="0" dirty="0">
@@ -3433,7 +3271,6 @@
               <a:buSzTx/>
               <a:buFontTx/>
               <a:buNone/>
-              <a:tabLst/>
             </a:pPr>
             <a:r>
               <a:rPr kumimoji="0" lang="zh-CN" altLang="zh-CN" sz="1200" b="0" i="0" u="none" strike="noStrike" cap="none" normalizeH="0" baseline="0" dirty="0">
@@ -3485,21 +3322,12 @@
             </a:pPr>
             <a:fld id="{CD7A2CCA-E5D5-4859-8035-B358016F08F8}" type="slidenum">
               <a:rPr lang="zh-CN" altLang="en-US" smtClean="0"/>
-              <a:pPr>
-                <a:defRPr/>
-              </a:pPr>
-              <a:t>8</a:t>
             </a:fld>
             <a:endParaRPr lang="zh-CN" altLang="en-US" dirty="0"/>
           </a:p>
         </p:txBody>
       </p:sp>
     </p:spTree>
-    <p:extLst>
-      <p:ext uri="{BB962C8B-B14F-4D97-AF65-F5344CB8AC3E}">
-        <p14:creationId xmlns:p14="http://schemas.microsoft.com/office/powerpoint/2010/main" val="3590316946"/>
-      </p:ext>
-    </p:extLst>
   </p:cSld>
   <p:clrMapOvr>
     <a:masterClrMapping/>
@@ -3575,21 +3403,12 @@
             </a:pPr>
             <a:fld id="{CD7A2CCA-E5D5-4859-8035-B358016F08F8}" type="slidenum">
               <a:rPr lang="zh-CN" altLang="en-US" smtClean="0"/>
-              <a:pPr>
-                <a:defRPr/>
-              </a:pPr>
-              <a:t>9</a:t>
             </a:fld>
             <a:endParaRPr lang="zh-CN" altLang="en-US" dirty="0"/>
           </a:p>
         </p:txBody>
       </p:sp>
     </p:spTree>
-    <p:extLst>
-      <p:ext uri="{BB962C8B-B14F-4D97-AF65-F5344CB8AC3E}">
-        <p14:creationId xmlns:p14="http://schemas.microsoft.com/office/powerpoint/2010/main" val="3860241781"/>
-      </p:ext>
-    </p:extLst>
   </p:cSld>
   <p:clrMapOvr>
     <a:masterClrMapping/>
@@ -3640,13 +3459,7 @@
       </p:pic>
       <p:sp>
         <p:nvSpPr>
-          <p:cNvPr id="37" name="任意形状 36">
-            <a:extLst>
-              <a:ext uri="{FF2B5EF4-FFF2-40B4-BE49-F238E27FC236}">
-                <a16:creationId xmlns:a16="http://schemas.microsoft.com/office/drawing/2014/main" id="{094E4669-55C5-874C-A68C-6E431CC09A50}"/>
-              </a:ext>
-            </a:extLst>
-          </p:cNvPr>
+          <p:cNvPr id="37" name="任意形状 36"/>
           <p:cNvSpPr/>
           <p:nvPr userDrawn="1"/>
         </p:nvSpPr>
@@ -3778,9 +3591,6 @@
         </p:style>
         <p:txBody>
           <a:bodyPr rot="0" spcFirstLastPara="0" vertOverflow="overflow" horzOverflow="overflow" vert="horz" wrap="square" lIns="180000" tIns="180000" rIns="180000" bIns="180000" numCol="1" spcCol="0" rtlCol="0" fromWordArt="0" anchor="t" anchorCtr="0" forceAA="0" compatLnSpc="1">
-            <a:prstTxWarp prst="textNoShape">
-              <a:avLst/>
-            </a:prstTxWarp>
             <a:noAutofit/>
           </a:bodyPr>
           <a:lstStyle/>
@@ -3799,7 +3609,6 @@
               <a:buSzTx/>
               <a:buFontTx/>
               <a:buNone/>
-              <a:tabLst/>
               <a:defRPr/>
             </a:pPr>
             <a:endParaRPr kumimoji="1" lang="zh-CN" altLang="en-US" sz="2000" b="0" i="0" u="none" strike="noStrike" kern="1200" cap="none" spc="0" normalizeH="0" baseline="0" noProof="0" dirty="0">
@@ -3815,8 +3624,8 @@
               <a:effectLst/>
               <a:uLnTx/>
               <a:uFillTx/>
-              <a:latin typeface="微软雅黑"/>
-              <a:ea typeface="微软雅黑"/>
+              <a:latin typeface="微软雅黑" panose="020B0503020204020204" charset="-122"/>
+              <a:ea typeface="微软雅黑" panose="020B0503020204020204" charset="-122"/>
               <a:cs typeface="+mn-cs"/>
             </a:endParaRPr>
           </a:p>
@@ -3824,13 +3633,7 @@
       </p:sp>
       <p:sp>
         <p:nvSpPr>
-          <p:cNvPr id="41" name="矩形 40">
-            <a:extLst>
-              <a:ext uri="{FF2B5EF4-FFF2-40B4-BE49-F238E27FC236}">
-                <a16:creationId xmlns:a16="http://schemas.microsoft.com/office/drawing/2014/main" id="{752274E9-6CD8-164F-A448-48D8BF6118A2}"/>
-              </a:ext>
-            </a:extLst>
-          </p:cNvPr>
+          <p:cNvPr id="41" name="矩形 40"/>
           <p:cNvSpPr/>
           <p:nvPr userDrawn="1"/>
         </p:nvSpPr>
@@ -3869,9 +3672,6 @@
         </p:style>
         <p:txBody>
           <a:bodyPr rot="0" spcFirstLastPara="0" vertOverflow="overflow" horzOverflow="overflow" vert="horz" wrap="square" lIns="180000" tIns="180000" rIns="180000" bIns="180000" numCol="1" spcCol="0" rtlCol="0" fromWordArt="0" anchor="t" anchorCtr="0" forceAA="0" compatLnSpc="1">
-            <a:prstTxWarp prst="textNoShape">
-              <a:avLst/>
-            </a:prstTxWarp>
             <a:normAutofit fontScale="25000" lnSpcReduction="20000"/>
           </a:bodyPr>
           <a:lstStyle/>
@@ -3890,7 +3690,6 @@
               <a:buSzTx/>
               <a:buFontTx/>
               <a:buNone/>
-              <a:tabLst/>
               <a:defRPr/>
             </a:pPr>
             <a:endParaRPr kumimoji="1" lang="zh-CN" altLang="en-US" sz="2000" b="0" i="0" u="none" strike="noStrike" kern="1200" cap="none" spc="0" normalizeH="0" baseline="0" noProof="0" dirty="0">
@@ -3906,8 +3705,8 @@
               <a:effectLst/>
               <a:uLnTx/>
               <a:uFillTx/>
-              <a:latin typeface="微软雅黑"/>
-              <a:ea typeface="微软雅黑"/>
+              <a:latin typeface="微软雅黑" panose="020B0503020204020204" charset="-122"/>
+              <a:ea typeface="微软雅黑" panose="020B0503020204020204" charset="-122"/>
               <a:cs typeface="+mn-cs"/>
             </a:endParaRPr>
           </a:p>
@@ -3922,13 +3721,7 @@
           <p:nvPr userDrawn="1"/>
         </p:nvPicPr>
         <p:blipFill>
-          <a:blip r:embed="rId3" cstate="print">
-            <a:extLst>
-              <a:ext uri="{28A0092B-C50C-407E-A947-70E740481C1C}">
-                <a14:useLocalDpi xmlns:a14="http://schemas.microsoft.com/office/drawing/2010/main"/>
-              </a:ext>
-            </a:extLst>
-          </a:blip>
+          <a:blip r:embed="rId3" cstate="print"/>
           <a:stretch>
             <a:fillRect/>
           </a:stretch>
@@ -3982,7 +3775,6 @@
               <a:buSzTx/>
               <a:buFontTx/>
               <a:buNone/>
-              <a:tabLst/>
               <a:defRPr/>
             </a:pPr>
             <a:r>
@@ -3996,8 +3788,8 @@
                 <a:effectLst/>
                 <a:uLnTx/>
                 <a:uFillTx/>
-                <a:latin typeface="微软雅黑"/>
-                <a:ea typeface="微软雅黑"/>
+                <a:latin typeface="微软雅黑" panose="020B0503020204020204" charset="-122"/>
+                <a:ea typeface="微软雅黑" panose="020B0503020204020204" charset="-122"/>
                 <a:cs typeface="+mn-cs"/>
               </a:rPr>
               <a:t>BIT</a:t>
@@ -4013,8 +3805,8 @@
                 <a:effectLst/>
                 <a:uLnTx/>
                 <a:uFillTx/>
-                <a:latin typeface="微软雅黑"/>
-                <a:ea typeface="微软雅黑" panose="020B0503020204020204" pitchFamily="34" charset="-122"/>
+                <a:latin typeface="微软雅黑" panose="020B0503020204020204" charset="-122"/>
+                <a:ea typeface="微软雅黑" panose="020B0503020204020204" charset="-122"/>
                 <a:cs typeface="+mn-cs"/>
               </a:rPr>
               <a:t> </a:t>
@@ -4030,8 +3822,8 @@
                 <a:effectLst/>
                 <a:uLnTx/>
                 <a:uFillTx/>
-                <a:latin typeface="微软雅黑"/>
-                <a:ea typeface="微软雅黑" panose="020B0503020204020204" pitchFamily="34" charset="-122"/>
+                <a:latin typeface="微软雅黑" panose="020B0503020204020204" charset="-122"/>
+                <a:ea typeface="微软雅黑" panose="020B0503020204020204" charset="-122"/>
                 <a:cs typeface="+mn-cs"/>
               </a:rPr>
               <a:t>|</a:t>
@@ -4047,8 +3839,8 @@
                 <a:effectLst/>
                 <a:uLnTx/>
                 <a:uFillTx/>
-                <a:latin typeface="微软雅黑"/>
-                <a:ea typeface="微软雅黑" panose="020B0503020204020204" pitchFamily="34" charset="-122"/>
+                <a:latin typeface="微软雅黑" panose="020B0503020204020204" charset="-122"/>
+                <a:ea typeface="微软雅黑" panose="020B0503020204020204" charset="-122"/>
                 <a:cs typeface="+mn-cs"/>
               </a:rPr>
               <a:t> </a:t>
@@ -4064,8 +3856,8 @@
                 <a:effectLst/>
                 <a:uLnTx/>
                 <a:uFillTx/>
-                <a:latin typeface="微软雅黑"/>
-                <a:ea typeface="微软雅黑" panose="020B0503020204020204" pitchFamily="34" charset="-122"/>
+                <a:latin typeface="微软雅黑" panose="020B0503020204020204" charset="-122"/>
+                <a:ea typeface="微软雅黑" panose="020B0503020204020204" charset="-122"/>
                 <a:cs typeface="+mn-cs"/>
               </a:rPr>
               <a:t>SINCE 1940</a:t>
@@ -4117,16 +3909,8 @@
           </p:grpSpPr>
           <p:sp>
             <p:nvSpPr>
-              <p:cNvPr id="75" name="Freeform 5">
-                <a:extLst>
-                  <a:ext uri="{FF2B5EF4-FFF2-40B4-BE49-F238E27FC236}">
-                    <a16:creationId xmlns:a16="http://schemas.microsoft.com/office/drawing/2014/main" id="{7EF8326A-A460-4F1F-A35E-22F6C0E02782}"/>
-                  </a:ext>
-                </a:extLst>
-              </p:cNvPr>
-              <p:cNvSpPr>
-                <a:spLocks/>
-              </p:cNvSpPr>
+              <p:cNvPr id="75" name="Freeform 5"/>
+              <p:cNvSpPr/>
               <p:nvPr/>
             </p:nvSpPr>
             <p:spPr bwMode="auto">
@@ -4829,11 +4613,7 @@
               </a:ln>
             </p:spPr>
             <p:txBody>
-              <a:bodyPr vert="horz" wrap="square" lIns="91440" tIns="45720" rIns="91440" bIns="45720" numCol="1" anchor="t" anchorCtr="0" compatLnSpc="1">
-                <a:prstTxWarp prst="textNoShape">
-                  <a:avLst/>
-                </a:prstTxWarp>
-              </a:bodyPr>
+              <a:bodyPr vert="horz" wrap="square" lIns="91440" tIns="45720" rIns="91440" bIns="45720" numCol="1" anchor="t" anchorCtr="0" compatLnSpc="1"/>
               <a:lstStyle/>
               <a:p>
                 <a:pPr marL="0" marR="0" lvl="0" indent="0" algn="l" defTabSz="914400" rtl="0" eaLnBrk="0" fontAlgn="base" latinLnBrk="0" hangingPunct="0">
@@ -4850,7 +4630,6 @@
                   <a:buSzTx/>
                   <a:buFontTx/>
                   <a:buNone/>
-                  <a:tabLst/>
                   <a:defRPr/>
                 </a:pPr>
                 <a:endParaRPr kumimoji="0" lang="zh-CN" altLang="en-US" sz="1800" b="0" i="0" u="none" strike="noStrike" kern="1200" cap="none" spc="0" normalizeH="0" baseline="0" noProof="0">
@@ -4864,7 +4643,7 @@
                   <a:uLnTx/>
                   <a:uFillTx/>
                   <a:latin typeface="Century Gothic" panose="020B0502020202020204" pitchFamily="34" charset="0"/>
-                  <a:ea typeface="微软雅黑" panose="020B0503020204020204" pitchFamily="34" charset="-122"/>
+                  <a:ea typeface="微软雅黑" panose="020B0503020204020204" charset="-122"/>
                   <a:cs typeface="+mn-cs"/>
                 </a:endParaRPr>
               </a:p>
@@ -4872,16 +4651,8 @@
           </p:sp>
           <p:sp>
             <p:nvSpPr>
-              <p:cNvPr id="76" name="Freeform 6">
-                <a:extLst>
-                  <a:ext uri="{FF2B5EF4-FFF2-40B4-BE49-F238E27FC236}">
-                    <a16:creationId xmlns:a16="http://schemas.microsoft.com/office/drawing/2014/main" id="{CC1FA68D-3307-481A-8E89-D3CB2E8693F4}"/>
-                  </a:ext>
-                </a:extLst>
-              </p:cNvPr>
-              <p:cNvSpPr>
-                <a:spLocks/>
-              </p:cNvSpPr>
+              <p:cNvPr id="76" name="Freeform 6"/>
+              <p:cNvSpPr/>
               <p:nvPr/>
             </p:nvSpPr>
             <p:spPr bwMode="auto">
@@ -5109,11 +4880,7 @@
               </a:ln>
             </p:spPr>
             <p:txBody>
-              <a:bodyPr vert="horz" wrap="square" lIns="91440" tIns="45720" rIns="91440" bIns="45720" numCol="1" anchor="t" anchorCtr="0" compatLnSpc="1">
-                <a:prstTxWarp prst="textNoShape">
-                  <a:avLst/>
-                </a:prstTxWarp>
-              </a:bodyPr>
+              <a:bodyPr vert="horz" wrap="square" lIns="91440" tIns="45720" rIns="91440" bIns="45720" numCol="1" anchor="t" anchorCtr="0" compatLnSpc="1"/>
               <a:lstStyle/>
               <a:p>
                 <a:pPr marL="0" marR="0" lvl="0" indent="0" algn="l" defTabSz="914400" rtl="0" eaLnBrk="0" fontAlgn="base" latinLnBrk="0" hangingPunct="0">
@@ -5130,7 +4897,6 @@
                   <a:buSzTx/>
                   <a:buFontTx/>
                   <a:buNone/>
-                  <a:tabLst/>
                   <a:defRPr/>
                 </a:pPr>
                 <a:endParaRPr kumimoji="0" lang="zh-CN" altLang="en-US" sz="1800" b="0" i="0" u="none" strike="noStrike" kern="1200" cap="none" spc="0" normalizeH="0" baseline="0" noProof="0">
@@ -5144,7 +4910,7 @@
                   <a:uLnTx/>
                   <a:uFillTx/>
                   <a:latin typeface="Century Gothic" panose="020B0502020202020204" pitchFamily="34" charset="0"/>
-                  <a:ea typeface="微软雅黑" panose="020B0503020204020204" pitchFamily="34" charset="-122"/>
+                  <a:ea typeface="微软雅黑" panose="020B0503020204020204" charset="-122"/>
                   <a:cs typeface="+mn-cs"/>
                 </a:endParaRPr>
               </a:p>
@@ -5152,13 +4918,7 @@
           </p:sp>
           <p:grpSp>
             <p:nvGrpSpPr>
-              <p:cNvPr id="77" name="组合 76">
-                <a:extLst>
-                  <a:ext uri="{FF2B5EF4-FFF2-40B4-BE49-F238E27FC236}">
-                    <a16:creationId xmlns:a16="http://schemas.microsoft.com/office/drawing/2014/main" id="{C7A6E3E5-9A1F-4E06-9E71-F1D7E5C11C32}"/>
-                  </a:ext>
-                </a:extLst>
-              </p:cNvPr>
+              <p:cNvPr id="77" name="组合 76"/>
               <p:cNvGrpSpPr/>
               <p:nvPr/>
             </p:nvGrpSpPr>
@@ -5175,16 +4935,8 @@
             </p:grpSpPr>
             <p:sp>
               <p:nvSpPr>
-                <p:cNvPr id="82" name="Freeform 7">
-                  <a:extLst>
-                    <a:ext uri="{FF2B5EF4-FFF2-40B4-BE49-F238E27FC236}">
-                      <a16:creationId xmlns:a16="http://schemas.microsoft.com/office/drawing/2014/main" id="{02368C72-9CA0-44B0-93EC-F396645A3423}"/>
-                    </a:ext>
-                  </a:extLst>
-                </p:cNvPr>
-                <p:cNvSpPr>
-                  <a:spLocks/>
-                </p:cNvSpPr>
+                <p:cNvPr id="82" name="Freeform 7"/>
+                <p:cNvSpPr/>
                 <p:nvPr/>
               </p:nvSpPr>
               <p:spPr bwMode="auto">
@@ -5665,18 +5417,12 @@
                         <a:srgbClr val="000000"/>
                       </a:solidFill>
                       <a:round/>
-                      <a:headEnd/>
-                      <a:tailEnd/>
                     </a14:hiddenLine>
                   </a:ext>
                 </a:extLst>
               </p:spPr>
               <p:txBody>
-                <a:bodyPr vert="horz" wrap="square" lIns="91440" tIns="45720" rIns="91440" bIns="45720" numCol="1" anchor="t" anchorCtr="0" compatLnSpc="1">
-                  <a:prstTxWarp prst="textNoShape">
-                    <a:avLst/>
-                  </a:prstTxWarp>
-                </a:bodyPr>
+                <a:bodyPr vert="horz" wrap="square" lIns="91440" tIns="45720" rIns="91440" bIns="45720" numCol="1" anchor="t" anchorCtr="0" compatLnSpc="1"/>
                 <a:lstStyle/>
                 <a:p>
                   <a:pPr marL="0" marR="0" lvl="0" indent="0" algn="l" defTabSz="914400" rtl="0" eaLnBrk="0" fontAlgn="base" latinLnBrk="0" hangingPunct="0">
@@ -5693,7 +5439,6 @@
                     <a:buSzTx/>
                     <a:buFontTx/>
                     <a:buNone/>
-                    <a:tabLst/>
                     <a:defRPr/>
                   </a:pPr>
                   <a:endParaRPr kumimoji="0" lang="zh-CN" altLang="en-US" sz="1800" b="0" i="0" u="none" strike="noStrike" kern="1200" cap="none" spc="0" normalizeH="0" baseline="0" noProof="0">
@@ -5707,7 +5452,7 @@
                     <a:uLnTx/>
                     <a:uFillTx/>
                     <a:latin typeface="Century Gothic" panose="020B0502020202020204" pitchFamily="34" charset="0"/>
-                    <a:ea typeface="微软雅黑" panose="020B0503020204020204" pitchFamily="34" charset="-122"/>
+                    <a:ea typeface="微软雅黑" panose="020B0503020204020204" charset="-122"/>
                     <a:cs typeface="+mn-cs"/>
                   </a:endParaRPr>
                 </a:p>
@@ -5715,16 +5460,8 @@
             </p:sp>
             <p:sp>
               <p:nvSpPr>
-                <p:cNvPr id="83" name="Freeform 8">
-                  <a:extLst>
-                    <a:ext uri="{FF2B5EF4-FFF2-40B4-BE49-F238E27FC236}">
-                      <a16:creationId xmlns:a16="http://schemas.microsoft.com/office/drawing/2014/main" id="{68AB8704-3F31-41E0-B209-31D0A83BAA2E}"/>
-                    </a:ext>
-                  </a:extLst>
-                </p:cNvPr>
-                <p:cNvSpPr>
-                  <a:spLocks/>
-                </p:cNvSpPr>
+                <p:cNvPr id="83" name="Freeform 8"/>
+                <p:cNvSpPr/>
                 <p:nvPr/>
               </p:nvSpPr>
               <p:spPr bwMode="auto">
@@ -6075,18 +5812,12 @@
                         <a:srgbClr val="000000"/>
                       </a:solidFill>
                       <a:round/>
-                      <a:headEnd/>
-                      <a:tailEnd/>
                     </a14:hiddenLine>
                   </a:ext>
                 </a:extLst>
               </p:spPr>
               <p:txBody>
-                <a:bodyPr vert="horz" wrap="square" lIns="91440" tIns="45720" rIns="91440" bIns="45720" numCol="1" anchor="t" anchorCtr="0" compatLnSpc="1">
-                  <a:prstTxWarp prst="textNoShape">
-                    <a:avLst/>
-                  </a:prstTxWarp>
-                </a:bodyPr>
+                <a:bodyPr vert="horz" wrap="square" lIns="91440" tIns="45720" rIns="91440" bIns="45720" numCol="1" anchor="t" anchorCtr="0" compatLnSpc="1"/>
                 <a:lstStyle/>
                 <a:p>
                   <a:pPr marL="0" marR="0" lvl="0" indent="0" algn="l" defTabSz="914400" rtl="0" eaLnBrk="0" fontAlgn="base" latinLnBrk="0" hangingPunct="0">
@@ -6103,7 +5834,6 @@
                     <a:buSzTx/>
                     <a:buFontTx/>
                     <a:buNone/>
-                    <a:tabLst/>
                     <a:defRPr/>
                   </a:pPr>
                   <a:endParaRPr kumimoji="0" lang="zh-CN" altLang="en-US" sz="1800" b="0" i="0" u="none" strike="noStrike" kern="1200" cap="none" spc="0" normalizeH="0" baseline="0" noProof="0">
@@ -6117,7 +5847,7 @@
                     <a:uLnTx/>
                     <a:uFillTx/>
                     <a:latin typeface="Century Gothic" panose="020B0502020202020204" pitchFamily="34" charset="0"/>
-                    <a:ea typeface="微软雅黑" panose="020B0503020204020204" pitchFamily="34" charset="-122"/>
+                    <a:ea typeface="微软雅黑" panose="020B0503020204020204" charset="-122"/>
                     <a:cs typeface="+mn-cs"/>
                   </a:endParaRPr>
                 </a:p>
@@ -6126,13 +5856,7 @@
           </p:grpSp>
           <p:grpSp>
             <p:nvGrpSpPr>
-              <p:cNvPr id="78" name="组合 77">
-                <a:extLst>
-                  <a:ext uri="{FF2B5EF4-FFF2-40B4-BE49-F238E27FC236}">
-                    <a16:creationId xmlns:a16="http://schemas.microsoft.com/office/drawing/2014/main" id="{B92E7EB9-3312-4310-B5FA-50F0FA6CFB99}"/>
-                  </a:ext>
-                </a:extLst>
-              </p:cNvPr>
+              <p:cNvPr id="78" name="组合 77"/>
               <p:cNvGrpSpPr/>
               <p:nvPr/>
             </p:nvGrpSpPr>
@@ -6149,16 +5873,8 @@
             </p:grpSpPr>
             <p:sp>
               <p:nvSpPr>
-                <p:cNvPr id="79" name="Freeform 15">
-                  <a:extLst>
-                    <a:ext uri="{FF2B5EF4-FFF2-40B4-BE49-F238E27FC236}">
-                      <a16:creationId xmlns:a16="http://schemas.microsoft.com/office/drawing/2014/main" id="{4A24723D-38DD-4916-B1AF-76A903317407}"/>
-                    </a:ext>
-                  </a:extLst>
-                </p:cNvPr>
-                <p:cNvSpPr>
-                  <a:spLocks/>
-                </p:cNvSpPr>
+                <p:cNvPr id="79" name="Freeform 15"/>
+                <p:cNvSpPr/>
                 <p:nvPr/>
               </p:nvSpPr>
               <p:spPr bwMode="auto">
@@ -6329,18 +6045,12 @@
                         <a:srgbClr val="000000"/>
                       </a:solidFill>
                       <a:round/>
-                      <a:headEnd/>
-                      <a:tailEnd/>
                     </a14:hiddenLine>
                   </a:ext>
                 </a:extLst>
               </p:spPr>
               <p:txBody>
-                <a:bodyPr vert="horz" wrap="square" lIns="91440" tIns="45720" rIns="91440" bIns="45720" numCol="1" anchor="t" anchorCtr="0" compatLnSpc="1">
-                  <a:prstTxWarp prst="textNoShape">
-                    <a:avLst/>
-                  </a:prstTxWarp>
-                </a:bodyPr>
+                <a:bodyPr vert="horz" wrap="square" lIns="91440" tIns="45720" rIns="91440" bIns="45720" numCol="1" anchor="t" anchorCtr="0" compatLnSpc="1"/>
                 <a:lstStyle/>
                 <a:p>
                   <a:pPr marL="0" marR="0" lvl="0" indent="0" algn="l" defTabSz="914400" rtl="0" eaLnBrk="0" fontAlgn="base" latinLnBrk="0" hangingPunct="0">
@@ -6357,7 +6067,6 @@
                     <a:buSzTx/>
                     <a:buFontTx/>
                     <a:buNone/>
-                    <a:tabLst/>
                     <a:defRPr/>
                   </a:pPr>
                   <a:endParaRPr kumimoji="0" lang="zh-CN" altLang="en-US" sz="1800" b="0" i="0" u="none" strike="noStrike" kern="1200" cap="none" spc="0" normalizeH="0" baseline="0" noProof="0">
@@ -6371,7 +6080,7 @@
                     <a:uLnTx/>
                     <a:uFillTx/>
                     <a:latin typeface="Century Gothic" panose="020B0502020202020204" pitchFamily="34" charset="0"/>
-                    <a:ea typeface="微软雅黑" panose="020B0503020204020204" pitchFamily="34" charset="-122"/>
+                    <a:ea typeface="微软雅黑" panose="020B0503020204020204" charset="-122"/>
                     <a:cs typeface="+mn-cs"/>
                   </a:endParaRPr>
                 </a:p>
@@ -6379,16 +6088,8 @@
             </p:sp>
             <p:sp>
               <p:nvSpPr>
-                <p:cNvPr id="80" name="Freeform 16">
-                  <a:extLst>
-                    <a:ext uri="{FF2B5EF4-FFF2-40B4-BE49-F238E27FC236}">
-                      <a16:creationId xmlns:a16="http://schemas.microsoft.com/office/drawing/2014/main" id="{FB4C6AFE-87EF-4FB7-829C-F7529116EE44}"/>
-                    </a:ext>
-                  </a:extLst>
-                </p:cNvPr>
-                <p:cNvSpPr>
-                  <a:spLocks/>
-                </p:cNvSpPr>
+                <p:cNvPr id="80" name="Freeform 16"/>
+                <p:cNvSpPr/>
                 <p:nvPr/>
               </p:nvSpPr>
               <p:spPr bwMode="auto">
@@ -6609,18 +6310,12 @@
                         <a:srgbClr val="000000"/>
                       </a:solidFill>
                       <a:round/>
-                      <a:headEnd/>
-                      <a:tailEnd/>
                     </a14:hiddenLine>
                   </a:ext>
                 </a:extLst>
               </p:spPr>
               <p:txBody>
-                <a:bodyPr vert="horz" wrap="square" lIns="91440" tIns="45720" rIns="91440" bIns="45720" numCol="1" anchor="t" anchorCtr="0" compatLnSpc="1">
-                  <a:prstTxWarp prst="textNoShape">
-                    <a:avLst/>
-                  </a:prstTxWarp>
-                </a:bodyPr>
+                <a:bodyPr vert="horz" wrap="square" lIns="91440" tIns="45720" rIns="91440" bIns="45720" numCol="1" anchor="t" anchorCtr="0" compatLnSpc="1"/>
                 <a:lstStyle/>
                 <a:p>
                   <a:pPr marL="0" marR="0" lvl="0" indent="0" algn="l" defTabSz="914400" rtl="0" eaLnBrk="0" fontAlgn="base" latinLnBrk="0" hangingPunct="0">
@@ -6637,7 +6332,6 @@
                     <a:buSzTx/>
                     <a:buFontTx/>
                     <a:buNone/>
-                    <a:tabLst/>
                     <a:defRPr/>
                   </a:pPr>
                   <a:endParaRPr kumimoji="0" lang="zh-CN" altLang="en-US" sz="1800" b="0" i="0" u="none" strike="noStrike" kern="1200" cap="none" spc="0" normalizeH="0" baseline="0" noProof="0">
@@ -6651,7 +6345,7 @@
                     <a:uLnTx/>
                     <a:uFillTx/>
                     <a:latin typeface="Century Gothic" panose="020B0502020202020204" pitchFamily="34" charset="0"/>
-                    <a:ea typeface="微软雅黑" panose="020B0503020204020204" pitchFamily="34" charset="-122"/>
+                    <a:ea typeface="微软雅黑" panose="020B0503020204020204" charset="-122"/>
                     <a:cs typeface="+mn-cs"/>
                   </a:endParaRPr>
                 </a:p>
@@ -6659,16 +6353,8 @@
             </p:sp>
             <p:sp>
               <p:nvSpPr>
-                <p:cNvPr id="81" name="Freeform 17">
-                  <a:extLst>
-                    <a:ext uri="{FF2B5EF4-FFF2-40B4-BE49-F238E27FC236}">
-                      <a16:creationId xmlns:a16="http://schemas.microsoft.com/office/drawing/2014/main" id="{7BBE01C1-D3BA-489E-BE5E-C63059DA7AF9}"/>
-                    </a:ext>
-                  </a:extLst>
-                </p:cNvPr>
-                <p:cNvSpPr>
-                  <a:spLocks/>
-                </p:cNvSpPr>
+                <p:cNvPr id="81" name="Freeform 17"/>
+                <p:cNvSpPr/>
                 <p:nvPr/>
               </p:nvSpPr>
               <p:spPr bwMode="auto">
@@ -6759,18 +6445,12 @@
                         <a:srgbClr val="000000"/>
                       </a:solidFill>
                       <a:round/>
-                      <a:headEnd/>
-                      <a:tailEnd/>
                     </a14:hiddenLine>
                   </a:ext>
                 </a:extLst>
               </p:spPr>
               <p:txBody>
-                <a:bodyPr vert="horz" wrap="square" lIns="91440" tIns="45720" rIns="91440" bIns="45720" numCol="1" anchor="t" anchorCtr="0" compatLnSpc="1">
-                  <a:prstTxWarp prst="textNoShape">
-                    <a:avLst/>
-                  </a:prstTxWarp>
-                </a:bodyPr>
+                <a:bodyPr vert="horz" wrap="square" lIns="91440" tIns="45720" rIns="91440" bIns="45720" numCol="1" anchor="t" anchorCtr="0" compatLnSpc="1"/>
                 <a:lstStyle/>
                 <a:p>
                   <a:pPr marL="0" marR="0" lvl="0" indent="0" algn="l" defTabSz="914400" rtl="0" eaLnBrk="0" fontAlgn="base" latinLnBrk="0" hangingPunct="0">
@@ -6787,7 +6467,6 @@
                     <a:buSzTx/>
                     <a:buFontTx/>
                     <a:buNone/>
-                    <a:tabLst/>
                     <a:defRPr/>
                   </a:pPr>
                   <a:endParaRPr kumimoji="0" lang="zh-CN" altLang="en-US" sz="1800" b="0" i="0" u="none" strike="noStrike" kern="1200" cap="none" spc="0" normalizeH="0" baseline="0" noProof="0">
@@ -6801,7 +6480,7 @@
                     <a:uLnTx/>
                     <a:uFillTx/>
                     <a:latin typeface="Century Gothic" panose="020B0502020202020204" pitchFamily="34" charset="0"/>
-                    <a:ea typeface="微软雅黑" panose="020B0503020204020204" pitchFamily="34" charset="-122"/>
+                    <a:ea typeface="微软雅黑" panose="020B0503020204020204" charset="-122"/>
                     <a:cs typeface="+mn-cs"/>
                   </a:endParaRPr>
                 </a:p>
@@ -6825,13 +6504,7 @@
           </p:grpSpPr>
           <p:grpSp>
             <p:nvGrpSpPr>
-              <p:cNvPr id="34" name="组合 33">
-                <a:extLst>
-                  <a:ext uri="{FF2B5EF4-FFF2-40B4-BE49-F238E27FC236}">
-                    <a16:creationId xmlns:a16="http://schemas.microsoft.com/office/drawing/2014/main" id="{4EB45816-40C4-4065-9181-C29D2BECD84E}"/>
-                  </a:ext>
-                </a:extLst>
-              </p:cNvPr>
+              <p:cNvPr id="34" name="组合 33"/>
               <p:cNvGrpSpPr/>
               <p:nvPr/>
             </p:nvGrpSpPr>
@@ -6848,13 +6521,7 @@
             </p:grpSpPr>
             <p:sp>
               <p:nvSpPr>
-                <p:cNvPr id="73" name="Freeform 9">
-                  <a:extLst>
-                    <a:ext uri="{FF2B5EF4-FFF2-40B4-BE49-F238E27FC236}">
-                      <a16:creationId xmlns:a16="http://schemas.microsoft.com/office/drawing/2014/main" id="{70888479-5294-457A-8111-462CE4F104F2}"/>
-                    </a:ext>
-                  </a:extLst>
-                </p:cNvPr>
+                <p:cNvPr id="73" name="Freeform 9"/>
                 <p:cNvSpPr>
                   <a:spLocks noEditPoints="1"/>
                 </p:cNvSpPr>
@@ -7177,18 +6844,12 @@
                         <a:srgbClr val="000000"/>
                       </a:solidFill>
                       <a:round/>
-                      <a:headEnd/>
-                      <a:tailEnd/>
                     </a14:hiddenLine>
                   </a:ext>
                 </a:extLst>
               </p:spPr>
               <p:txBody>
-                <a:bodyPr vert="horz" wrap="square" lIns="91440" tIns="45720" rIns="91440" bIns="45720" numCol="1" anchor="t" anchorCtr="0" compatLnSpc="1">
-                  <a:prstTxWarp prst="textNoShape">
-                    <a:avLst/>
-                  </a:prstTxWarp>
-                </a:bodyPr>
+                <a:bodyPr vert="horz" wrap="square" lIns="91440" tIns="45720" rIns="91440" bIns="45720" numCol="1" anchor="t" anchorCtr="0" compatLnSpc="1"/>
                 <a:lstStyle/>
                 <a:p>
                   <a:pPr marL="0" marR="0" lvl="0" indent="0" algn="l" defTabSz="914400" rtl="0" eaLnBrk="0" fontAlgn="base" latinLnBrk="0" hangingPunct="0">
@@ -7205,7 +6866,6 @@
                     <a:buSzTx/>
                     <a:buFontTx/>
                     <a:buNone/>
-                    <a:tabLst/>
                     <a:defRPr/>
                   </a:pPr>
                   <a:endParaRPr kumimoji="0" lang="zh-CN" altLang="en-US" sz="1800" b="0" i="0" u="none" strike="noStrike" kern="1200" cap="none" spc="0" normalizeH="0" baseline="0" noProof="0">
@@ -7219,7 +6879,7 @@
                     <a:uLnTx/>
                     <a:uFillTx/>
                     <a:latin typeface="Century Gothic" panose="020B0502020202020204" pitchFamily="34" charset="0"/>
-                    <a:ea typeface="微软雅黑" panose="020B0503020204020204" pitchFamily="34" charset="-122"/>
+                    <a:ea typeface="微软雅黑" panose="020B0503020204020204" charset="-122"/>
                     <a:cs typeface="+mn-cs"/>
                   </a:endParaRPr>
                 </a:p>
@@ -7227,13 +6887,7 @@
             </p:sp>
             <p:sp>
               <p:nvSpPr>
-                <p:cNvPr id="74" name="Freeform 10">
-                  <a:extLst>
-                    <a:ext uri="{FF2B5EF4-FFF2-40B4-BE49-F238E27FC236}">
-                      <a16:creationId xmlns:a16="http://schemas.microsoft.com/office/drawing/2014/main" id="{3C581795-C09D-460E-9472-8181F266F0EF}"/>
-                    </a:ext>
-                  </a:extLst>
-                </p:cNvPr>
+                <p:cNvPr id="74" name="Freeform 10"/>
                 <p:cNvSpPr>
                   <a:spLocks noEditPoints="1"/>
                 </p:cNvSpPr>
@@ -7676,18 +7330,12 @@
                         <a:srgbClr val="000000"/>
                       </a:solidFill>
                       <a:round/>
-                      <a:headEnd/>
-                      <a:tailEnd/>
                     </a14:hiddenLine>
                   </a:ext>
                 </a:extLst>
               </p:spPr>
               <p:txBody>
-                <a:bodyPr vert="horz" wrap="square" lIns="91440" tIns="45720" rIns="91440" bIns="45720" numCol="1" anchor="t" anchorCtr="0" compatLnSpc="1">
-                  <a:prstTxWarp prst="textNoShape">
-                    <a:avLst/>
-                  </a:prstTxWarp>
-                </a:bodyPr>
+                <a:bodyPr vert="horz" wrap="square" lIns="91440" tIns="45720" rIns="91440" bIns="45720" numCol="1" anchor="t" anchorCtr="0" compatLnSpc="1"/>
                 <a:lstStyle/>
                 <a:p>
                   <a:pPr marL="0" marR="0" lvl="0" indent="0" algn="l" defTabSz="914400" rtl="0" eaLnBrk="0" fontAlgn="base" latinLnBrk="0" hangingPunct="0">
@@ -7704,7 +7352,6 @@
                     <a:buSzTx/>
                     <a:buFontTx/>
                     <a:buNone/>
-                    <a:tabLst/>
                     <a:defRPr/>
                   </a:pPr>
                   <a:endParaRPr kumimoji="0" lang="zh-CN" altLang="en-US" sz="1800" b="0" i="0" u="none" strike="noStrike" kern="1200" cap="none" spc="0" normalizeH="0" baseline="0" noProof="0">
@@ -7718,7 +7365,7 @@
                     <a:uLnTx/>
                     <a:uFillTx/>
                     <a:latin typeface="Century Gothic" panose="020B0502020202020204" pitchFamily="34" charset="0"/>
-                    <a:ea typeface="微软雅黑" panose="020B0503020204020204" pitchFamily="34" charset="-122"/>
+                    <a:ea typeface="微软雅黑" panose="020B0503020204020204" charset="-122"/>
                     <a:cs typeface="+mn-cs"/>
                   </a:endParaRPr>
                 </a:p>
@@ -7727,13 +7374,7 @@
           </p:grpSp>
           <p:grpSp>
             <p:nvGrpSpPr>
-              <p:cNvPr id="35" name="组合 34">
-                <a:extLst>
-                  <a:ext uri="{FF2B5EF4-FFF2-40B4-BE49-F238E27FC236}">
-                    <a16:creationId xmlns:a16="http://schemas.microsoft.com/office/drawing/2014/main" id="{C43281D5-D15F-4210-8FEF-5D0B83A54FD6}"/>
-                  </a:ext>
-                </a:extLst>
-              </p:cNvPr>
+              <p:cNvPr id="35" name="组合 34"/>
               <p:cNvGrpSpPr/>
               <p:nvPr/>
             </p:nvGrpSpPr>
@@ -7750,13 +7391,7 @@
             </p:grpSpPr>
             <p:sp>
               <p:nvSpPr>
-                <p:cNvPr id="71" name="Freeform 13">
-                  <a:extLst>
-                    <a:ext uri="{FF2B5EF4-FFF2-40B4-BE49-F238E27FC236}">
-                      <a16:creationId xmlns:a16="http://schemas.microsoft.com/office/drawing/2014/main" id="{0965091B-D712-42AC-844D-24578409DB9A}"/>
-                    </a:ext>
-                  </a:extLst>
-                </p:cNvPr>
+                <p:cNvPr id="71" name="Freeform 13"/>
                 <p:cNvSpPr>
                   <a:spLocks noEditPoints="1"/>
                 </p:cNvSpPr>
@@ -8492,18 +8127,12 @@
                         <a:srgbClr val="000000"/>
                       </a:solidFill>
                       <a:round/>
-                      <a:headEnd/>
-                      <a:tailEnd/>
                     </a14:hiddenLine>
                   </a:ext>
                 </a:extLst>
               </p:spPr>
               <p:txBody>
-                <a:bodyPr vert="horz" wrap="square" lIns="91440" tIns="45720" rIns="91440" bIns="45720" numCol="1" anchor="t" anchorCtr="0" compatLnSpc="1">
-                  <a:prstTxWarp prst="textNoShape">
-                    <a:avLst/>
-                  </a:prstTxWarp>
-                </a:bodyPr>
+                <a:bodyPr vert="horz" wrap="square" lIns="91440" tIns="45720" rIns="91440" bIns="45720" numCol="1" anchor="t" anchorCtr="0" compatLnSpc="1"/>
                 <a:lstStyle/>
                 <a:p>
                   <a:pPr marL="0" marR="0" lvl="0" indent="0" algn="l" defTabSz="914400" rtl="0" eaLnBrk="0" fontAlgn="base" latinLnBrk="0" hangingPunct="0">
@@ -8520,7 +8149,6 @@
                     <a:buSzTx/>
                     <a:buFontTx/>
                     <a:buNone/>
-                    <a:tabLst/>
                     <a:defRPr/>
                   </a:pPr>
                   <a:endParaRPr kumimoji="0" lang="zh-CN" altLang="en-US" sz="1800" b="0" i="0" u="none" strike="noStrike" kern="1200" cap="none" spc="0" normalizeH="0" baseline="0" noProof="0">
@@ -8534,7 +8162,7 @@
                     <a:uLnTx/>
                     <a:uFillTx/>
                     <a:latin typeface="Century Gothic" panose="020B0502020202020204" pitchFamily="34" charset="0"/>
-                    <a:ea typeface="微软雅黑" panose="020B0503020204020204" pitchFamily="34" charset="-122"/>
+                    <a:ea typeface="微软雅黑" panose="020B0503020204020204" charset="-122"/>
                     <a:cs typeface="+mn-cs"/>
                   </a:endParaRPr>
                 </a:p>
@@ -8542,16 +8170,8 @@
             </p:sp>
             <p:sp>
               <p:nvSpPr>
-                <p:cNvPr id="72" name="Freeform 14">
-                  <a:extLst>
-                    <a:ext uri="{FF2B5EF4-FFF2-40B4-BE49-F238E27FC236}">
-                      <a16:creationId xmlns:a16="http://schemas.microsoft.com/office/drawing/2014/main" id="{EDF1A89C-87D3-4066-B020-1AF4B9A41344}"/>
-                    </a:ext>
-                  </a:extLst>
-                </p:cNvPr>
-                <p:cNvSpPr>
-                  <a:spLocks/>
-                </p:cNvSpPr>
+                <p:cNvPr id="72" name="Freeform 14"/>
+                <p:cNvSpPr/>
                 <p:nvPr/>
               </p:nvSpPr>
               <p:spPr bwMode="auto">
@@ -8642,18 +8262,12 @@
                         <a:srgbClr val="000000"/>
                       </a:solidFill>
                       <a:round/>
-                      <a:headEnd/>
-                      <a:tailEnd/>
                     </a14:hiddenLine>
                   </a:ext>
                 </a:extLst>
               </p:spPr>
               <p:txBody>
-                <a:bodyPr vert="horz" wrap="square" lIns="91440" tIns="45720" rIns="91440" bIns="45720" numCol="1" anchor="t" anchorCtr="0" compatLnSpc="1">
-                  <a:prstTxWarp prst="textNoShape">
-                    <a:avLst/>
-                  </a:prstTxWarp>
-                </a:bodyPr>
+                <a:bodyPr vert="horz" wrap="square" lIns="91440" tIns="45720" rIns="91440" bIns="45720" numCol="1" anchor="t" anchorCtr="0" compatLnSpc="1"/>
                 <a:lstStyle/>
                 <a:p>
                   <a:pPr marL="0" marR="0" lvl="0" indent="0" algn="l" defTabSz="914400" rtl="0" eaLnBrk="0" fontAlgn="base" latinLnBrk="0" hangingPunct="0">
@@ -8670,7 +8284,6 @@
                     <a:buSzTx/>
                     <a:buFontTx/>
                     <a:buNone/>
-                    <a:tabLst/>
                     <a:defRPr/>
                   </a:pPr>
                   <a:endParaRPr kumimoji="0" lang="zh-CN" altLang="en-US" sz="1800" b="0" i="0" u="none" strike="noStrike" kern="1200" cap="none" spc="0" normalizeH="0" baseline="0" noProof="0">
@@ -8684,7 +8297,7 @@
                     <a:uLnTx/>
                     <a:uFillTx/>
                     <a:latin typeface="Century Gothic" panose="020B0502020202020204" pitchFamily="34" charset="0"/>
-                    <a:ea typeface="微软雅黑" panose="020B0503020204020204" pitchFamily="34" charset="-122"/>
+                    <a:ea typeface="微软雅黑" panose="020B0503020204020204" charset="-122"/>
                     <a:cs typeface="+mn-cs"/>
                   </a:endParaRPr>
                 </a:p>
@@ -8693,13 +8306,7 @@
           </p:grpSp>
           <p:grpSp>
             <p:nvGrpSpPr>
-              <p:cNvPr id="36" name="组合 35">
-                <a:extLst>
-                  <a:ext uri="{FF2B5EF4-FFF2-40B4-BE49-F238E27FC236}">
-                    <a16:creationId xmlns:a16="http://schemas.microsoft.com/office/drawing/2014/main" id="{CD1C2EA2-DECB-4C4E-997D-8417E76BE944}"/>
-                  </a:ext>
-                </a:extLst>
-              </p:cNvPr>
+              <p:cNvPr id="36" name="组合 35"/>
               <p:cNvGrpSpPr/>
               <p:nvPr/>
             </p:nvGrpSpPr>
@@ -8716,16 +8323,8 @@
             </p:grpSpPr>
             <p:sp>
               <p:nvSpPr>
-                <p:cNvPr id="68" name="Freeform 18">
-                  <a:extLst>
-                    <a:ext uri="{FF2B5EF4-FFF2-40B4-BE49-F238E27FC236}">
-                      <a16:creationId xmlns:a16="http://schemas.microsoft.com/office/drawing/2014/main" id="{58E0037C-7932-4788-ADA9-47256329EEB7}"/>
-                    </a:ext>
-                  </a:extLst>
-                </p:cNvPr>
-                <p:cNvSpPr>
-                  <a:spLocks/>
-                </p:cNvSpPr>
+                <p:cNvPr id="68" name="Freeform 18"/>
+                <p:cNvSpPr/>
                 <p:nvPr/>
               </p:nvSpPr>
               <p:spPr bwMode="auto">
@@ -8906,18 +8505,12 @@
                         <a:srgbClr val="000000"/>
                       </a:solidFill>
                       <a:round/>
-                      <a:headEnd/>
-                      <a:tailEnd/>
                     </a14:hiddenLine>
                   </a:ext>
                 </a:extLst>
               </p:spPr>
               <p:txBody>
-                <a:bodyPr vert="horz" wrap="square" lIns="91440" tIns="45720" rIns="91440" bIns="45720" numCol="1" anchor="t" anchorCtr="0" compatLnSpc="1">
-                  <a:prstTxWarp prst="textNoShape">
-                    <a:avLst/>
-                  </a:prstTxWarp>
-                </a:bodyPr>
+                <a:bodyPr vert="horz" wrap="square" lIns="91440" tIns="45720" rIns="91440" bIns="45720" numCol="1" anchor="t" anchorCtr="0" compatLnSpc="1"/>
                 <a:lstStyle/>
                 <a:p>
                   <a:pPr marL="0" marR="0" lvl="0" indent="0" algn="l" defTabSz="914400" rtl="0" eaLnBrk="0" fontAlgn="base" latinLnBrk="0" hangingPunct="0">
@@ -8934,7 +8527,6 @@
                     <a:buSzTx/>
                     <a:buFontTx/>
                     <a:buNone/>
-                    <a:tabLst/>
                     <a:defRPr/>
                   </a:pPr>
                   <a:endParaRPr kumimoji="0" lang="zh-CN" altLang="en-US" sz="1800" b="0" i="0" u="none" strike="noStrike" kern="1200" cap="none" spc="0" normalizeH="0" baseline="0" noProof="0">
@@ -8948,7 +8540,7 @@
                     <a:uLnTx/>
                     <a:uFillTx/>
                     <a:latin typeface="Century Gothic" panose="020B0502020202020204" pitchFamily="34" charset="0"/>
-                    <a:ea typeface="微软雅黑" panose="020B0503020204020204" pitchFamily="34" charset="-122"/>
+                    <a:ea typeface="微软雅黑" panose="020B0503020204020204" charset="-122"/>
                     <a:cs typeface="+mn-cs"/>
                   </a:endParaRPr>
                 </a:p>
@@ -8956,16 +8548,8 @@
             </p:sp>
             <p:sp>
               <p:nvSpPr>
-                <p:cNvPr id="69" name="Freeform 19">
-                  <a:extLst>
-                    <a:ext uri="{FF2B5EF4-FFF2-40B4-BE49-F238E27FC236}">
-                      <a16:creationId xmlns:a16="http://schemas.microsoft.com/office/drawing/2014/main" id="{B78F413E-1D51-491F-A6EC-02810949F837}"/>
-                    </a:ext>
-                  </a:extLst>
-                </p:cNvPr>
-                <p:cNvSpPr>
-                  <a:spLocks/>
-                </p:cNvSpPr>
+                <p:cNvPr id="69" name="Freeform 19"/>
+                <p:cNvSpPr/>
                 <p:nvPr/>
               </p:nvSpPr>
               <p:spPr bwMode="auto">
@@ -9136,18 +8720,12 @@
                         <a:srgbClr val="000000"/>
                       </a:solidFill>
                       <a:round/>
-                      <a:headEnd/>
-                      <a:tailEnd/>
                     </a14:hiddenLine>
                   </a:ext>
                 </a:extLst>
               </p:spPr>
               <p:txBody>
-                <a:bodyPr vert="horz" wrap="square" lIns="91440" tIns="45720" rIns="91440" bIns="45720" numCol="1" anchor="t" anchorCtr="0" compatLnSpc="1">
-                  <a:prstTxWarp prst="textNoShape">
-                    <a:avLst/>
-                  </a:prstTxWarp>
-                </a:bodyPr>
+                <a:bodyPr vert="horz" wrap="square" lIns="91440" tIns="45720" rIns="91440" bIns="45720" numCol="1" anchor="t" anchorCtr="0" compatLnSpc="1"/>
                 <a:lstStyle/>
                 <a:p>
                   <a:pPr marL="0" marR="0" lvl="0" indent="0" algn="l" defTabSz="914400" rtl="0" eaLnBrk="0" fontAlgn="base" latinLnBrk="0" hangingPunct="0">
@@ -9164,7 +8742,6 @@
                     <a:buSzTx/>
                     <a:buFontTx/>
                     <a:buNone/>
-                    <a:tabLst/>
                     <a:defRPr/>
                   </a:pPr>
                   <a:endParaRPr kumimoji="0" lang="zh-CN" altLang="en-US" sz="1800" b="0" i="0" u="none" strike="noStrike" kern="1200" cap="none" spc="0" normalizeH="0" baseline="0" noProof="0">
@@ -9178,7 +8755,7 @@
                     <a:uLnTx/>
                     <a:uFillTx/>
                     <a:latin typeface="Century Gothic" panose="020B0502020202020204" pitchFamily="34" charset="0"/>
-                    <a:ea typeface="微软雅黑" panose="020B0503020204020204" pitchFamily="34" charset="-122"/>
+                    <a:ea typeface="微软雅黑" panose="020B0503020204020204" charset="-122"/>
                     <a:cs typeface="+mn-cs"/>
                   </a:endParaRPr>
                 </a:p>
@@ -9186,16 +8763,8 @@
             </p:sp>
             <p:sp>
               <p:nvSpPr>
-                <p:cNvPr id="70" name="Freeform 20">
-                  <a:extLst>
-                    <a:ext uri="{FF2B5EF4-FFF2-40B4-BE49-F238E27FC236}">
-                      <a16:creationId xmlns:a16="http://schemas.microsoft.com/office/drawing/2014/main" id="{28D425C4-CE02-4413-BBE1-2E9FA0CC0E90}"/>
-                    </a:ext>
-                  </a:extLst>
-                </p:cNvPr>
-                <p:cNvSpPr>
-                  <a:spLocks/>
-                </p:cNvSpPr>
+                <p:cNvPr id="70" name="Freeform 20"/>
+                <p:cNvSpPr/>
                 <p:nvPr/>
               </p:nvSpPr>
               <p:spPr bwMode="auto">
@@ -9296,18 +8865,12 @@
                         <a:srgbClr val="000000"/>
                       </a:solidFill>
                       <a:round/>
-                      <a:headEnd/>
-                      <a:tailEnd/>
                     </a14:hiddenLine>
                   </a:ext>
                 </a:extLst>
               </p:spPr>
               <p:txBody>
-                <a:bodyPr vert="horz" wrap="square" lIns="91440" tIns="45720" rIns="91440" bIns="45720" numCol="1" anchor="t" anchorCtr="0" compatLnSpc="1">
-                  <a:prstTxWarp prst="textNoShape">
-                    <a:avLst/>
-                  </a:prstTxWarp>
-                </a:bodyPr>
+                <a:bodyPr vert="horz" wrap="square" lIns="91440" tIns="45720" rIns="91440" bIns="45720" numCol="1" anchor="t" anchorCtr="0" compatLnSpc="1"/>
                 <a:lstStyle/>
                 <a:p>
                   <a:pPr marL="0" marR="0" lvl="0" indent="0" algn="l" defTabSz="914400" rtl="0" eaLnBrk="0" fontAlgn="base" latinLnBrk="0" hangingPunct="0">
@@ -9324,7 +8887,6 @@
                     <a:buSzTx/>
                     <a:buFontTx/>
                     <a:buNone/>
-                    <a:tabLst/>
                     <a:defRPr/>
                   </a:pPr>
                   <a:endParaRPr kumimoji="0" lang="zh-CN" altLang="en-US" sz="1800" b="0" i="0" u="none" strike="noStrike" kern="1200" cap="none" spc="0" normalizeH="0" baseline="0" noProof="0">
@@ -9338,7 +8900,7 @@
                     <a:uLnTx/>
                     <a:uFillTx/>
                     <a:latin typeface="Century Gothic" panose="020B0502020202020204" pitchFamily="34" charset="0"/>
-                    <a:ea typeface="微软雅黑" panose="020B0503020204020204" pitchFamily="34" charset="-122"/>
+                    <a:ea typeface="微软雅黑" panose="020B0503020204020204" charset="-122"/>
                     <a:cs typeface="+mn-cs"/>
                   </a:endParaRPr>
                 </a:p>
@@ -9364,13 +8926,7 @@
             </p:grpSpPr>
             <p:sp>
               <p:nvSpPr>
-                <p:cNvPr id="39" name="Freeform 11">
-                  <a:extLst>
-                    <a:ext uri="{FF2B5EF4-FFF2-40B4-BE49-F238E27FC236}">
-                      <a16:creationId xmlns:a16="http://schemas.microsoft.com/office/drawing/2014/main" id="{9E7CBDC3-9BA0-4307-8967-3267E5966ED9}"/>
-                    </a:ext>
-                  </a:extLst>
-                </p:cNvPr>
+                <p:cNvPr id="39" name="Freeform 11"/>
                 <p:cNvSpPr>
                   <a:spLocks noEditPoints="1"/>
                 </p:cNvSpPr>
@@ -9948,11 +9504,7 @@
                 </a:ln>
               </p:spPr>
               <p:txBody>
-                <a:bodyPr vert="horz" wrap="square" lIns="91440" tIns="45720" rIns="91440" bIns="45720" numCol="1" anchor="t" anchorCtr="0" compatLnSpc="1">
-                  <a:prstTxWarp prst="textNoShape">
-                    <a:avLst/>
-                  </a:prstTxWarp>
-                </a:bodyPr>
+                <a:bodyPr vert="horz" wrap="square" lIns="91440" tIns="45720" rIns="91440" bIns="45720" numCol="1" anchor="t" anchorCtr="0" compatLnSpc="1"/>
                 <a:lstStyle/>
                 <a:p>
                   <a:pPr marL="0" marR="0" lvl="0" indent="0" algn="l" defTabSz="914400" rtl="0" eaLnBrk="0" fontAlgn="base" latinLnBrk="0" hangingPunct="0">
@@ -9969,7 +9521,6 @@
                     <a:buSzTx/>
                     <a:buFontTx/>
                     <a:buNone/>
-                    <a:tabLst/>
                     <a:defRPr/>
                   </a:pPr>
                   <a:endParaRPr kumimoji="0" lang="zh-CN" altLang="en-US" sz="1800" b="0" i="0" u="none" strike="noStrike" kern="1200" cap="none" spc="0" normalizeH="0" baseline="0" noProof="0">
@@ -9983,7 +9534,7 @@
                     <a:uLnTx/>
                     <a:uFillTx/>
                     <a:latin typeface="Century Gothic" panose="020B0502020202020204" pitchFamily="34" charset="0"/>
-                    <a:ea typeface="微软雅黑" panose="020B0503020204020204" pitchFamily="34" charset="-122"/>
+                    <a:ea typeface="微软雅黑" panose="020B0503020204020204" charset="-122"/>
                     <a:cs typeface="+mn-cs"/>
                   </a:endParaRPr>
                 </a:p>
@@ -9991,16 +9542,8 @@
             </p:sp>
             <p:sp>
               <p:nvSpPr>
-                <p:cNvPr id="40" name="Freeform 12">
-                  <a:extLst>
-                    <a:ext uri="{FF2B5EF4-FFF2-40B4-BE49-F238E27FC236}">
-                      <a16:creationId xmlns:a16="http://schemas.microsoft.com/office/drawing/2014/main" id="{D88D9717-3185-4A77-8E18-2A8659D441F7}"/>
-                    </a:ext>
-                  </a:extLst>
-                </p:cNvPr>
-                <p:cNvSpPr>
-                  <a:spLocks/>
-                </p:cNvSpPr>
+                <p:cNvPr id="40" name="Freeform 12"/>
+                <p:cNvSpPr/>
                 <p:nvPr/>
               </p:nvSpPr>
               <p:spPr bwMode="auto">
@@ -10266,11 +9809,7 @@
                 </a:ln>
               </p:spPr>
               <p:txBody>
-                <a:bodyPr vert="horz" wrap="square" lIns="91440" tIns="45720" rIns="91440" bIns="45720" numCol="1" anchor="t" anchorCtr="0" compatLnSpc="1">
-                  <a:prstTxWarp prst="textNoShape">
-                    <a:avLst/>
-                  </a:prstTxWarp>
-                </a:bodyPr>
+                <a:bodyPr vert="horz" wrap="square" lIns="91440" tIns="45720" rIns="91440" bIns="45720" numCol="1" anchor="t" anchorCtr="0" compatLnSpc="1"/>
                 <a:lstStyle/>
                 <a:p>
                   <a:pPr marL="0" marR="0" lvl="0" indent="0" algn="l" defTabSz="914400" rtl="0" eaLnBrk="0" fontAlgn="base" latinLnBrk="0" hangingPunct="0">
@@ -10287,7 +9826,6 @@
                     <a:buSzTx/>
                     <a:buFontTx/>
                     <a:buNone/>
-                    <a:tabLst/>
                     <a:defRPr/>
                   </a:pPr>
                   <a:endParaRPr kumimoji="0" lang="zh-CN" altLang="en-US" sz="1800" b="0" i="0" u="none" strike="noStrike" kern="1200" cap="none" spc="0" normalizeH="0" baseline="0" noProof="0">
@@ -10301,7 +9839,7 @@
                     <a:uLnTx/>
                     <a:uFillTx/>
                     <a:latin typeface="Century Gothic" panose="020B0502020202020204" pitchFamily="34" charset="0"/>
-                    <a:ea typeface="微软雅黑" panose="020B0503020204020204" pitchFamily="34" charset="-122"/>
+                    <a:ea typeface="微软雅黑" panose="020B0503020204020204" charset="-122"/>
                     <a:cs typeface="+mn-cs"/>
                   </a:endParaRPr>
                 </a:p>
@@ -10311,15 +9849,13 @@
         </p:grpSp>
       </p:grpSp>
     </p:spTree>
-    <p:extLst>
-      <p:ext uri="{BB962C8B-B14F-4D97-AF65-F5344CB8AC3E}">
-        <p14:creationId xmlns:p14="http://schemas.microsoft.com/office/powerpoint/2010/main" val="1945903534"/>
-      </p:ext>
-    </p:extLst>
   </p:cSld>
   <p:clrMapOvr>
     <a:masterClrMapping/>
   </p:clrMapOvr>
+  <p:transition spd="med">
+    <p:fade/>
+  </p:transition>
 </p:sldLayout>
 </file>
 
@@ -10349,13 +9885,7 @@
           <p:nvPr userDrawn="1"/>
         </p:nvPicPr>
         <p:blipFill>
-          <a:blip r:embed="rId2">
-            <a:extLst>
-              <a:ext uri="{28A0092B-C50C-407E-A947-70E740481C1C}">
-                <a14:useLocalDpi xmlns:a14="http://schemas.microsoft.com/office/drawing/2010/main"/>
-              </a:ext>
-            </a:extLst>
-          </a:blip>
+          <a:blip r:embed="rId2"/>
           <a:stretch>
             <a:fillRect/>
           </a:stretch>
@@ -10372,13 +9902,7 @@
       </p:pic>
       <p:sp>
         <p:nvSpPr>
-          <p:cNvPr id="3" name="矩形 白1">
-            <a:extLst>
-              <a:ext uri="{FF2B5EF4-FFF2-40B4-BE49-F238E27FC236}">
-                <a16:creationId xmlns:a16="http://schemas.microsoft.com/office/drawing/2014/main" id="{7A935A22-FEEB-4B78-9916-163644E822AB}"/>
-              </a:ext>
-            </a:extLst>
-          </p:cNvPr>
+          <p:cNvPr id="3" name="矩形 白1"/>
           <p:cNvSpPr/>
           <p:nvPr userDrawn="1"/>
         </p:nvSpPr>
@@ -10447,7 +9971,6 @@
               <a:buSzTx/>
               <a:buFontTx/>
               <a:buNone/>
-              <a:tabLst/>
               <a:defRPr/>
             </a:pPr>
             <a:endParaRPr kumimoji="0" lang="zh-CN" altLang="en-US" sz="1800" b="0" i="0" u="none" strike="noStrike" kern="1200" cap="none" spc="0" normalizeH="0" baseline="0" noProof="0" dirty="0">
@@ -10460,8 +9983,8 @@
               <a:effectLst/>
               <a:uLnTx/>
               <a:uFillTx/>
-              <a:latin typeface="微软雅黑"/>
-              <a:ea typeface="微软雅黑"/>
+              <a:latin typeface="微软雅黑" panose="020B0503020204020204" charset="-122"/>
+              <a:ea typeface="微软雅黑" panose="020B0503020204020204" charset="-122"/>
               <a:cs typeface="+mn-ea"/>
               <a:sym typeface="+mn-lt"/>
             </a:endParaRPr>
@@ -10469,11 +9992,6 @@
         </p:txBody>
       </p:sp>
     </p:spTree>
-    <p:extLst>
-      <p:ext uri="{BB962C8B-B14F-4D97-AF65-F5344CB8AC3E}">
-        <p14:creationId xmlns:p14="http://schemas.microsoft.com/office/powerpoint/2010/main" val="1786546737"/>
-      </p:ext>
-    </p:extLst>
   </p:cSld>
   <p:clrMapOvr>
     <a:masterClrMapping/>
@@ -10538,13 +10056,7 @@
       </p:cxnSp>
       <p:sp>
         <p:nvSpPr>
-          <p:cNvPr id="24" name="矩形 23">
-            <a:extLst>
-              <a:ext uri="{FF2B5EF4-FFF2-40B4-BE49-F238E27FC236}">
-                <a16:creationId xmlns:a16="http://schemas.microsoft.com/office/drawing/2014/main" id="{6833366C-F485-4B9F-89F5-27A807162B12}"/>
-              </a:ext>
-            </a:extLst>
-          </p:cNvPr>
+          <p:cNvPr id="24" name="矩形 23"/>
           <p:cNvSpPr/>
           <p:nvPr userDrawn="1"/>
         </p:nvSpPr>
@@ -10599,13 +10111,7 @@
       </p:sp>
       <p:sp>
         <p:nvSpPr>
-          <p:cNvPr id="3" name="矩形 2">
-            <a:extLst>
-              <a:ext uri="{FF2B5EF4-FFF2-40B4-BE49-F238E27FC236}">
-                <a16:creationId xmlns:a16="http://schemas.microsoft.com/office/drawing/2014/main" id="{C10D966C-9DD4-4144-A316-29077EB905B4}"/>
-              </a:ext>
-            </a:extLst>
-          </p:cNvPr>
+          <p:cNvPr id="3" name="矩形 2"/>
           <p:cNvSpPr/>
           <p:nvPr userDrawn="1"/>
         </p:nvSpPr>
@@ -10705,8 +10211,8 @@
           <a:lstStyle>
             <a:lvl1pPr>
               <a:defRPr lang="zh-CN" altLang="en-US" sz="2800" b="1" baseline="0">
-                <a:latin typeface="微软雅黑" panose="020B0503020204020204" pitchFamily="34" charset="-122"/>
-                <a:ea typeface="微软雅黑" panose="020B0503020204020204" pitchFamily="34" charset="-122"/>
+                <a:latin typeface="微软雅黑" panose="020B0503020204020204" charset="-122"/>
+                <a:ea typeface="微软雅黑" panose="020B0503020204020204" charset="-122"/>
                 <a:cs typeface="+mn-cs"/>
               </a:defRPr>
             </a:lvl1pPr>
@@ -10717,18 +10223,13 @@
               <a:rPr lang="zh-CN" altLang="en-US" dirty="0"/>
               <a:t>单击此处编辑母版标题样式</a:t>
             </a:r>
+            <a:endParaRPr lang="zh-CN" altLang="en-US" dirty="0"/>
           </a:p>
         </p:txBody>
       </p:sp>
       <p:sp>
         <p:nvSpPr>
-          <p:cNvPr id="5" name="矩形 4">
-            <a:extLst>
-              <a:ext uri="{FF2B5EF4-FFF2-40B4-BE49-F238E27FC236}">
-                <a16:creationId xmlns:a16="http://schemas.microsoft.com/office/drawing/2014/main" id="{6833366C-F485-4B9F-89F5-27A807162B12}"/>
-              </a:ext>
-            </a:extLst>
-          </p:cNvPr>
+          <p:cNvPr id="5" name="矩形 4"/>
           <p:cNvSpPr/>
           <p:nvPr userDrawn="1"/>
         </p:nvSpPr>
@@ -10832,7 +10333,7 @@
                   <a:schemeClr val="tx1"/>
                 </a:solidFill>
                 <a:latin typeface="Century Gothic" panose="020B0502020202020204" pitchFamily="34" charset="0"/>
-                <a:ea typeface="微软雅黑" panose="020B0503020204020204" pitchFamily="34" charset="-122"/>
+                <a:ea typeface="微软雅黑" panose="020B0503020204020204" charset="-122"/>
               </a:defRPr>
             </a:lvl1pPr>
             <a:lvl2pPr marL="742950" indent="-285750">
@@ -10841,7 +10342,7 @@
                   <a:schemeClr val="tx1"/>
                 </a:solidFill>
                 <a:latin typeface="Century Gothic" panose="020B0502020202020204" pitchFamily="34" charset="0"/>
-                <a:ea typeface="微软雅黑" panose="020B0503020204020204" pitchFamily="34" charset="-122"/>
+                <a:ea typeface="微软雅黑" panose="020B0503020204020204" charset="-122"/>
               </a:defRPr>
             </a:lvl2pPr>
             <a:lvl3pPr marL="1143000" indent="-228600">
@@ -10850,7 +10351,7 @@
                   <a:schemeClr val="tx1"/>
                 </a:solidFill>
                 <a:latin typeface="Century Gothic" panose="020B0502020202020204" pitchFamily="34" charset="0"/>
-                <a:ea typeface="微软雅黑" panose="020B0503020204020204" pitchFamily="34" charset="-122"/>
+                <a:ea typeface="微软雅黑" panose="020B0503020204020204" charset="-122"/>
               </a:defRPr>
             </a:lvl3pPr>
             <a:lvl4pPr marL="1600200" indent="-228600">
@@ -10859,7 +10360,7 @@
                   <a:schemeClr val="tx1"/>
                 </a:solidFill>
                 <a:latin typeface="Century Gothic" panose="020B0502020202020204" pitchFamily="34" charset="0"/>
-                <a:ea typeface="微软雅黑" panose="020B0503020204020204" pitchFamily="34" charset="-122"/>
+                <a:ea typeface="微软雅黑" panose="020B0503020204020204" charset="-122"/>
               </a:defRPr>
             </a:lvl4pPr>
             <a:lvl5pPr marL="2057400" indent="-228600">
@@ -10868,7 +10369,7 @@
                   <a:schemeClr val="tx1"/>
                 </a:solidFill>
                 <a:latin typeface="Century Gothic" panose="020B0502020202020204" pitchFamily="34" charset="0"/>
-                <a:ea typeface="微软雅黑" panose="020B0503020204020204" pitchFamily="34" charset="-122"/>
+                <a:ea typeface="微软雅黑" panose="020B0503020204020204" charset="-122"/>
               </a:defRPr>
             </a:lvl5pPr>
             <a:lvl6pPr marL="2514600" indent="-228600" fontAlgn="base">
@@ -10883,7 +10384,7 @@
                   <a:schemeClr val="tx1"/>
                 </a:solidFill>
                 <a:latin typeface="Century Gothic" panose="020B0502020202020204" pitchFamily="34" charset="0"/>
-                <a:ea typeface="微软雅黑" panose="020B0503020204020204" pitchFamily="34" charset="-122"/>
+                <a:ea typeface="微软雅黑" panose="020B0503020204020204" charset="-122"/>
               </a:defRPr>
             </a:lvl6pPr>
             <a:lvl7pPr marL="2971800" indent="-228600" fontAlgn="base">
@@ -10898,7 +10399,7 @@
                   <a:schemeClr val="tx1"/>
                 </a:solidFill>
                 <a:latin typeface="Century Gothic" panose="020B0502020202020204" pitchFamily="34" charset="0"/>
-                <a:ea typeface="微软雅黑" panose="020B0503020204020204" pitchFamily="34" charset="-122"/>
+                <a:ea typeface="微软雅黑" panose="020B0503020204020204" charset="-122"/>
               </a:defRPr>
             </a:lvl7pPr>
             <a:lvl8pPr marL="3429000" indent="-228600" fontAlgn="base">
@@ -10913,7 +10414,7 @@
                   <a:schemeClr val="tx1"/>
                 </a:solidFill>
                 <a:latin typeface="Century Gothic" panose="020B0502020202020204" pitchFamily="34" charset="0"/>
-                <a:ea typeface="微软雅黑" panose="020B0503020204020204" pitchFamily="34" charset="-122"/>
+                <a:ea typeface="微软雅黑" panose="020B0503020204020204" charset="-122"/>
               </a:defRPr>
             </a:lvl8pPr>
             <a:lvl9pPr marL="3886200" indent="-228600" fontAlgn="base">
@@ -10928,7 +10429,7 @@
                   <a:schemeClr val="tx1"/>
                 </a:solidFill>
                 <a:latin typeface="Century Gothic" panose="020B0502020202020204" pitchFamily="34" charset="0"/>
-                <a:ea typeface="微软雅黑" panose="020B0503020204020204" pitchFamily="34" charset="-122"/>
+                <a:ea typeface="微软雅黑" panose="020B0503020204020204" charset="-122"/>
               </a:defRPr>
             </a:lvl9pPr>
           </a:lstStyle>
@@ -10941,31 +10442,21 @@
                 <a:solidFill>
                   <a:srgbClr val="F2F2F2"/>
                 </a:solidFill>
-                <a:latin typeface="微软雅黑" panose="020B0503020204020204" pitchFamily="34" charset="-122"/>
+                <a:latin typeface="微软雅黑" panose="020B0503020204020204" charset="-122"/>
               </a:rPr>
-              <a:pPr algn="ctr" eaLnBrk="1" hangingPunct="1">
-                <a:defRPr/>
-              </a:pPr>
-              <a:t>‹#›</a:t>
             </a:fld>
             <a:endParaRPr lang="zh-CN" altLang="en-US" sz="1600" dirty="0">
               <a:solidFill>
                 <a:srgbClr val="F2F2F2"/>
               </a:solidFill>
-              <a:latin typeface="微软雅黑" panose="020B0503020204020204" pitchFamily="34" charset="-122"/>
+              <a:latin typeface="微软雅黑" panose="020B0503020204020204" charset="-122"/>
             </a:endParaRPr>
           </a:p>
         </p:txBody>
       </p:sp>
       <p:sp>
         <p:nvSpPr>
-          <p:cNvPr id="25" name="矩形 24">
-            <a:extLst>
-              <a:ext uri="{FF2B5EF4-FFF2-40B4-BE49-F238E27FC236}">
-                <a16:creationId xmlns:a16="http://schemas.microsoft.com/office/drawing/2014/main" id="{C10D966C-9DD4-4144-A316-29077EB905B4}"/>
-              </a:ext>
-            </a:extLst>
-          </p:cNvPr>
+          <p:cNvPr id="25" name="矩形 24"/>
           <p:cNvSpPr/>
           <p:nvPr userDrawn="1"/>
         </p:nvSpPr>
@@ -11028,13 +10519,7 @@
           <p:nvPr userDrawn="1"/>
         </p:nvPicPr>
         <p:blipFill>
-          <a:blip r:embed="rId2" cstate="print">
-            <a:extLst>
-              <a:ext uri="{28A0092B-C50C-407E-A947-70E740481C1C}">
-                <a14:useLocalDpi xmlns:a14="http://schemas.microsoft.com/office/drawing/2010/main"/>
-              </a:ext>
-            </a:extLst>
-          </a:blip>
+          <a:blip r:embed="rId2" cstate="print"/>
           <a:stretch>
             <a:fillRect/>
           </a:stretch>
@@ -11153,16 +10638,8 @@
           </p:grpSpPr>
           <p:sp>
             <p:nvSpPr>
-              <p:cNvPr id="100" name="Freeform 5">
-                <a:extLst>
-                  <a:ext uri="{FF2B5EF4-FFF2-40B4-BE49-F238E27FC236}">
-                    <a16:creationId xmlns:a16="http://schemas.microsoft.com/office/drawing/2014/main" id="{7EF8326A-A460-4F1F-A35E-22F6C0E02782}"/>
-                  </a:ext>
-                </a:extLst>
-              </p:cNvPr>
-              <p:cNvSpPr>
-                <a:spLocks/>
-              </p:cNvSpPr>
+              <p:cNvPr id="100" name="Freeform 5"/>
+              <p:cNvSpPr/>
               <p:nvPr/>
             </p:nvSpPr>
             <p:spPr bwMode="auto">
@@ -11863,11 +11340,7 @@
               </a:ln>
             </p:spPr>
             <p:txBody>
-              <a:bodyPr vert="horz" wrap="square" lIns="91440" tIns="45720" rIns="91440" bIns="45720" numCol="1" anchor="t" anchorCtr="0" compatLnSpc="1">
-                <a:prstTxWarp prst="textNoShape">
-                  <a:avLst/>
-                </a:prstTxWarp>
-              </a:bodyPr>
+              <a:bodyPr vert="horz" wrap="square" lIns="91440" tIns="45720" rIns="91440" bIns="45720" numCol="1" anchor="t" anchorCtr="0" compatLnSpc="1"/>
               <a:lstStyle/>
               <a:p>
                 <a:endParaRPr lang="zh-CN" altLang="en-US"/>
@@ -11876,16 +11349,8 @@
           </p:sp>
           <p:sp>
             <p:nvSpPr>
-              <p:cNvPr id="101" name="Freeform 6">
-                <a:extLst>
-                  <a:ext uri="{FF2B5EF4-FFF2-40B4-BE49-F238E27FC236}">
-                    <a16:creationId xmlns:a16="http://schemas.microsoft.com/office/drawing/2014/main" id="{CC1FA68D-3307-481A-8E89-D3CB2E8693F4}"/>
-                  </a:ext>
-                </a:extLst>
-              </p:cNvPr>
-              <p:cNvSpPr>
-                <a:spLocks/>
-              </p:cNvSpPr>
+              <p:cNvPr id="101" name="Freeform 6"/>
+              <p:cNvSpPr/>
               <p:nvPr/>
             </p:nvSpPr>
             <p:spPr bwMode="auto">
@@ -12111,11 +11576,7 @@
               </a:ln>
             </p:spPr>
             <p:txBody>
-              <a:bodyPr vert="horz" wrap="square" lIns="91440" tIns="45720" rIns="91440" bIns="45720" numCol="1" anchor="t" anchorCtr="0" compatLnSpc="1">
-                <a:prstTxWarp prst="textNoShape">
-                  <a:avLst/>
-                </a:prstTxWarp>
-              </a:bodyPr>
+              <a:bodyPr vert="horz" wrap="square" lIns="91440" tIns="45720" rIns="91440" bIns="45720" numCol="1" anchor="t" anchorCtr="0" compatLnSpc="1"/>
               <a:lstStyle/>
               <a:p>
                 <a:endParaRPr lang="zh-CN" altLang="en-US"/>
@@ -12124,13 +11585,7 @@
           </p:sp>
           <p:grpSp>
             <p:nvGrpSpPr>
-              <p:cNvPr id="102" name="组合 101">
-                <a:extLst>
-                  <a:ext uri="{FF2B5EF4-FFF2-40B4-BE49-F238E27FC236}">
-                    <a16:creationId xmlns:a16="http://schemas.microsoft.com/office/drawing/2014/main" id="{C7A6E3E5-9A1F-4E06-9E71-F1D7E5C11C32}"/>
-                  </a:ext>
-                </a:extLst>
-              </p:cNvPr>
+              <p:cNvPr id="102" name="组合 101"/>
               <p:cNvGrpSpPr/>
               <p:nvPr/>
             </p:nvGrpSpPr>
@@ -12145,16 +11600,8 @@
             </p:grpSpPr>
             <p:sp>
               <p:nvSpPr>
-                <p:cNvPr id="107" name="Freeform 7">
-                  <a:extLst>
-                    <a:ext uri="{FF2B5EF4-FFF2-40B4-BE49-F238E27FC236}">
-                      <a16:creationId xmlns:a16="http://schemas.microsoft.com/office/drawing/2014/main" id="{02368C72-9CA0-44B0-93EC-F396645A3423}"/>
-                    </a:ext>
-                  </a:extLst>
-                </p:cNvPr>
-                <p:cNvSpPr>
-                  <a:spLocks/>
-                </p:cNvSpPr>
+                <p:cNvPr id="107" name="Freeform 7"/>
+                <p:cNvSpPr/>
                 <p:nvPr/>
               </p:nvSpPr>
               <p:spPr bwMode="auto">
@@ -12635,18 +12082,12 @@
                         <a:srgbClr val="000000"/>
                       </a:solidFill>
                       <a:round/>
-                      <a:headEnd/>
-                      <a:tailEnd/>
                     </a14:hiddenLine>
                   </a:ext>
                 </a:extLst>
               </p:spPr>
               <p:txBody>
-                <a:bodyPr vert="horz" wrap="square" lIns="91440" tIns="45720" rIns="91440" bIns="45720" numCol="1" anchor="t" anchorCtr="0" compatLnSpc="1">
-                  <a:prstTxWarp prst="textNoShape">
-                    <a:avLst/>
-                  </a:prstTxWarp>
-                </a:bodyPr>
+                <a:bodyPr vert="horz" wrap="square" lIns="91440" tIns="45720" rIns="91440" bIns="45720" numCol="1" anchor="t" anchorCtr="0" compatLnSpc="1"/>
                 <a:lstStyle/>
                 <a:p>
                   <a:endParaRPr lang="zh-CN" altLang="en-US"/>
@@ -12655,16 +12096,8 @@
             </p:sp>
             <p:sp>
               <p:nvSpPr>
-                <p:cNvPr id="108" name="Freeform 8">
-                  <a:extLst>
-                    <a:ext uri="{FF2B5EF4-FFF2-40B4-BE49-F238E27FC236}">
-                      <a16:creationId xmlns:a16="http://schemas.microsoft.com/office/drawing/2014/main" id="{68AB8704-3F31-41E0-B209-31D0A83BAA2E}"/>
-                    </a:ext>
-                  </a:extLst>
-                </p:cNvPr>
-                <p:cNvSpPr>
-                  <a:spLocks/>
-                </p:cNvSpPr>
+                <p:cNvPr id="108" name="Freeform 8"/>
+                <p:cNvSpPr/>
                 <p:nvPr/>
               </p:nvSpPr>
               <p:spPr bwMode="auto">
@@ -13015,18 +12448,12 @@
                         <a:srgbClr val="000000"/>
                       </a:solidFill>
                       <a:round/>
-                      <a:headEnd/>
-                      <a:tailEnd/>
                     </a14:hiddenLine>
                   </a:ext>
                 </a:extLst>
               </p:spPr>
               <p:txBody>
-                <a:bodyPr vert="horz" wrap="square" lIns="91440" tIns="45720" rIns="91440" bIns="45720" numCol="1" anchor="t" anchorCtr="0" compatLnSpc="1">
-                  <a:prstTxWarp prst="textNoShape">
-                    <a:avLst/>
-                  </a:prstTxWarp>
-                </a:bodyPr>
+                <a:bodyPr vert="horz" wrap="square" lIns="91440" tIns="45720" rIns="91440" bIns="45720" numCol="1" anchor="t" anchorCtr="0" compatLnSpc="1"/>
                 <a:lstStyle/>
                 <a:p>
                   <a:endParaRPr lang="zh-CN" altLang="en-US"/>
@@ -13036,13 +12463,7 @@
           </p:grpSp>
           <p:grpSp>
             <p:nvGrpSpPr>
-              <p:cNvPr id="103" name="组合 102">
-                <a:extLst>
-                  <a:ext uri="{FF2B5EF4-FFF2-40B4-BE49-F238E27FC236}">
-                    <a16:creationId xmlns:a16="http://schemas.microsoft.com/office/drawing/2014/main" id="{B92E7EB9-3312-4310-B5FA-50F0FA6CFB99}"/>
-                  </a:ext>
-                </a:extLst>
-              </p:cNvPr>
+              <p:cNvPr id="103" name="组合 102"/>
               <p:cNvGrpSpPr/>
               <p:nvPr/>
             </p:nvGrpSpPr>
@@ -13057,16 +12478,8 @@
             </p:grpSpPr>
             <p:sp>
               <p:nvSpPr>
-                <p:cNvPr id="104" name="Freeform 15">
-                  <a:extLst>
-                    <a:ext uri="{FF2B5EF4-FFF2-40B4-BE49-F238E27FC236}">
-                      <a16:creationId xmlns:a16="http://schemas.microsoft.com/office/drawing/2014/main" id="{4A24723D-38DD-4916-B1AF-76A903317407}"/>
-                    </a:ext>
-                  </a:extLst>
-                </p:cNvPr>
-                <p:cNvSpPr>
-                  <a:spLocks/>
-                </p:cNvSpPr>
+                <p:cNvPr id="104" name="Freeform 15"/>
+                <p:cNvSpPr/>
                 <p:nvPr/>
               </p:nvSpPr>
               <p:spPr bwMode="auto">
@@ -13237,18 +12650,12 @@
                         <a:srgbClr val="000000"/>
                       </a:solidFill>
                       <a:round/>
-                      <a:headEnd/>
-                      <a:tailEnd/>
                     </a14:hiddenLine>
                   </a:ext>
                 </a:extLst>
               </p:spPr>
               <p:txBody>
-                <a:bodyPr vert="horz" wrap="square" lIns="91440" tIns="45720" rIns="91440" bIns="45720" numCol="1" anchor="t" anchorCtr="0" compatLnSpc="1">
-                  <a:prstTxWarp prst="textNoShape">
-                    <a:avLst/>
-                  </a:prstTxWarp>
-                </a:bodyPr>
+                <a:bodyPr vert="horz" wrap="square" lIns="91440" tIns="45720" rIns="91440" bIns="45720" numCol="1" anchor="t" anchorCtr="0" compatLnSpc="1"/>
                 <a:lstStyle/>
                 <a:p>
                   <a:endParaRPr lang="zh-CN" altLang="en-US"/>
@@ -13257,16 +12664,8 @@
             </p:sp>
             <p:sp>
               <p:nvSpPr>
-                <p:cNvPr id="105" name="Freeform 16">
-                  <a:extLst>
-                    <a:ext uri="{FF2B5EF4-FFF2-40B4-BE49-F238E27FC236}">
-                      <a16:creationId xmlns:a16="http://schemas.microsoft.com/office/drawing/2014/main" id="{FB4C6AFE-87EF-4FB7-829C-F7529116EE44}"/>
-                    </a:ext>
-                  </a:extLst>
-                </p:cNvPr>
-                <p:cNvSpPr>
-                  <a:spLocks/>
-                </p:cNvSpPr>
+                <p:cNvPr id="105" name="Freeform 16"/>
+                <p:cNvSpPr/>
                 <p:nvPr/>
               </p:nvSpPr>
               <p:spPr bwMode="auto">
@@ -13487,18 +12886,12 @@
                         <a:srgbClr val="000000"/>
                       </a:solidFill>
                       <a:round/>
-                      <a:headEnd/>
-                      <a:tailEnd/>
                     </a14:hiddenLine>
                   </a:ext>
                 </a:extLst>
               </p:spPr>
               <p:txBody>
-                <a:bodyPr vert="horz" wrap="square" lIns="91440" tIns="45720" rIns="91440" bIns="45720" numCol="1" anchor="t" anchorCtr="0" compatLnSpc="1">
-                  <a:prstTxWarp prst="textNoShape">
-                    <a:avLst/>
-                  </a:prstTxWarp>
-                </a:bodyPr>
+                <a:bodyPr vert="horz" wrap="square" lIns="91440" tIns="45720" rIns="91440" bIns="45720" numCol="1" anchor="t" anchorCtr="0" compatLnSpc="1"/>
                 <a:lstStyle/>
                 <a:p>
                   <a:endParaRPr lang="zh-CN" altLang="en-US"/>
@@ -13507,16 +12900,8 @@
             </p:sp>
             <p:sp>
               <p:nvSpPr>
-                <p:cNvPr id="106" name="Freeform 17">
-                  <a:extLst>
-                    <a:ext uri="{FF2B5EF4-FFF2-40B4-BE49-F238E27FC236}">
-                      <a16:creationId xmlns:a16="http://schemas.microsoft.com/office/drawing/2014/main" id="{7BBE01C1-D3BA-489E-BE5E-C63059DA7AF9}"/>
-                    </a:ext>
-                  </a:extLst>
-                </p:cNvPr>
-                <p:cNvSpPr>
-                  <a:spLocks/>
-                </p:cNvSpPr>
+                <p:cNvPr id="106" name="Freeform 17"/>
+                <p:cNvSpPr/>
                 <p:nvPr/>
               </p:nvSpPr>
               <p:spPr bwMode="auto">
@@ -13607,18 +12992,12 @@
                         <a:srgbClr val="000000"/>
                       </a:solidFill>
                       <a:round/>
-                      <a:headEnd/>
-                      <a:tailEnd/>
                     </a14:hiddenLine>
                   </a:ext>
                 </a:extLst>
               </p:spPr>
               <p:txBody>
-                <a:bodyPr vert="horz" wrap="square" lIns="91440" tIns="45720" rIns="91440" bIns="45720" numCol="1" anchor="t" anchorCtr="0" compatLnSpc="1">
-                  <a:prstTxWarp prst="textNoShape">
-                    <a:avLst/>
-                  </a:prstTxWarp>
-                </a:bodyPr>
+                <a:bodyPr vert="horz" wrap="square" lIns="91440" tIns="45720" rIns="91440" bIns="45720" numCol="1" anchor="t" anchorCtr="0" compatLnSpc="1"/>
                 <a:lstStyle/>
                 <a:p>
                   <a:endParaRPr lang="zh-CN" altLang="en-US"/>
@@ -13644,13 +13023,7 @@
           </p:grpSpPr>
           <p:grpSp>
             <p:nvGrpSpPr>
-              <p:cNvPr id="87" name="组合 86">
-                <a:extLst>
-                  <a:ext uri="{FF2B5EF4-FFF2-40B4-BE49-F238E27FC236}">
-                    <a16:creationId xmlns:a16="http://schemas.microsoft.com/office/drawing/2014/main" id="{4EB45816-40C4-4065-9181-C29D2BECD84E}"/>
-                  </a:ext>
-                </a:extLst>
-              </p:cNvPr>
+              <p:cNvPr id="87" name="组合 86"/>
               <p:cNvGrpSpPr/>
               <p:nvPr/>
             </p:nvGrpSpPr>
@@ -13665,13 +13038,7 @@
             </p:grpSpPr>
             <p:sp>
               <p:nvSpPr>
-                <p:cNvPr id="98" name="Freeform 9">
-                  <a:extLst>
-                    <a:ext uri="{FF2B5EF4-FFF2-40B4-BE49-F238E27FC236}">
-                      <a16:creationId xmlns:a16="http://schemas.microsoft.com/office/drawing/2014/main" id="{70888479-5294-457A-8111-462CE4F104F2}"/>
-                    </a:ext>
-                  </a:extLst>
-                </p:cNvPr>
+                <p:cNvPr id="98" name="Freeform 9"/>
                 <p:cNvSpPr>
                   <a:spLocks noEditPoints="1"/>
                 </p:cNvSpPr>
@@ -13994,18 +13361,12 @@
                         <a:srgbClr val="000000"/>
                       </a:solidFill>
                       <a:round/>
-                      <a:headEnd/>
-                      <a:tailEnd/>
                     </a14:hiddenLine>
                   </a:ext>
                 </a:extLst>
               </p:spPr>
               <p:txBody>
-                <a:bodyPr vert="horz" wrap="square" lIns="91440" tIns="45720" rIns="91440" bIns="45720" numCol="1" anchor="t" anchorCtr="0" compatLnSpc="1">
-                  <a:prstTxWarp prst="textNoShape">
-                    <a:avLst/>
-                  </a:prstTxWarp>
-                </a:bodyPr>
+                <a:bodyPr vert="horz" wrap="square" lIns="91440" tIns="45720" rIns="91440" bIns="45720" numCol="1" anchor="t" anchorCtr="0" compatLnSpc="1"/>
                 <a:lstStyle/>
                 <a:p>
                   <a:endParaRPr lang="zh-CN" altLang="en-US"/>
@@ -14014,13 +13375,7 @@
             </p:sp>
             <p:sp>
               <p:nvSpPr>
-                <p:cNvPr id="99" name="Freeform 10">
-                  <a:extLst>
-                    <a:ext uri="{FF2B5EF4-FFF2-40B4-BE49-F238E27FC236}">
-                      <a16:creationId xmlns:a16="http://schemas.microsoft.com/office/drawing/2014/main" id="{3C581795-C09D-460E-9472-8181F266F0EF}"/>
-                    </a:ext>
-                  </a:extLst>
-                </p:cNvPr>
+                <p:cNvPr id="99" name="Freeform 10"/>
                 <p:cNvSpPr>
                   <a:spLocks noEditPoints="1"/>
                 </p:cNvSpPr>
@@ -14463,18 +13818,12 @@
                         <a:srgbClr val="000000"/>
                       </a:solidFill>
                       <a:round/>
-                      <a:headEnd/>
-                      <a:tailEnd/>
                     </a14:hiddenLine>
                   </a:ext>
                 </a:extLst>
               </p:spPr>
               <p:txBody>
-                <a:bodyPr vert="horz" wrap="square" lIns="91440" tIns="45720" rIns="91440" bIns="45720" numCol="1" anchor="t" anchorCtr="0" compatLnSpc="1">
-                  <a:prstTxWarp prst="textNoShape">
-                    <a:avLst/>
-                  </a:prstTxWarp>
-                </a:bodyPr>
+                <a:bodyPr vert="horz" wrap="square" lIns="91440" tIns="45720" rIns="91440" bIns="45720" numCol="1" anchor="t" anchorCtr="0" compatLnSpc="1"/>
                 <a:lstStyle/>
                 <a:p>
                   <a:endParaRPr lang="zh-CN" altLang="en-US"/>
@@ -14484,13 +13833,7 @@
           </p:grpSp>
           <p:grpSp>
             <p:nvGrpSpPr>
-              <p:cNvPr id="88" name="组合 87">
-                <a:extLst>
-                  <a:ext uri="{FF2B5EF4-FFF2-40B4-BE49-F238E27FC236}">
-                    <a16:creationId xmlns:a16="http://schemas.microsoft.com/office/drawing/2014/main" id="{C43281D5-D15F-4210-8FEF-5D0B83A54FD6}"/>
-                  </a:ext>
-                </a:extLst>
-              </p:cNvPr>
+              <p:cNvPr id="88" name="组合 87"/>
               <p:cNvGrpSpPr/>
               <p:nvPr/>
             </p:nvGrpSpPr>
@@ -14505,13 +13848,7 @@
             </p:grpSpPr>
             <p:sp>
               <p:nvSpPr>
-                <p:cNvPr id="96" name="Freeform 13">
-                  <a:extLst>
-                    <a:ext uri="{FF2B5EF4-FFF2-40B4-BE49-F238E27FC236}">
-                      <a16:creationId xmlns:a16="http://schemas.microsoft.com/office/drawing/2014/main" id="{0965091B-D712-42AC-844D-24578409DB9A}"/>
-                    </a:ext>
-                  </a:extLst>
-                </p:cNvPr>
+                <p:cNvPr id="96" name="Freeform 13"/>
                 <p:cNvSpPr>
                   <a:spLocks noEditPoints="1"/>
                 </p:cNvSpPr>
@@ -15247,18 +14584,12 @@
                         <a:srgbClr val="000000"/>
                       </a:solidFill>
                       <a:round/>
-                      <a:headEnd/>
-                      <a:tailEnd/>
                     </a14:hiddenLine>
                   </a:ext>
                 </a:extLst>
               </p:spPr>
               <p:txBody>
-                <a:bodyPr vert="horz" wrap="square" lIns="91440" tIns="45720" rIns="91440" bIns="45720" numCol="1" anchor="t" anchorCtr="0" compatLnSpc="1">
-                  <a:prstTxWarp prst="textNoShape">
-                    <a:avLst/>
-                  </a:prstTxWarp>
-                </a:bodyPr>
+                <a:bodyPr vert="horz" wrap="square" lIns="91440" tIns="45720" rIns="91440" bIns="45720" numCol="1" anchor="t" anchorCtr="0" compatLnSpc="1"/>
                 <a:lstStyle/>
                 <a:p>
                   <a:endParaRPr lang="zh-CN" altLang="en-US"/>
@@ -15267,16 +14598,8 @@
             </p:sp>
             <p:sp>
               <p:nvSpPr>
-                <p:cNvPr id="97" name="Freeform 14">
-                  <a:extLst>
-                    <a:ext uri="{FF2B5EF4-FFF2-40B4-BE49-F238E27FC236}">
-                      <a16:creationId xmlns:a16="http://schemas.microsoft.com/office/drawing/2014/main" id="{EDF1A89C-87D3-4066-B020-1AF4B9A41344}"/>
-                    </a:ext>
-                  </a:extLst>
-                </p:cNvPr>
-                <p:cNvSpPr>
-                  <a:spLocks/>
-                </p:cNvSpPr>
+                <p:cNvPr id="97" name="Freeform 14"/>
+                <p:cNvSpPr/>
                 <p:nvPr/>
               </p:nvSpPr>
               <p:spPr bwMode="auto">
@@ -15367,18 +14690,12 @@
                         <a:srgbClr val="000000"/>
                       </a:solidFill>
                       <a:round/>
-                      <a:headEnd/>
-                      <a:tailEnd/>
                     </a14:hiddenLine>
                   </a:ext>
                 </a:extLst>
               </p:spPr>
               <p:txBody>
-                <a:bodyPr vert="horz" wrap="square" lIns="91440" tIns="45720" rIns="91440" bIns="45720" numCol="1" anchor="t" anchorCtr="0" compatLnSpc="1">
-                  <a:prstTxWarp prst="textNoShape">
-                    <a:avLst/>
-                  </a:prstTxWarp>
-                </a:bodyPr>
+                <a:bodyPr vert="horz" wrap="square" lIns="91440" tIns="45720" rIns="91440" bIns="45720" numCol="1" anchor="t" anchorCtr="0" compatLnSpc="1"/>
                 <a:lstStyle/>
                 <a:p>
                   <a:endParaRPr lang="zh-CN" altLang="en-US"/>
@@ -15388,13 +14705,7 @@
           </p:grpSp>
           <p:grpSp>
             <p:nvGrpSpPr>
-              <p:cNvPr id="89" name="组合 88">
-                <a:extLst>
-                  <a:ext uri="{FF2B5EF4-FFF2-40B4-BE49-F238E27FC236}">
-                    <a16:creationId xmlns:a16="http://schemas.microsoft.com/office/drawing/2014/main" id="{CD1C2EA2-DECB-4C4E-997D-8417E76BE944}"/>
-                  </a:ext>
-                </a:extLst>
-              </p:cNvPr>
+              <p:cNvPr id="89" name="组合 88"/>
               <p:cNvGrpSpPr/>
               <p:nvPr/>
             </p:nvGrpSpPr>
@@ -15409,16 +14720,8 @@
             </p:grpSpPr>
             <p:sp>
               <p:nvSpPr>
-                <p:cNvPr id="93" name="Freeform 18">
-                  <a:extLst>
-                    <a:ext uri="{FF2B5EF4-FFF2-40B4-BE49-F238E27FC236}">
-                      <a16:creationId xmlns:a16="http://schemas.microsoft.com/office/drawing/2014/main" id="{58E0037C-7932-4788-ADA9-47256329EEB7}"/>
-                    </a:ext>
-                  </a:extLst>
-                </p:cNvPr>
-                <p:cNvSpPr>
-                  <a:spLocks/>
-                </p:cNvSpPr>
+                <p:cNvPr id="93" name="Freeform 18"/>
+                <p:cNvSpPr/>
                 <p:nvPr/>
               </p:nvSpPr>
               <p:spPr bwMode="auto">
@@ -15599,18 +14902,12 @@
                         <a:srgbClr val="000000"/>
                       </a:solidFill>
                       <a:round/>
-                      <a:headEnd/>
-                      <a:tailEnd/>
                     </a14:hiddenLine>
                   </a:ext>
                 </a:extLst>
               </p:spPr>
               <p:txBody>
-                <a:bodyPr vert="horz" wrap="square" lIns="91440" tIns="45720" rIns="91440" bIns="45720" numCol="1" anchor="t" anchorCtr="0" compatLnSpc="1">
-                  <a:prstTxWarp prst="textNoShape">
-                    <a:avLst/>
-                  </a:prstTxWarp>
-                </a:bodyPr>
+                <a:bodyPr vert="horz" wrap="square" lIns="91440" tIns="45720" rIns="91440" bIns="45720" numCol="1" anchor="t" anchorCtr="0" compatLnSpc="1"/>
                 <a:lstStyle/>
                 <a:p>
                   <a:endParaRPr lang="zh-CN" altLang="en-US"/>
@@ -15619,16 +14916,8 @@
             </p:sp>
             <p:sp>
               <p:nvSpPr>
-                <p:cNvPr id="94" name="Freeform 19">
-                  <a:extLst>
-                    <a:ext uri="{FF2B5EF4-FFF2-40B4-BE49-F238E27FC236}">
-                      <a16:creationId xmlns:a16="http://schemas.microsoft.com/office/drawing/2014/main" id="{B78F413E-1D51-491F-A6EC-02810949F837}"/>
-                    </a:ext>
-                  </a:extLst>
-                </p:cNvPr>
-                <p:cNvSpPr>
-                  <a:spLocks/>
-                </p:cNvSpPr>
+                <p:cNvPr id="94" name="Freeform 19"/>
+                <p:cNvSpPr/>
                 <p:nvPr/>
               </p:nvSpPr>
               <p:spPr bwMode="auto">
@@ -15799,18 +15088,12 @@
                         <a:srgbClr val="000000"/>
                       </a:solidFill>
                       <a:round/>
-                      <a:headEnd/>
-                      <a:tailEnd/>
                     </a14:hiddenLine>
                   </a:ext>
                 </a:extLst>
               </p:spPr>
               <p:txBody>
-                <a:bodyPr vert="horz" wrap="square" lIns="91440" tIns="45720" rIns="91440" bIns="45720" numCol="1" anchor="t" anchorCtr="0" compatLnSpc="1">
-                  <a:prstTxWarp prst="textNoShape">
-                    <a:avLst/>
-                  </a:prstTxWarp>
-                </a:bodyPr>
+                <a:bodyPr vert="horz" wrap="square" lIns="91440" tIns="45720" rIns="91440" bIns="45720" numCol="1" anchor="t" anchorCtr="0" compatLnSpc="1"/>
                 <a:lstStyle/>
                 <a:p>
                   <a:endParaRPr lang="zh-CN" altLang="en-US"/>
@@ -15819,16 +15102,8 @@
             </p:sp>
             <p:sp>
               <p:nvSpPr>
-                <p:cNvPr id="95" name="Freeform 20">
-                  <a:extLst>
-                    <a:ext uri="{FF2B5EF4-FFF2-40B4-BE49-F238E27FC236}">
-                      <a16:creationId xmlns:a16="http://schemas.microsoft.com/office/drawing/2014/main" id="{28D425C4-CE02-4413-BBE1-2E9FA0CC0E90}"/>
-                    </a:ext>
-                  </a:extLst>
-                </p:cNvPr>
-                <p:cNvSpPr>
-                  <a:spLocks/>
-                </p:cNvSpPr>
+                <p:cNvPr id="95" name="Freeform 20"/>
+                <p:cNvSpPr/>
                 <p:nvPr/>
               </p:nvSpPr>
               <p:spPr bwMode="auto">
@@ -15929,18 +15204,12 @@
                         <a:srgbClr val="000000"/>
                       </a:solidFill>
                       <a:round/>
-                      <a:headEnd/>
-                      <a:tailEnd/>
                     </a14:hiddenLine>
                   </a:ext>
                 </a:extLst>
               </p:spPr>
               <p:txBody>
-                <a:bodyPr vert="horz" wrap="square" lIns="91440" tIns="45720" rIns="91440" bIns="45720" numCol="1" anchor="t" anchorCtr="0" compatLnSpc="1">
-                  <a:prstTxWarp prst="textNoShape">
-                    <a:avLst/>
-                  </a:prstTxWarp>
-                </a:bodyPr>
+                <a:bodyPr vert="horz" wrap="square" lIns="91440" tIns="45720" rIns="91440" bIns="45720" numCol="1" anchor="t" anchorCtr="0" compatLnSpc="1"/>
                 <a:lstStyle/>
                 <a:p>
                   <a:endParaRPr lang="zh-CN" altLang="en-US"/>
@@ -15965,13 +15234,7 @@
             </p:grpSpPr>
             <p:sp>
               <p:nvSpPr>
-                <p:cNvPr id="91" name="Freeform 11">
-                  <a:extLst>
-                    <a:ext uri="{FF2B5EF4-FFF2-40B4-BE49-F238E27FC236}">
-                      <a16:creationId xmlns:a16="http://schemas.microsoft.com/office/drawing/2014/main" id="{9E7CBDC3-9BA0-4307-8967-3267E5966ED9}"/>
-                    </a:ext>
-                  </a:extLst>
-                </p:cNvPr>
+                <p:cNvPr id="91" name="Freeform 11"/>
                 <p:cNvSpPr>
                   <a:spLocks noEditPoints="1"/>
                 </p:cNvSpPr>
@@ -16549,11 +15812,7 @@
                 </a:ln>
               </p:spPr>
               <p:txBody>
-                <a:bodyPr vert="horz" wrap="square" lIns="91440" tIns="45720" rIns="91440" bIns="45720" numCol="1" anchor="t" anchorCtr="0" compatLnSpc="1">
-                  <a:prstTxWarp prst="textNoShape">
-                    <a:avLst/>
-                  </a:prstTxWarp>
-                </a:bodyPr>
+                <a:bodyPr vert="horz" wrap="square" lIns="91440" tIns="45720" rIns="91440" bIns="45720" numCol="1" anchor="t" anchorCtr="0" compatLnSpc="1"/>
                 <a:lstStyle/>
                 <a:p>
                   <a:endParaRPr lang="zh-CN" altLang="en-US"/>
@@ -16562,16 +15821,8 @@
             </p:sp>
             <p:sp>
               <p:nvSpPr>
-                <p:cNvPr id="92" name="Freeform 12">
-                  <a:extLst>
-                    <a:ext uri="{FF2B5EF4-FFF2-40B4-BE49-F238E27FC236}">
-                      <a16:creationId xmlns:a16="http://schemas.microsoft.com/office/drawing/2014/main" id="{D88D9717-3185-4A77-8E18-2A8659D441F7}"/>
-                    </a:ext>
-                  </a:extLst>
-                </p:cNvPr>
-                <p:cNvSpPr>
-                  <a:spLocks/>
-                </p:cNvSpPr>
+                <p:cNvPr id="92" name="Freeform 12"/>
+                <p:cNvSpPr/>
                 <p:nvPr/>
               </p:nvSpPr>
               <p:spPr bwMode="auto">
@@ -16837,11 +16088,7 @@
                 </a:ln>
               </p:spPr>
               <p:txBody>
-                <a:bodyPr vert="horz" wrap="square" lIns="91440" tIns="45720" rIns="91440" bIns="45720" numCol="1" anchor="t" anchorCtr="0" compatLnSpc="1">
-                  <a:prstTxWarp prst="textNoShape">
-                    <a:avLst/>
-                  </a:prstTxWarp>
-                </a:bodyPr>
+                <a:bodyPr vert="horz" wrap="square" lIns="91440" tIns="45720" rIns="91440" bIns="45720" numCol="1" anchor="t" anchorCtr="0" compatLnSpc="1"/>
                 <a:lstStyle/>
                 <a:p>
                   <a:endParaRPr lang="zh-CN" altLang="en-US"/>
@@ -16852,11 +16099,6 @@
         </p:grpSp>
       </p:grpSp>
     </p:spTree>
-    <p:extLst>
-      <p:ext uri="{BB962C8B-B14F-4D97-AF65-F5344CB8AC3E}">
-        <p14:creationId xmlns:p14="http://schemas.microsoft.com/office/powerpoint/2010/main" val="351943236"/>
-      </p:ext>
-    </p:extLst>
   </p:cSld>
   <p:clrMapOvr>
     <a:masterClrMapping/>
@@ -16935,11 +16177,7 @@
           </a:extLst>
         </p:spPr>
         <p:txBody>
-          <a:bodyPr vert="horz" wrap="square" lIns="91440" tIns="45720" rIns="91440" bIns="45720" numCol="1" anchor="ctr" anchorCtr="0" compatLnSpc="1">
-            <a:prstTxWarp prst="textNoShape">
-              <a:avLst/>
-            </a:prstTxWarp>
-          </a:bodyPr>
+          <a:bodyPr vert="horz" wrap="square" lIns="91440" tIns="45720" rIns="91440" bIns="45720" numCol="1" anchor="ctr" anchorCtr="0" compatLnSpc="1"/>
           <a:lstStyle/>
           <a:p>
             <a:pPr lvl="0"/>
@@ -16947,6 +16185,7 @@
               <a:rPr lang="zh-CN" altLang="en-US"/>
               <a:t>单击此处编辑母版标题样式</a:t>
             </a:r>
+            <a:endParaRPr lang="zh-CN" altLang="en-US"/>
           </a:p>
         </p:txBody>
       </p:sp>
@@ -16993,11 +16232,7 @@
           </a:extLst>
         </p:spPr>
         <p:txBody>
-          <a:bodyPr vert="horz" wrap="square" lIns="91440" tIns="45720" rIns="91440" bIns="45720" numCol="1" anchor="t" anchorCtr="0" compatLnSpc="1">
-            <a:prstTxWarp prst="textNoShape">
-              <a:avLst/>
-            </a:prstTxWarp>
-          </a:bodyPr>
+          <a:bodyPr vert="horz" wrap="square" lIns="91440" tIns="45720" rIns="91440" bIns="45720" numCol="1" anchor="t" anchorCtr="0" compatLnSpc="1"/>
           <a:lstStyle/>
           <a:p>
             <a:pPr lvl="0"/>
@@ -17005,6 +16240,7 @@
               <a:rPr lang="zh-CN" altLang="en-US"/>
               <a:t>编辑母版文本样式</a:t>
             </a:r>
+            <a:endParaRPr lang="zh-CN" altLang="en-US"/>
           </a:p>
           <a:p>
             <a:pPr lvl="1"/>
@@ -17012,6 +16248,7 @@
               <a:rPr lang="zh-CN" altLang="en-US"/>
               <a:t>第二级</a:t>
             </a:r>
+            <a:endParaRPr lang="zh-CN" altLang="en-US"/>
           </a:p>
           <a:p>
             <a:pPr lvl="2"/>
@@ -17019,6 +16256,7 @@
               <a:rPr lang="zh-CN" altLang="en-US"/>
               <a:t>第三级</a:t>
             </a:r>
+            <a:endParaRPr lang="zh-CN" altLang="en-US"/>
           </a:p>
           <a:p>
             <a:pPr lvl="3"/>
@@ -17026,6 +16264,7 @@
               <a:rPr lang="zh-CN" altLang="en-US"/>
               <a:t>第四级</a:t>
             </a:r>
+            <a:endParaRPr lang="zh-CN" altLang="en-US"/>
           </a:p>
           <a:p>
             <a:pPr lvl="4"/>
@@ -17033,6 +16272,7 @@
               <a:rPr lang="zh-CN" altLang="en-US"/>
               <a:t>第五级</a:t>
             </a:r>
+            <a:endParaRPr lang="zh-CN" altLang="en-US"/>
           </a:p>
         </p:txBody>
       </p:sp>
@@ -17091,7 +16331,6 @@
               <a:buSzTx/>
               <a:buFontTx/>
               <a:buNone/>
-              <a:tabLst/>
               <a:defRPr/>
             </a:pPr>
             <a:fld id="{307D9317-7C4B-477D-9FCD-CD5482370328}" type="datetimeFigureOut">
@@ -17107,28 +16346,10 @@
                 <a:effectLst/>
                 <a:uLnTx/>
                 <a:uFillTx/>
-                <a:latin typeface="微软雅黑"/>
-                <a:ea typeface="微软雅黑"/>
+                <a:latin typeface="微软雅黑" panose="020B0503020204020204" charset="-122"/>
+                <a:ea typeface="微软雅黑" panose="020B0503020204020204" charset="-122"/>
                 <a:cs typeface="+mn-cs"/>
               </a:rPr>
-              <a:pPr marL="0" marR="0" lvl="0" indent="0" algn="l" defTabSz="914400" rtl="0" eaLnBrk="1" fontAlgn="auto" latinLnBrk="0" hangingPunct="1">
-                <a:lnSpc>
-                  <a:spcPct val="100000"/>
-                </a:lnSpc>
-                <a:spcBef>
-                  <a:spcPts val="0"/>
-                </a:spcBef>
-                <a:spcAft>
-                  <a:spcPts val="0"/>
-                </a:spcAft>
-                <a:buClrTx/>
-                <a:buSzTx/>
-                <a:buFontTx/>
-                <a:buNone/>
-                <a:tabLst/>
-                <a:defRPr/>
-              </a:pPr>
-              <a:t>2025/4/16</a:t>
             </a:fld>
             <a:endParaRPr kumimoji="0" lang="zh-CN" altLang="en-US" sz="1200" b="0" i="0" u="none" strike="noStrike" kern="1200" cap="none" spc="0" normalizeH="0" baseline="0" noProof="0">
               <a:ln>
@@ -17142,8 +16363,8 @@
               <a:effectLst/>
               <a:uLnTx/>
               <a:uFillTx/>
-              <a:latin typeface="微软雅黑"/>
-              <a:ea typeface="微软雅黑"/>
+              <a:latin typeface="微软雅黑" panose="020B0503020204020204" charset="-122"/>
+              <a:ea typeface="微软雅黑" panose="020B0503020204020204" charset="-122"/>
               <a:cs typeface="+mn-cs"/>
             </a:endParaRPr>
           </a:p>
@@ -17204,7 +16425,6 @@
               <a:buSzTx/>
               <a:buFontTx/>
               <a:buNone/>
-              <a:tabLst/>
               <a:defRPr/>
             </a:pPr>
             <a:endParaRPr kumimoji="0" lang="zh-CN" altLang="en-US" sz="1200" b="0" i="0" u="none" strike="noStrike" kern="1200" cap="none" spc="0" normalizeH="0" baseline="0" noProof="0">
@@ -17219,8 +16439,8 @@
               <a:effectLst/>
               <a:uLnTx/>
               <a:uFillTx/>
-              <a:latin typeface="微软雅黑"/>
-              <a:ea typeface="微软雅黑"/>
+              <a:latin typeface="微软雅黑" panose="020B0503020204020204" charset="-122"/>
+              <a:ea typeface="微软雅黑" panose="020B0503020204020204" charset="-122"/>
               <a:cs typeface="+mn-cs"/>
             </a:endParaRPr>
           </a:p>
@@ -17281,7 +16501,6 @@
               <a:buSzTx/>
               <a:buFontTx/>
               <a:buNone/>
-              <a:tabLst/>
               <a:defRPr/>
             </a:pPr>
             <a:fld id="{EC0B3BC9-7090-482A-AB63-1945A9C9F1E4}" type="slidenum">
@@ -17297,28 +16516,10 @@
                 <a:effectLst/>
                 <a:uLnTx/>
                 <a:uFillTx/>
-                <a:latin typeface="微软雅黑"/>
-                <a:ea typeface="微软雅黑"/>
+                <a:latin typeface="微软雅黑" panose="020B0503020204020204" charset="-122"/>
+                <a:ea typeface="微软雅黑" panose="020B0503020204020204" charset="-122"/>
                 <a:cs typeface="+mn-cs"/>
               </a:rPr>
-              <a:pPr marL="0" marR="0" lvl="0" indent="0" algn="r" defTabSz="914400" rtl="0" eaLnBrk="1" fontAlgn="auto" latinLnBrk="0" hangingPunct="1">
-                <a:lnSpc>
-                  <a:spcPct val="100000"/>
-                </a:lnSpc>
-                <a:spcBef>
-                  <a:spcPts val="0"/>
-                </a:spcBef>
-                <a:spcAft>
-                  <a:spcPts val="0"/>
-                </a:spcAft>
-                <a:buClrTx/>
-                <a:buSzTx/>
-                <a:buFontTx/>
-                <a:buNone/>
-                <a:tabLst/>
-                <a:defRPr/>
-              </a:pPr>
-              <a:t>‹#›</a:t>
             </a:fld>
             <a:endParaRPr kumimoji="0" lang="zh-CN" altLang="en-US" sz="1200" b="0" i="0" u="none" strike="noStrike" kern="1200" cap="none" spc="0" normalizeH="0" baseline="0" noProof="0">
               <a:ln>
@@ -17332,25 +16533,20 @@
               <a:effectLst/>
               <a:uLnTx/>
               <a:uFillTx/>
-              <a:latin typeface="微软雅黑"/>
-              <a:ea typeface="微软雅黑"/>
+              <a:latin typeface="微软雅黑" panose="020B0503020204020204" charset="-122"/>
+              <a:ea typeface="微软雅黑" panose="020B0503020204020204" charset="-122"/>
               <a:cs typeface="+mn-cs"/>
             </a:endParaRPr>
           </a:p>
         </p:txBody>
       </p:sp>
     </p:spTree>
-    <p:extLst>
-      <p:ext uri="{BB962C8B-B14F-4D97-AF65-F5344CB8AC3E}">
-        <p14:creationId xmlns:p14="http://schemas.microsoft.com/office/powerpoint/2010/main" val="3100944293"/>
-      </p:ext>
-    </p:extLst>
   </p:cSld>
   <p:clrMap bg1="lt1" tx1="dk1" bg2="lt2" tx2="dk2" accent1="accent1" accent2="accent2" accent3="accent3" accent4="accent4" accent5="accent5" accent6="accent6" hlink="hlink" folHlink="folHlink"/>
   <p:sldLayoutIdLst>
-    <p:sldLayoutId id="2147483661" r:id="rId1"/>
-    <p:sldLayoutId id="2147483662" r:id="rId2"/>
-    <p:sldLayoutId id="2147483663" r:id="rId3"/>
+    <p:sldLayoutId id="2147483649" r:id="rId1"/>
+    <p:sldLayoutId id="2147483650" r:id="rId2"/>
+    <p:sldLayoutId id="2147483651" r:id="rId3"/>
   </p:sldLayoutIdLst>
   <p:transition spd="med">
     <p:fade/>
@@ -17391,7 +16587,7 @@
             <a:schemeClr val="tx1"/>
           </a:solidFill>
           <a:latin typeface="Century Gothic" panose="020B0502020202020204" pitchFamily="34" charset="0"/>
-          <a:ea typeface="微软雅黑" panose="020B0503020204020204" pitchFamily="34" charset="-122"/>
+          <a:ea typeface="微软雅黑" panose="020B0503020204020204" charset="-122"/>
         </a:defRPr>
       </a:lvl2pPr>
       <a:lvl3pPr algn="l" rtl="0" eaLnBrk="0" fontAlgn="base" hangingPunct="0">
@@ -17409,7 +16605,7 @@
             <a:schemeClr val="tx1"/>
           </a:solidFill>
           <a:latin typeface="Century Gothic" panose="020B0502020202020204" pitchFamily="34" charset="0"/>
-          <a:ea typeface="微软雅黑" panose="020B0503020204020204" pitchFamily="34" charset="-122"/>
+          <a:ea typeface="微软雅黑" panose="020B0503020204020204" charset="-122"/>
         </a:defRPr>
       </a:lvl3pPr>
       <a:lvl4pPr algn="l" rtl="0" eaLnBrk="0" fontAlgn="base" hangingPunct="0">
@@ -17427,7 +16623,7 @@
             <a:schemeClr val="tx1"/>
           </a:solidFill>
           <a:latin typeface="Century Gothic" panose="020B0502020202020204" pitchFamily="34" charset="0"/>
-          <a:ea typeface="微软雅黑" panose="020B0503020204020204" pitchFamily="34" charset="-122"/>
+          <a:ea typeface="微软雅黑" panose="020B0503020204020204" charset="-122"/>
         </a:defRPr>
       </a:lvl4pPr>
       <a:lvl5pPr algn="l" rtl="0" eaLnBrk="0" fontAlgn="base" hangingPunct="0">
@@ -17445,7 +16641,7 @@
             <a:schemeClr val="tx1"/>
           </a:solidFill>
           <a:latin typeface="Century Gothic" panose="020B0502020202020204" pitchFamily="34" charset="0"/>
-          <a:ea typeface="微软雅黑" panose="020B0503020204020204" pitchFamily="34" charset="-122"/>
+          <a:ea typeface="微软雅黑" panose="020B0503020204020204" charset="-122"/>
         </a:defRPr>
       </a:lvl5pPr>
       <a:lvl6pPr marL="457200" algn="l" rtl="0" fontAlgn="base">
@@ -17463,7 +16659,7 @@
             <a:schemeClr val="tx1"/>
           </a:solidFill>
           <a:latin typeface="Century Gothic" panose="020B0502020202020204" pitchFamily="34" charset="0"/>
-          <a:ea typeface="微软雅黑" panose="020B0503020204020204" pitchFamily="34" charset="-122"/>
+          <a:ea typeface="微软雅黑" panose="020B0503020204020204" charset="-122"/>
         </a:defRPr>
       </a:lvl6pPr>
       <a:lvl7pPr marL="914400" algn="l" rtl="0" fontAlgn="base">
@@ -17481,7 +16677,7 @@
             <a:schemeClr val="tx1"/>
           </a:solidFill>
           <a:latin typeface="Century Gothic" panose="020B0502020202020204" pitchFamily="34" charset="0"/>
-          <a:ea typeface="微软雅黑" panose="020B0503020204020204" pitchFamily="34" charset="-122"/>
+          <a:ea typeface="微软雅黑" panose="020B0503020204020204" charset="-122"/>
         </a:defRPr>
       </a:lvl7pPr>
       <a:lvl8pPr marL="1371600" algn="l" rtl="0" fontAlgn="base">
@@ -17499,7 +16695,7 @@
             <a:schemeClr val="tx1"/>
           </a:solidFill>
           <a:latin typeface="Century Gothic" panose="020B0502020202020204" pitchFamily="34" charset="0"/>
-          <a:ea typeface="微软雅黑" panose="020B0503020204020204" pitchFamily="34" charset="-122"/>
+          <a:ea typeface="微软雅黑" panose="020B0503020204020204" charset="-122"/>
         </a:defRPr>
       </a:lvl8pPr>
       <a:lvl9pPr marL="1828800" algn="l" rtl="0" fontAlgn="base">
@@ -17517,7 +16713,7 @@
             <a:schemeClr val="tx1"/>
           </a:solidFill>
           <a:latin typeface="Century Gothic" panose="020B0502020202020204" pitchFamily="34" charset="0"/>
-          <a:ea typeface="微软雅黑" panose="020B0503020204020204" pitchFamily="34" charset="-122"/>
+          <a:ea typeface="微软雅黑" panose="020B0503020204020204" charset="-122"/>
         </a:defRPr>
       </a:lvl9pPr>
     </p:titleStyle>
@@ -17818,16 +17014,8 @@
       </p:grpSpPr>
       <p:sp>
         <p:nvSpPr>
-          <p:cNvPr id="6" name="标题 1">
-            <a:extLst>
-              <a:ext uri="{FF2B5EF4-FFF2-40B4-BE49-F238E27FC236}">
-                <a16:creationId xmlns:a16="http://schemas.microsoft.com/office/drawing/2014/main" id="{A453CE20-6C14-4C4C-84F7-26422658A810}"/>
-              </a:ext>
-            </a:extLst>
-          </p:cNvPr>
-          <p:cNvSpPr txBox="1">
-            <a:spLocks/>
-          </p:cNvSpPr>
+          <p:cNvPr id="6" name="标题 1"/>
+          <p:cNvSpPr txBox="1"/>
           <p:nvPr/>
         </p:nvSpPr>
         <p:spPr>
@@ -17841,7 +17029,7 @@
         </p:spPr>
         <p:txBody>
           <a:bodyPr tIns="0" bIns="0" anchor="ctr" anchorCtr="0">
-            <a:normAutofit fontScale="97500"/>
+            <a:normAutofit fontScale="70000"/>
           </a:bodyPr>
           <a:lstStyle>
             <a:lvl1pPr algn="l" defTabSz="914400" rtl="0" eaLnBrk="1" latinLnBrk="0" hangingPunct="1">
@@ -17865,7 +17053,7 @@
           <a:p>
             <a:pPr marL="0" marR="0" lvl="0" indent="0" algn="ctr" defTabSz="914400" rtl="0" eaLnBrk="1" fontAlgn="base" latinLnBrk="0" hangingPunct="1">
               <a:lnSpc>
-                <a:spcPct val="90000"/>
+                <a:spcPct val="100000"/>
               </a:lnSpc>
               <a:spcBef>
                 <a:spcPct val="0"/>
@@ -17877,7 +17065,72 @@
               <a:buSzTx/>
               <a:buFontTx/>
               <a:buNone/>
-              <a:tabLst/>
+              <a:defRPr/>
+            </a:pPr>
+            <a:r>
+              <a:rPr kumimoji="0" lang="en-US" altLang="zh-CN" sz="4000" b="1" i="0" u="none" strike="noStrike" kern="1200" cap="none" spc="0" normalizeH="0" baseline="0" noProof="0" dirty="0">
+                <a:ln>
+                  <a:noFill/>
+                </a:ln>
+                <a:solidFill>
+                  <a:prstClr val="black"/>
+                </a:solidFill>
+                <a:effectLst/>
+                <a:uLnTx/>
+                <a:uFillTx/>
+                <a:latin typeface="微软雅黑" panose="020B0503020204020204" charset="-122"/>
+                <a:ea typeface="微软雅黑" panose="020B0503020204020204" charset="-122"/>
+                <a:cs typeface="+mj-cs"/>
+              </a:rPr>
+              <a:t>ReL4 </a:t>
+            </a:r>
+            <a:r>
+              <a:rPr kumimoji="0" lang="zh-CN" altLang="en-US" sz="4000" b="1" i="0" u="none" strike="noStrike" kern="1200" cap="none" spc="0" normalizeH="0" baseline="0" noProof="0" dirty="0">
+                <a:ln>
+                  <a:noFill/>
+                </a:ln>
+                <a:solidFill>
+                  <a:prstClr val="black"/>
+                </a:solidFill>
+                <a:effectLst/>
+                <a:uLnTx/>
+                <a:uFillTx/>
+                <a:latin typeface="微软雅黑" panose="020B0503020204020204" charset="-122"/>
+                <a:ea typeface="微软雅黑" panose="020B0503020204020204" charset="-122"/>
+                <a:cs typeface="+mj-cs"/>
+              </a:rPr>
+              <a:t>中基于硬件加速的异步系统调用的设计与实现</a:t>
+            </a:r>
+            <a:endParaRPr kumimoji="0" lang="zh-CN" altLang="en-US" sz="4000" b="1" i="0" u="none" strike="noStrike" kern="1200" cap="none" spc="0" normalizeH="0" baseline="0" noProof="0" dirty="0">
+              <a:ln>
+                <a:noFill/>
+              </a:ln>
+              <a:solidFill>
+                <a:prstClr val="black"/>
+              </a:solidFill>
+              <a:effectLst/>
+              <a:uLnTx/>
+              <a:uFillTx/>
+              <a:latin typeface="微软雅黑" panose="020B0503020204020204" charset="-122"/>
+              <a:ea typeface="微软雅黑" panose="020B0503020204020204" charset="-122"/>
+              <a:cs typeface="+mj-cs"/>
+            </a:endParaRPr>
+          </a:p>
+          <a:p>
+            <a:pPr marL="0" marR="0" lvl="0" indent="0" algn="ctr" defTabSz="914400" rtl="0" eaLnBrk="1" fontAlgn="base" latinLnBrk="0" hangingPunct="1">
+              <a:lnSpc>
+                <a:spcPct val="100000"/>
+              </a:lnSpc>
+              <a:spcBef>
+                <a:spcPct val="0"/>
+              </a:spcBef>
+              <a:spcAft>
+                <a:spcPct val="0"/>
+              </a:spcAft>
+              <a:buClrTx/>
+              <a:buSzTx/>
+              <a:buFontTx/>
+              <a:buNone/>
               <a:defRPr/>
             </a:pPr>
             <a:r>
@@ -17891,32 +17144,38 @@
                 <a:effectLst/>
                 <a:uLnTx/>
                 <a:uFillTx/>
-                <a:latin typeface="微软雅黑"/>
-                <a:ea typeface="微软雅黑"/>
+                <a:latin typeface="微软雅黑" panose="020B0503020204020204" charset="-122"/>
+                <a:ea typeface="微软雅黑" panose="020B0503020204020204" charset="-122"/>
                 <a:cs typeface="+mj-cs"/>
               </a:rPr>
-              <a:t>北京理工大学毕业设计论文答辩模板</a:t>
+              <a:t>毕业设计中期报告</a:t>
             </a:r>
+            <a:endParaRPr kumimoji="0" lang="zh-CN" altLang="en-US" sz="4000" b="1" i="0" u="none" strike="noStrike" kern="1200" cap="none" spc="0" normalizeH="0" baseline="0" noProof="0" dirty="0">
+              <a:ln>
+                <a:noFill/>
+              </a:ln>
+              <a:solidFill>
+                <a:prstClr val="black"/>
+              </a:solidFill>
+              <a:effectLst/>
+              <a:uLnTx/>
+              <a:uFillTx/>
+              <a:latin typeface="微软雅黑" panose="020B0503020204020204" charset="-122"/>
+              <a:ea typeface="微软雅黑" panose="020B0503020204020204" charset="-122"/>
+              <a:cs typeface="+mj-cs"/>
+            </a:endParaRPr>
           </a:p>
         </p:txBody>
       </p:sp>
       <p:sp>
         <p:nvSpPr>
-          <p:cNvPr id="7" name="副标题 2">
-            <a:extLst>
-              <a:ext uri="{FF2B5EF4-FFF2-40B4-BE49-F238E27FC236}">
-                <a16:creationId xmlns:a16="http://schemas.microsoft.com/office/drawing/2014/main" id="{831FADC7-207E-7B4E-8BBD-42F82FE1F818}"/>
-              </a:ext>
-            </a:extLst>
-          </p:cNvPr>
-          <p:cNvSpPr txBox="1">
-            <a:spLocks/>
-          </p:cNvSpPr>
+          <p:cNvPr id="7" name="副标题 2"/>
+          <p:cNvSpPr txBox="1"/>
           <p:nvPr/>
         </p:nvSpPr>
         <p:spPr>
           <a:xfrm>
-            <a:off x="803276" y="4972427"/>
+            <a:off x="803276" y="5115302"/>
             <a:ext cx="10585448" cy="508452"/>
           </a:xfrm>
           <a:prstGeom prst="rect">
@@ -18104,7 +17363,6 @@
               <a:buSzTx/>
               <a:buFont typeface="Arial" panose="020B0604020202020204" pitchFamily="34" charset="0"/>
               <a:buNone/>
-              <a:tabLst/>
               <a:defRPr/>
             </a:pPr>
             <a:r>
@@ -18118,13 +17376,13 @@
                 <a:effectLst/>
                 <a:uLnTx/>
                 <a:uFillTx/>
-                <a:latin typeface="微软雅黑"/>
-                <a:ea typeface="微软雅黑"/>
+                <a:latin typeface="微软雅黑" panose="020B0503020204020204" charset="-122"/>
+                <a:ea typeface="微软雅黑" panose="020B0503020204020204" charset="-122"/>
                 <a:cs typeface="+mn-cs"/>
               </a:rPr>
-              <a:t>Template for Thesis Defense in Beijing Institute of Technology</a:t>
+              <a:t>Interim Report of Graduation Project</a:t>
             </a:r>
-            <a:endParaRPr kumimoji="0" lang="zh-CN" altLang="en-US" sz="1800" b="0" i="0" u="none" strike="noStrike" kern="1200" cap="none" spc="0" normalizeH="0" baseline="0" noProof="0" dirty="0">
+            <a:endParaRPr kumimoji="0" lang="en-US" altLang="zh-CN" sz="1800" b="0" i="0" u="none" strike="noStrike" kern="1200" cap="none" spc="0" normalizeH="0" baseline="0" noProof="0" dirty="0">
               <a:ln>
                 <a:noFill/>
               </a:ln>
@@ -18134,8 +17392,8 @@
               <a:effectLst/>
               <a:uLnTx/>
               <a:uFillTx/>
-              <a:latin typeface="微软雅黑"/>
-              <a:ea typeface="微软雅黑"/>
+              <a:latin typeface="微软雅黑" panose="020B0503020204020204" charset="-122"/>
+              <a:ea typeface="微软雅黑" panose="020B0503020204020204" charset="-122"/>
               <a:cs typeface="+mn-cs"/>
             </a:endParaRPr>
           </a:p>
@@ -18143,16 +17401,8 @@
       </p:sp>
       <p:sp>
         <p:nvSpPr>
-          <p:cNvPr id="8" name="文本占位符 34">
-            <a:extLst>
-              <a:ext uri="{FF2B5EF4-FFF2-40B4-BE49-F238E27FC236}">
-                <a16:creationId xmlns:a16="http://schemas.microsoft.com/office/drawing/2014/main" id="{863F15CD-989D-B145-8B27-B543A0C87DAD}"/>
-              </a:ext>
-            </a:extLst>
-          </p:cNvPr>
-          <p:cNvSpPr txBox="1">
-            <a:spLocks/>
-          </p:cNvSpPr>
+          <p:cNvPr id="8" name="文本占位符 34"/>
+          <p:cNvSpPr txBox="1"/>
           <p:nvPr/>
         </p:nvSpPr>
         <p:spPr>
@@ -18345,7 +17595,6 @@
               <a:buSzTx/>
               <a:buFont typeface="Arial" panose="020B0604020202020204" pitchFamily="34" charset="0"/>
               <a:buNone/>
-              <a:tabLst/>
               <a:defRPr/>
             </a:pPr>
             <a:r>
@@ -18362,11 +17611,11 @@
                 <a:effectLst/>
                 <a:uLnTx/>
                 <a:uFillTx/>
-                <a:latin typeface="微软雅黑"/>
-                <a:ea typeface="微软雅黑"/>
+                <a:latin typeface="微软雅黑" panose="020B0503020204020204" charset="-122"/>
+                <a:ea typeface="微软雅黑" panose="020B0503020204020204" charset="-122"/>
                 <a:cs typeface="+mn-cs"/>
               </a:rPr>
-              <a:t>答辩人：北小理       导　师：京小工      时间：</a:t>
+              <a:t>答辩人：王菁芃       导　师：陆慧梅      时间：</a:t>
             </a:r>
             <a:fld id="{FAA7561E-A48D-4E03-84F4-488CDA95D192}" type="datetime1">
               <a:rPr kumimoji="0" lang="zh-CN" altLang="en-US" sz="1800" b="0" i="0" u="none" strike="noStrike" kern="1200" cap="none" spc="0" normalizeH="0" baseline="0" noProof="0" smtClean="0">
@@ -18382,28 +17631,10 @@
                 <a:effectLst/>
                 <a:uLnTx/>
                 <a:uFillTx/>
-                <a:latin typeface="微软雅黑"/>
-                <a:ea typeface="微软雅黑"/>
+                <a:latin typeface="微软雅黑" panose="020B0503020204020204" charset="-122"/>
+                <a:ea typeface="微软雅黑" panose="020B0503020204020204" charset="-122"/>
                 <a:cs typeface="+mn-cs"/>
               </a:rPr>
-              <a:pPr marL="0" marR="0" lvl="0" indent="0" algn="ctr" defTabSz="914400" rtl="0" eaLnBrk="1" fontAlgn="base" latinLnBrk="0" hangingPunct="1">
-                <a:lnSpc>
-                  <a:spcPct val="90000"/>
-                </a:lnSpc>
-                <a:spcBef>
-                  <a:spcPts val="1000"/>
-                </a:spcBef>
-                <a:spcAft>
-                  <a:spcPct val="0"/>
-                </a:spcAft>
-                <a:buClrTx/>
-                <a:buSzTx/>
-                <a:buFont typeface="Arial" panose="020B0604020202020204" pitchFamily="34" charset="0"/>
-                <a:buNone/>
-                <a:tabLst/>
-                <a:defRPr/>
-              </a:pPr>
-              <a:t>2025/4/16</a:t>
             </a:fld>
             <a:endParaRPr kumimoji="0" lang="zh-CN" altLang="en-US" sz="1800" b="0" i="0" u="none" strike="noStrike" kern="1200" cap="none" spc="0" normalizeH="0" baseline="0" noProof="0" dirty="0">
               <a:ln>
@@ -18418,19 +17649,14 @@
               <a:effectLst/>
               <a:uLnTx/>
               <a:uFillTx/>
-              <a:latin typeface="微软雅黑"/>
-              <a:ea typeface="微软雅黑"/>
+              <a:latin typeface="微软雅黑" panose="020B0503020204020204" charset="-122"/>
+              <a:ea typeface="微软雅黑" panose="020B0503020204020204" charset="-122"/>
               <a:cs typeface="+mn-cs"/>
             </a:endParaRPr>
           </a:p>
         </p:txBody>
       </p:sp>
     </p:spTree>
-    <p:extLst>
-      <p:ext uri="{BB962C8B-B14F-4D97-AF65-F5344CB8AC3E}">
-        <p14:creationId xmlns:p14="http://schemas.microsoft.com/office/powerpoint/2010/main" val="3037646617"/>
-      </p:ext>
-    </p:extLst>
   </p:cSld>
   <p:clrMapOvr>
     <a:masterClrMapping/>
@@ -18477,21 +17703,14 @@
               <a:rPr lang="zh-CN" altLang="en-US" dirty="0"/>
               <a:t>存在的问题和拟解决方案</a:t>
             </a:r>
+            <a:endParaRPr lang="zh-CN" altLang="en-US" dirty="0"/>
           </a:p>
         </p:txBody>
       </p:sp>
       <p:cxnSp>
         <p:nvCxnSpPr>
-          <p:cNvPr id="8" name="直接连接符 7">
-            <a:extLst>
-              <a:ext uri="{FF2B5EF4-FFF2-40B4-BE49-F238E27FC236}">
-                <a16:creationId xmlns:a16="http://schemas.microsoft.com/office/drawing/2014/main" id="{89BC4564-A6B6-47A0-BC2C-A544562110F2}"/>
-              </a:ext>
-            </a:extLst>
-          </p:cNvPr>
-          <p:cNvCxnSpPr>
-            <a:cxnSpLocks/>
-          </p:cNvCxnSpPr>
+          <p:cNvPr id="8" name="直接连接符 7"/>
+          <p:cNvCxnSpPr/>
           <p:nvPr/>
         </p:nvCxnSpPr>
         <p:spPr>
@@ -18521,13 +17740,7 @@
       </p:cxnSp>
       <p:cxnSp>
         <p:nvCxnSpPr>
-          <p:cNvPr id="14" name="直接连接符 13">
-            <a:extLst>
-              <a:ext uri="{FF2B5EF4-FFF2-40B4-BE49-F238E27FC236}">
-                <a16:creationId xmlns:a16="http://schemas.microsoft.com/office/drawing/2014/main" id="{B3E85041-8A28-4238-BD0C-C2BC765136D2}"/>
-              </a:ext>
-            </a:extLst>
-          </p:cNvPr>
+          <p:cNvPr id="14" name="直接连接符 13"/>
           <p:cNvCxnSpPr/>
           <p:nvPr/>
         </p:nvCxnSpPr>
@@ -18558,13 +17771,7 @@
       </p:cxnSp>
       <p:sp>
         <p:nvSpPr>
-          <p:cNvPr id="16" name="文本框 15">
-            <a:extLst>
-              <a:ext uri="{FF2B5EF4-FFF2-40B4-BE49-F238E27FC236}">
-                <a16:creationId xmlns:a16="http://schemas.microsoft.com/office/drawing/2014/main" id="{200888B8-65B2-40C4-9C02-CC178AF32B3F}"/>
-              </a:ext>
-            </a:extLst>
-          </p:cNvPr>
+          <p:cNvPr id="16" name="文本框 15"/>
           <p:cNvSpPr txBox="1"/>
           <p:nvPr/>
         </p:nvSpPr>
@@ -18597,6 +17804,7 @@
               <a:rPr lang="zh-CN" altLang="en-US" b="1" dirty="0"/>
               <a:t>部分测试用例选取不够恰当，不能很好地反映异步所带来的性能提升</a:t>
             </a:r>
+            <a:endParaRPr lang="zh-CN" altLang="en-US" b="1" dirty="0"/>
           </a:p>
           <a:p>
             <a:pPr>
@@ -18608,6 +17816,7 @@
               <a:rPr lang="zh-CN" altLang="en-US" b="1" dirty="0"/>
               <a:t>问题描述：</a:t>
             </a:r>
+            <a:endParaRPr lang="zh-CN" altLang="en-US" b="1" dirty="0"/>
           </a:p>
           <a:p>
             <a:pPr lvl="1">
@@ -18619,6 +17828,7 @@
               <a:rPr lang="zh-CN" altLang="en-US" dirty="0"/>
               <a:t>当前所进行的性能测试排除了异步协程阻塞等待中的时间，这样的测试方式不能很好的反应异步带来的吞吐率提升。</a:t>
             </a:r>
+            <a:endParaRPr lang="zh-CN" altLang="en-US" dirty="0"/>
           </a:p>
           <a:p>
             <a:pPr>
@@ -18630,6 +17840,7 @@
               <a:rPr lang="zh-CN" altLang="en-US" b="1" dirty="0"/>
               <a:t>拟解决方案：</a:t>
             </a:r>
+            <a:endParaRPr lang="zh-CN" altLang="en-US" b="1" dirty="0"/>
           </a:p>
           <a:p>
             <a:pPr lvl="1">
@@ -18649,18 +17860,13 @@
               <a:rPr lang="zh-CN" altLang="en-US" dirty="0"/>
               <a:t>和异步系统调用所用的总时间，以反应吞吐率的提升情况。</a:t>
             </a:r>
+            <a:endParaRPr lang="zh-CN" altLang="en-US" dirty="0"/>
           </a:p>
         </p:txBody>
       </p:sp>
       <p:sp>
         <p:nvSpPr>
-          <p:cNvPr id="10" name="文本框 9">
-            <a:extLst>
-              <a:ext uri="{FF2B5EF4-FFF2-40B4-BE49-F238E27FC236}">
-                <a16:creationId xmlns:a16="http://schemas.microsoft.com/office/drawing/2014/main" id="{85E07869-FD3E-4B0C-A357-39305F403404}"/>
-              </a:ext>
-            </a:extLst>
-          </p:cNvPr>
+          <p:cNvPr id="10" name="文本框 9"/>
           <p:cNvSpPr txBox="1">
             <a:spLocks noChangeArrowheads="1"/>
           </p:cNvSpPr>
@@ -18709,7 +17915,7 @@
                   <a:schemeClr val="tx1"/>
                 </a:solidFill>
                 <a:latin typeface="Century Gothic" panose="020B0502020202020204" pitchFamily="34" charset="0"/>
-                <a:ea typeface="微软雅黑" panose="020B0503020204020204" pitchFamily="34" charset="-122"/>
+                <a:ea typeface="微软雅黑" panose="020B0503020204020204" charset="-122"/>
               </a:defRPr>
             </a:lvl1pPr>
             <a:lvl2pPr marL="742950" indent="-285750">
@@ -18718,7 +17924,7 @@
                   <a:schemeClr val="tx1"/>
                 </a:solidFill>
                 <a:latin typeface="Century Gothic" panose="020B0502020202020204" pitchFamily="34" charset="0"/>
-                <a:ea typeface="微软雅黑" panose="020B0503020204020204" pitchFamily="34" charset="-122"/>
+                <a:ea typeface="微软雅黑" panose="020B0503020204020204" charset="-122"/>
               </a:defRPr>
             </a:lvl2pPr>
             <a:lvl3pPr marL="1143000" indent="-228600">
@@ -18727,7 +17933,7 @@
                   <a:schemeClr val="tx1"/>
                 </a:solidFill>
                 <a:latin typeface="Century Gothic" panose="020B0502020202020204" pitchFamily="34" charset="0"/>
-                <a:ea typeface="微软雅黑" panose="020B0503020204020204" pitchFamily="34" charset="-122"/>
+                <a:ea typeface="微软雅黑" panose="020B0503020204020204" charset="-122"/>
               </a:defRPr>
             </a:lvl3pPr>
             <a:lvl4pPr marL="1600200" indent="-228600">
@@ -18736,7 +17942,7 @@
                   <a:schemeClr val="tx1"/>
                 </a:solidFill>
                 <a:latin typeface="Century Gothic" panose="020B0502020202020204" pitchFamily="34" charset="0"/>
-                <a:ea typeface="微软雅黑" panose="020B0503020204020204" pitchFamily="34" charset="-122"/>
+                <a:ea typeface="微软雅黑" panose="020B0503020204020204" charset="-122"/>
               </a:defRPr>
             </a:lvl4pPr>
             <a:lvl5pPr marL="2057400" indent="-228600">
@@ -18745,7 +17951,7 @@
                   <a:schemeClr val="tx1"/>
                 </a:solidFill>
                 <a:latin typeface="Century Gothic" panose="020B0502020202020204" pitchFamily="34" charset="0"/>
-                <a:ea typeface="微软雅黑" panose="020B0503020204020204" pitchFamily="34" charset="-122"/>
+                <a:ea typeface="微软雅黑" panose="020B0503020204020204" charset="-122"/>
               </a:defRPr>
             </a:lvl5pPr>
             <a:lvl6pPr marL="2514600" indent="-228600" fontAlgn="base">
@@ -18760,7 +17966,7 @@
                   <a:schemeClr val="tx1"/>
                 </a:solidFill>
                 <a:latin typeface="Century Gothic" panose="020B0502020202020204" pitchFamily="34" charset="0"/>
-                <a:ea typeface="微软雅黑" panose="020B0503020204020204" pitchFamily="34" charset="-122"/>
+                <a:ea typeface="微软雅黑" panose="020B0503020204020204" charset="-122"/>
               </a:defRPr>
             </a:lvl6pPr>
             <a:lvl7pPr marL="2971800" indent="-228600" fontAlgn="base">
@@ -18775,7 +17981,7 @@
                   <a:schemeClr val="tx1"/>
                 </a:solidFill>
                 <a:latin typeface="Century Gothic" panose="020B0502020202020204" pitchFamily="34" charset="0"/>
-                <a:ea typeface="微软雅黑" panose="020B0503020204020204" pitchFamily="34" charset="-122"/>
+                <a:ea typeface="微软雅黑" panose="020B0503020204020204" charset="-122"/>
               </a:defRPr>
             </a:lvl7pPr>
             <a:lvl8pPr marL="3429000" indent="-228600" fontAlgn="base">
@@ -18790,7 +17996,7 @@
                   <a:schemeClr val="tx1"/>
                 </a:solidFill>
                 <a:latin typeface="Century Gothic" panose="020B0502020202020204" pitchFamily="34" charset="0"/>
-                <a:ea typeface="微软雅黑" panose="020B0503020204020204" pitchFamily="34" charset="-122"/>
+                <a:ea typeface="微软雅黑" panose="020B0503020204020204" charset="-122"/>
               </a:defRPr>
             </a:lvl8pPr>
             <a:lvl9pPr marL="3886200" indent="-228600" fontAlgn="base">
@@ -18805,7 +18011,7 @@
                   <a:schemeClr val="tx1"/>
                 </a:solidFill>
                 <a:latin typeface="Century Gothic" panose="020B0502020202020204" pitchFamily="34" charset="0"/>
-                <a:ea typeface="微软雅黑" panose="020B0503020204020204" pitchFamily="34" charset="-122"/>
+                <a:ea typeface="微软雅黑" panose="020B0503020204020204" charset="-122"/>
               </a:defRPr>
             </a:lvl9pPr>
           </a:lstStyle>
@@ -18831,13 +18037,7 @@
       </p:sp>
       <p:sp>
         <p:nvSpPr>
-          <p:cNvPr id="4" name="文本框 3">
-            <a:extLst>
-              <a:ext uri="{FF2B5EF4-FFF2-40B4-BE49-F238E27FC236}">
-                <a16:creationId xmlns:a16="http://schemas.microsoft.com/office/drawing/2014/main" id="{26D28FE1-46C1-B0A8-6115-93BD3768EDCF}"/>
-              </a:ext>
-            </a:extLst>
-          </p:cNvPr>
+          <p:cNvPr id="4" name="文本框 3"/>
           <p:cNvSpPr txBox="1"/>
           <p:nvPr/>
         </p:nvSpPr>
@@ -18868,18 +18068,19 @@
               </a:rPr>
               <a:t>“</a:t>
             </a:r>
+            <a:endParaRPr lang="zh-CN" altLang="en-US" sz="11500" spc="300" dirty="0">
+              <a:solidFill>
+                <a:schemeClr val="accent4"/>
+              </a:solidFill>
+              <a:latin typeface="黑体" panose="02010609060101010101" pitchFamily="49" charset="-122"/>
+              <a:ea typeface="黑体" panose="02010609060101010101" pitchFamily="49" charset="-122"/>
+            </a:endParaRPr>
           </a:p>
         </p:txBody>
       </p:sp>
       <p:sp>
         <p:nvSpPr>
-          <p:cNvPr id="5" name="文本框 4">
-            <a:extLst>
-              <a:ext uri="{FF2B5EF4-FFF2-40B4-BE49-F238E27FC236}">
-                <a16:creationId xmlns:a16="http://schemas.microsoft.com/office/drawing/2014/main" id="{E8B4443D-8876-074C-CC79-6EB35A1405BE}"/>
-              </a:ext>
-            </a:extLst>
-          </p:cNvPr>
+          <p:cNvPr id="5" name="文本框 4"/>
           <p:cNvSpPr txBox="1"/>
           <p:nvPr/>
         </p:nvSpPr>
@@ -18921,11 +18122,6 @@
         </p:txBody>
       </p:sp>
     </p:spTree>
-    <p:extLst>
-      <p:ext uri="{BB962C8B-B14F-4D97-AF65-F5344CB8AC3E}">
-        <p14:creationId xmlns:p14="http://schemas.microsoft.com/office/powerpoint/2010/main" val="2667390133"/>
-      </p:ext>
-    </p:extLst>
   </p:cSld>
   <p:clrMapOvr>
     <a:masterClrMapping/>
@@ -18972,21 +18168,14 @@
               <a:rPr lang="zh-CN" altLang="en-US" dirty="0"/>
               <a:t>存在的问题和拟解决方案</a:t>
             </a:r>
+            <a:endParaRPr lang="zh-CN" altLang="en-US" dirty="0"/>
           </a:p>
         </p:txBody>
       </p:sp>
       <p:cxnSp>
         <p:nvCxnSpPr>
-          <p:cNvPr id="8" name="直接连接符 7">
-            <a:extLst>
-              <a:ext uri="{FF2B5EF4-FFF2-40B4-BE49-F238E27FC236}">
-                <a16:creationId xmlns:a16="http://schemas.microsoft.com/office/drawing/2014/main" id="{89BC4564-A6B6-47A0-BC2C-A544562110F2}"/>
-              </a:ext>
-            </a:extLst>
-          </p:cNvPr>
-          <p:cNvCxnSpPr>
-            <a:cxnSpLocks/>
-          </p:cNvCxnSpPr>
+          <p:cNvPr id="8" name="直接连接符 7"/>
+          <p:cNvCxnSpPr/>
           <p:nvPr/>
         </p:nvCxnSpPr>
         <p:spPr>
@@ -19016,13 +18205,7 @@
       </p:cxnSp>
       <p:cxnSp>
         <p:nvCxnSpPr>
-          <p:cNvPr id="14" name="直接连接符 13">
-            <a:extLst>
-              <a:ext uri="{FF2B5EF4-FFF2-40B4-BE49-F238E27FC236}">
-                <a16:creationId xmlns:a16="http://schemas.microsoft.com/office/drawing/2014/main" id="{B3E85041-8A28-4238-BD0C-C2BC765136D2}"/>
-              </a:ext>
-            </a:extLst>
-          </p:cNvPr>
+          <p:cNvPr id="14" name="直接连接符 13"/>
           <p:cNvCxnSpPr/>
           <p:nvPr/>
         </p:nvCxnSpPr>
@@ -19053,13 +18236,7 @@
       </p:cxnSp>
       <p:sp>
         <p:nvSpPr>
-          <p:cNvPr id="16" name="文本框 15">
-            <a:extLst>
-              <a:ext uri="{FF2B5EF4-FFF2-40B4-BE49-F238E27FC236}">
-                <a16:creationId xmlns:a16="http://schemas.microsoft.com/office/drawing/2014/main" id="{200888B8-65B2-40C4-9C02-CC178AF32B3F}"/>
-              </a:ext>
-            </a:extLst>
-          </p:cNvPr>
+          <p:cNvPr id="16" name="文本框 15"/>
           <p:cNvSpPr txBox="1"/>
           <p:nvPr/>
         </p:nvSpPr>
@@ -19160,6 +18337,7 @@
               <a:rPr lang="zh-CN" altLang="en-US" b="1" dirty="0"/>
               <a:t>拟解决方案：</a:t>
             </a:r>
+            <a:endParaRPr lang="zh-CN" altLang="en-US" b="1" dirty="0"/>
           </a:p>
           <a:p>
             <a:pPr lvl="1">
@@ -19179,18 +18357,13 @@
               <a:rPr lang="zh-CN" altLang="en-US" dirty="0"/>
               <a:t>开发板上运行测试，进一步验证系统设计的正确性与可行性。</a:t>
             </a:r>
+            <a:endParaRPr lang="zh-CN" altLang="en-US" dirty="0"/>
           </a:p>
         </p:txBody>
       </p:sp>
       <p:sp>
         <p:nvSpPr>
-          <p:cNvPr id="10" name="文本框 9">
-            <a:extLst>
-              <a:ext uri="{FF2B5EF4-FFF2-40B4-BE49-F238E27FC236}">
-                <a16:creationId xmlns:a16="http://schemas.microsoft.com/office/drawing/2014/main" id="{85E07869-FD3E-4B0C-A357-39305F403404}"/>
-              </a:ext>
-            </a:extLst>
-          </p:cNvPr>
+          <p:cNvPr id="10" name="文本框 9"/>
           <p:cNvSpPr txBox="1">
             <a:spLocks noChangeArrowheads="1"/>
           </p:cNvSpPr>
@@ -19239,7 +18412,7 @@
                   <a:schemeClr val="tx1"/>
                 </a:solidFill>
                 <a:latin typeface="Century Gothic" panose="020B0502020202020204" pitchFamily="34" charset="0"/>
-                <a:ea typeface="微软雅黑" panose="020B0503020204020204" pitchFamily="34" charset="-122"/>
+                <a:ea typeface="微软雅黑" panose="020B0503020204020204" charset="-122"/>
               </a:defRPr>
             </a:lvl1pPr>
             <a:lvl2pPr marL="742950" indent="-285750">
@@ -19248,7 +18421,7 @@
                   <a:schemeClr val="tx1"/>
                 </a:solidFill>
                 <a:latin typeface="Century Gothic" panose="020B0502020202020204" pitchFamily="34" charset="0"/>
-                <a:ea typeface="微软雅黑" panose="020B0503020204020204" pitchFamily="34" charset="-122"/>
+                <a:ea typeface="微软雅黑" panose="020B0503020204020204" charset="-122"/>
               </a:defRPr>
             </a:lvl2pPr>
             <a:lvl3pPr marL="1143000" indent="-228600">
@@ -19257,7 +18430,7 @@
                   <a:schemeClr val="tx1"/>
                 </a:solidFill>
                 <a:latin typeface="Century Gothic" panose="020B0502020202020204" pitchFamily="34" charset="0"/>
-                <a:ea typeface="微软雅黑" panose="020B0503020204020204" pitchFamily="34" charset="-122"/>
+                <a:ea typeface="微软雅黑" panose="020B0503020204020204" charset="-122"/>
               </a:defRPr>
             </a:lvl3pPr>
             <a:lvl4pPr marL="1600200" indent="-228600">
@@ -19266,7 +18439,7 @@
                   <a:schemeClr val="tx1"/>
                 </a:solidFill>
                 <a:latin typeface="Century Gothic" panose="020B0502020202020204" pitchFamily="34" charset="0"/>
-                <a:ea typeface="微软雅黑" panose="020B0503020204020204" pitchFamily="34" charset="-122"/>
+                <a:ea typeface="微软雅黑" panose="020B0503020204020204" charset="-122"/>
               </a:defRPr>
             </a:lvl4pPr>
             <a:lvl5pPr marL="2057400" indent="-228600">
@@ -19275,7 +18448,7 @@
                   <a:schemeClr val="tx1"/>
                 </a:solidFill>
                 <a:latin typeface="Century Gothic" panose="020B0502020202020204" pitchFamily="34" charset="0"/>
-                <a:ea typeface="微软雅黑" panose="020B0503020204020204" pitchFamily="34" charset="-122"/>
+                <a:ea typeface="微软雅黑" panose="020B0503020204020204" charset="-122"/>
               </a:defRPr>
             </a:lvl5pPr>
             <a:lvl6pPr marL="2514600" indent="-228600" fontAlgn="base">
@@ -19290,7 +18463,7 @@
                   <a:schemeClr val="tx1"/>
                 </a:solidFill>
                 <a:latin typeface="Century Gothic" panose="020B0502020202020204" pitchFamily="34" charset="0"/>
-                <a:ea typeface="微软雅黑" panose="020B0503020204020204" pitchFamily="34" charset="-122"/>
+                <a:ea typeface="微软雅黑" panose="020B0503020204020204" charset="-122"/>
               </a:defRPr>
             </a:lvl6pPr>
             <a:lvl7pPr marL="2971800" indent="-228600" fontAlgn="base">
@@ -19305,7 +18478,7 @@
                   <a:schemeClr val="tx1"/>
                 </a:solidFill>
                 <a:latin typeface="Century Gothic" panose="020B0502020202020204" pitchFamily="34" charset="0"/>
-                <a:ea typeface="微软雅黑" panose="020B0503020204020204" pitchFamily="34" charset="-122"/>
+                <a:ea typeface="微软雅黑" panose="020B0503020204020204" charset="-122"/>
               </a:defRPr>
             </a:lvl7pPr>
             <a:lvl8pPr marL="3429000" indent="-228600" fontAlgn="base">
@@ -19320,7 +18493,7 @@
                   <a:schemeClr val="tx1"/>
                 </a:solidFill>
                 <a:latin typeface="Century Gothic" panose="020B0502020202020204" pitchFamily="34" charset="0"/>
-                <a:ea typeface="微软雅黑" panose="020B0503020204020204" pitchFamily="34" charset="-122"/>
+                <a:ea typeface="微软雅黑" panose="020B0503020204020204" charset="-122"/>
               </a:defRPr>
             </a:lvl8pPr>
             <a:lvl9pPr marL="3886200" indent="-228600" fontAlgn="base">
@@ -19335,7 +18508,7 @@
                   <a:schemeClr val="tx1"/>
                 </a:solidFill>
                 <a:latin typeface="Century Gothic" panose="020B0502020202020204" pitchFamily="34" charset="0"/>
-                <a:ea typeface="微软雅黑" panose="020B0503020204020204" pitchFamily="34" charset="-122"/>
+                <a:ea typeface="微软雅黑" panose="020B0503020204020204" charset="-122"/>
               </a:defRPr>
             </a:lvl9pPr>
           </a:lstStyle>
@@ -19361,13 +18534,7 @@
       </p:sp>
       <p:sp>
         <p:nvSpPr>
-          <p:cNvPr id="4" name="文本框 3">
-            <a:extLst>
-              <a:ext uri="{FF2B5EF4-FFF2-40B4-BE49-F238E27FC236}">
-                <a16:creationId xmlns:a16="http://schemas.microsoft.com/office/drawing/2014/main" id="{26D28FE1-46C1-B0A8-6115-93BD3768EDCF}"/>
-              </a:ext>
-            </a:extLst>
-          </p:cNvPr>
+          <p:cNvPr id="4" name="文本框 3"/>
           <p:cNvSpPr txBox="1"/>
           <p:nvPr/>
         </p:nvSpPr>
@@ -19398,18 +18565,19 @@
               </a:rPr>
               <a:t>“</a:t>
             </a:r>
+            <a:endParaRPr lang="zh-CN" altLang="en-US" sz="11500" spc="300" dirty="0">
+              <a:solidFill>
+                <a:schemeClr val="accent4"/>
+              </a:solidFill>
+              <a:latin typeface="黑体" panose="02010609060101010101" pitchFamily="49" charset="-122"/>
+              <a:ea typeface="黑体" panose="02010609060101010101" pitchFamily="49" charset="-122"/>
+            </a:endParaRPr>
           </a:p>
         </p:txBody>
       </p:sp>
       <p:sp>
         <p:nvSpPr>
-          <p:cNvPr id="5" name="文本框 4">
-            <a:extLst>
-              <a:ext uri="{FF2B5EF4-FFF2-40B4-BE49-F238E27FC236}">
-                <a16:creationId xmlns:a16="http://schemas.microsoft.com/office/drawing/2014/main" id="{E8B4443D-8876-074C-CC79-6EB35A1405BE}"/>
-              </a:ext>
-            </a:extLst>
-          </p:cNvPr>
+          <p:cNvPr id="5" name="文本框 4"/>
           <p:cNvSpPr txBox="1"/>
           <p:nvPr/>
         </p:nvSpPr>
@@ -19451,11 +18619,6 @@
         </p:txBody>
       </p:sp>
     </p:spTree>
-    <p:extLst>
-      <p:ext uri="{BB962C8B-B14F-4D97-AF65-F5344CB8AC3E}">
-        <p14:creationId xmlns:p14="http://schemas.microsoft.com/office/powerpoint/2010/main" val="1982271088"/>
-      </p:ext>
-    </p:extLst>
   </p:cSld>
   <p:clrMapOvr>
     <a:masterClrMapping/>
@@ -19499,13 +18662,7 @@
         </p:grpSpPr>
         <p:sp>
           <p:nvSpPr>
-            <p:cNvPr id="19" name="文本框 18">
-              <a:extLst>
-                <a:ext uri="{FF2B5EF4-FFF2-40B4-BE49-F238E27FC236}">
-                  <a16:creationId xmlns:a16="http://schemas.microsoft.com/office/drawing/2014/main" id="{41B256AE-680D-4CCC-B51F-B69BF45F0365}"/>
-                </a:ext>
-              </a:extLst>
-            </p:cNvPr>
+            <p:cNvPr id="19" name="文本框 18"/>
             <p:cNvSpPr txBox="1"/>
             <p:nvPr/>
           </p:nvSpPr>
@@ -19543,18 +18700,15 @@
                 </a:rPr>
                 <a:t>下一步研究任务与进度安排</a:t>
               </a:r>
+              <a:endParaRPr lang="zh-CN" altLang="en-US" sz="3200" b="1" dirty="0">
+                <a:sym typeface="+mn-lt"/>
+              </a:endParaRPr>
             </a:p>
           </p:txBody>
         </p:sp>
         <p:sp>
           <p:nvSpPr>
-            <p:cNvPr id="20" name="椭圆 19">
-              <a:extLst>
-                <a:ext uri="{FF2B5EF4-FFF2-40B4-BE49-F238E27FC236}">
-                  <a16:creationId xmlns:a16="http://schemas.microsoft.com/office/drawing/2014/main" id="{4CD969C8-E62F-446D-85AA-293C5C9F7396}"/>
-                </a:ext>
-              </a:extLst>
-            </p:cNvPr>
+            <p:cNvPr id="20" name="椭圆 19"/>
             <p:cNvSpPr/>
             <p:nvPr/>
           </p:nvSpPr>
@@ -19605,24 +18759,19 @@
               <a:r>
                 <a:rPr lang="en-US" altLang="zh-CN" sz="4000" b="1" dirty="0">
                   <a:latin typeface="Century Gothic" panose="020B0502020202020204" pitchFamily="34" charset="0"/>
-                  <a:ea typeface="微软雅黑" panose="020B0503020204020204" pitchFamily="34" charset="-122"/>
+                  <a:ea typeface="微软雅黑" panose="020B0503020204020204" charset="-122"/>
                 </a:rPr>
                 <a:t>3</a:t>
               </a:r>
               <a:endParaRPr lang="zh-CN" altLang="en-US" sz="4000" b="1" dirty="0">
                 <a:latin typeface="Century Gothic" panose="020B0502020202020204" pitchFamily="34" charset="0"/>
-                <a:ea typeface="微软雅黑" panose="020B0503020204020204" pitchFamily="34" charset="-122"/>
+                <a:ea typeface="微软雅黑" panose="020B0503020204020204" charset="-122"/>
               </a:endParaRPr>
             </a:p>
           </p:txBody>
         </p:sp>
       </p:grpSp>
     </p:spTree>
-    <p:extLst>
-      <p:ext uri="{BB962C8B-B14F-4D97-AF65-F5344CB8AC3E}">
-        <p14:creationId xmlns:p14="http://schemas.microsoft.com/office/powerpoint/2010/main" val="1444942625"/>
-      </p:ext>
-    </p:extLst>
   </p:cSld>
   <p:clrMapOvr>
     <a:masterClrMapping/>
@@ -19688,18 +18837,15 @@
               </a:rPr>
               <a:t>下一步研究任务与进度安排</a:t>
             </a:r>
+            <a:endParaRPr lang="zh-CN" altLang="en-US" sz="2800" b="1" dirty="0">
+              <a:sym typeface="+mn-lt"/>
+            </a:endParaRPr>
           </a:p>
         </p:txBody>
       </p:sp>
       <p:sp>
         <p:nvSpPr>
-          <p:cNvPr id="7" name="文本框 6">
-            <a:extLst>
-              <a:ext uri="{FF2B5EF4-FFF2-40B4-BE49-F238E27FC236}">
-                <a16:creationId xmlns:a16="http://schemas.microsoft.com/office/drawing/2014/main" id="{6037CFF9-A525-4EAF-B3FE-037F2439DFA3}"/>
-              </a:ext>
-            </a:extLst>
-          </p:cNvPr>
+          <p:cNvPr id="7" name="文本框 6"/>
           <p:cNvSpPr txBox="1">
             <a:spLocks noChangeArrowheads="1"/>
           </p:cNvSpPr>
@@ -19748,7 +18894,7 @@
                   <a:schemeClr val="tx1"/>
                 </a:solidFill>
                 <a:latin typeface="Century Gothic" panose="020B0502020202020204" pitchFamily="34" charset="0"/>
-                <a:ea typeface="微软雅黑" panose="020B0503020204020204" pitchFamily="34" charset="-122"/>
+                <a:ea typeface="微软雅黑" panose="020B0503020204020204" charset="-122"/>
               </a:defRPr>
             </a:lvl1pPr>
             <a:lvl2pPr marL="742950" indent="-285750">
@@ -19757,7 +18903,7 @@
                   <a:schemeClr val="tx1"/>
                 </a:solidFill>
                 <a:latin typeface="Century Gothic" panose="020B0502020202020204" pitchFamily="34" charset="0"/>
-                <a:ea typeface="微软雅黑" panose="020B0503020204020204" pitchFamily="34" charset="-122"/>
+                <a:ea typeface="微软雅黑" panose="020B0503020204020204" charset="-122"/>
               </a:defRPr>
             </a:lvl2pPr>
             <a:lvl3pPr marL="1143000" indent="-228600">
@@ -19766,7 +18912,7 @@
                   <a:schemeClr val="tx1"/>
                 </a:solidFill>
                 <a:latin typeface="Century Gothic" panose="020B0502020202020204" pitchFamily="34" charset="0"/>
-                <a:ea typeface="微软雅黑" panose="020B0503020204020204" pitchFamily="34" charset="-122"/>
+                <a:ea typeface="微软雅黑" panose="020B0503020204020204" charset="-122"/>
               </a:defRPr>
             </a:lvl3pPr>
             <a:lvl4pPr marL="1600200" indent="-228600">
@@ -19775,7 +18921,7 @@
                   <a:schemeClr val="tx1"/>
                 </a:solidFill>
                 <a:latin typeface="Century Gothic" panose="020B0502020202020204" pitchFamily="34" charset="0"/>
-                <a:ea typeface="微软雅黑" panose="020B0503020204020204" pitchFamily="34" charset="-122"/>
+                <a:ea typeface="微软雅黑" panose="020B0503020204020204" charset="-122"/>
               </a:defRPr>
             </a:lvl4pPr>
             <a:lvl5pPr marL="2057400" indent="-228600">
@@ -19784,7 +18930,7 @@
                   <a:schemeClr val="tx1"/>
                 </a:solidFill>
                 <a:latin typeface="Century Gothic" panose="020B0502020202020204" pitchFamily="34" charset="0"/>
-                <a:ea typeface="微软雅黑" panose="020B0503020204020204" pitchFamily="34" charset="-122"/>
+                <a:ea typeface="微软雅黑" panose="020B0503020204020204" charset="-122"/>
               </a:defRPr>
             </a:lvl5pPr>
             <a:lvl6pPr marL="2514600" indent="-228600" fontAlgn="base">
@@ -19799,7 +18945,7 @@
                   <a:schemeClr val="tx1"/>
                 </a:solidFill>
                 <a:latin typeface="Century Gothic" panose="020B0502020202020204" pitchFamily="34" charset="0"/>
-                <a:ea typeface="微软雅黑" panose="020B0503020204020204" pitchFamily="34" charset="-122"/>
+                <a:ea typeface="微软雅黑" panose="020B0503020204020204" charset="-122"/>
               </a:defRPr>
             </a:lvl6pPr>
             <a:lvl7pPr marL="2971800" indent="-228600" fontAlgn="base">
@@ -19814,7 +18960,7 @@
                   <a:schemeClr val="tx1"/>
                 </a:solidFill>
                 <a:latin typeface="Century Gothic" panose="020B0502020202020204" pitchFamily="34" charset="0"/>
-                <a:ea typeface="微软雅黑" panose="020B0503020204020204" pitchFamily="34" charset="-122"/>
+                <a:ea typeface="微软雅黑" panose="020B0503020204020204" charset="-122"/>
               </a:defRPr>
             </a:lvl7pPr>
             <a:lvl8pPr marL="3429000" indent="-228600" fontAlgn="base">
@@ -19829,7 +18975,7 @@
                   <a:schemeClr val="tx1"/>
                 </a:solidFill>
                 <a:latin typeface="Century Gothic" panose="020B0502020202020204" pitchFamily="34" charset="0"/>
-                <a:ea typeface="微软雅黑" panose="020B0503020204020204" pitchFamily="34" charset="-122"/>
+                <a:ea typeface="微软雅黑" panose="020B0503020204020204" charset="-122"/>
               </a:defRPr>
             </a:lvl8pPr>
             <a:lvl9pPr marL="3886200" indent="-228600" fontAlgn="base">
@@ -19844,7 +18990,7 @@
                   <a:schemeClr val="tx1"/>
                 </a:solidFill>
                 <a:latin typeface="Century Gothic" panose="020B0502020202020204" pitchFamily="34" charset="0"/>
-                <a:ea typeface="微软雅黑" panose="020B0503020204020204" pitchFamily="34" charset="-122"/>
+                <a:ea typeface="微软雅黑" panose="020B0503020204020204" charset="-122"/>
               </a:defRPr>
             </a:lvl9pPr>
           </a:lstStyle>
@@ -19870,13 +19016,7 @@
       </p:sp>
       <p:sp>
         <p:nvSpPr>
-          <p:cNvPr id="2" name="Rectangle 1">
-            <a:extLst>
-              <a:ext uri="{FF2B5EF4-FFF2-40B4-BE49-F238E27FC236}">
-                <a16:creationId xmlns:a16="http://schemas.microsoft.com/office/drawing/2014/main" id="{97161471-7F91-EBA1-F657-93A04A984691}"/>
-              </a:ext>
-            </a:extLst>
-          </p:cNvPr>
+          <p:cNvPr id="2" name="Rectangle 1"/>
           <p:cNvSpPr>
             <a:spLocks noChangeArrowheads="1"/>
           </p:cNvSpPr>
@@ -19926,9 +19066,6 @@
         </p:spPr>
         <p:txBody>
           <a:bodyPr vert="horz" wrap="square" lIns="0" tIns="19044" rIns="0" bIns="19044" numCol="1" anchor="ctr" anchorCtr="0" compatLnSpc="1">
-            <a:prstTxWarp prst="textNoShape">
-              <a:avLst/>
-            </a:prstTxWarp>
             <a:spAutoFit/>
           </a:bodyPr>
           <a:lstStyle/>
@@ -19947,7 +19084,6 @@
               <a:buSzTx/>
               <a:buFontTx/>
               <a:buNone/>
-              <a:tabLst/>
             </a:pPr>
             <a:r>
               <a:rPr kumimoji="0" lang="zh-CN" altLang="zh-CN" sz="2000" b="1" i="0" u="none" strike="noStrike" cap="none" normalizeH="0" baseline="0" dirty="0">
@@ -19963,6 +19099,17 @@
               </a:rPr>
               <a:t>（一） 性能评估与测试验证（4月中旬 - 5月初）</a:t>
             </a:r>
+            <a:endParaRPr kumimoji="0" lang="zh-CN" altLang="zh-CN" sz="2000" b="1" i="0" u="none" strike="noStrike" cap="none" normalizeH="0" baseline="0" dirty="0">
+              <a:ln>
+                <a:noFill/>
+              </a:ln>
+              <a:solidFill>
+                <a:schemeClr val="tx1"/>
+              </a:solidFill>
+              <a:effectLst/>
+              <a:latin typeface="Microsoft YaHei UI" panose="020B0503020204020204" pitchFamily="34" charset="-122"/>
+              <a:ea typeface="Microsoft YaHei UI" panose="020B0503020204020204" pitchFamily="34" charset="-122"/>
+            </a:endParaRPr>
           </a:p>
           <a:p>
             <a:pPr marL="0" marR="0" lvl="0" indent="0" algn="l" defTabSz="914400" rtl="0" eaLnBrk="0" fontAlgn="base" latinLnBrk="0" hangingPunct="0">
@@ -19979,7 +19126,6 @@
               <a:buSzTx/>
               <a:buFontTx/>
               <a:buAutoNum type="arabicPeriod"/>
-              <a:tabLst/>
             </a:pPr>
             <a:r>
               <a:rPr kumimoji="0" lang="zh-CN" altLang="zh-CN" sz="1400" b="0" i="0" u="none" strike="noStrike" cap="none" normalizeH="0" baseline="0" dirty="0">
@@ -19995,6 +19141,17 @@
               </a:rPr>
               <a:t>在FPGA平台部署当前系统</a:t>
             </a:r>
+            <a:endParaRPr kumimoji="0" lang="zh-CN" altLang="zh-CN" sz="1400" b="0" i="0" u="none" strike="noStrike" cap="none" normalizeH="0" baseline="0" dirty="0">
+              <a:ln>
+                <a:noFill/>
+              </a:ln>
+              <a:solidFill>
+                <a:srgbClr val="000000"/>
+              </a:solidFill>
+              <a:effectLst/>
+              <a:latin typeface="Microsoft YaHei UI" panose="020B0503020204020204" pitchFamily="34" charset="-122"/>
+              <a:ea typeface="Microsoft YaHei UI" panose="020B0503020204020204" pitchFamily="34" charset="-122"/>
+            </a:endParaRPr>
           </a:p>
           <a:p>
             <a:pPr marL="0" marR="0" lvl="0" indent="0" algn="l" defTabSz="914400" rtl="0" eaLnBrk="0" fontAlgn="base" latinLnBrk="0" hangingPunct="0">
@@ -20011,7 +19168,6 @@
               <a:buSzTx/>
               <a:buFontTx/>
               <a:buNone/>
-              <a:tabLst/>
             </a:pPr>
             <a:r>
               <a:rPr kumimoji="0" lang="zh-CN" altLang="zh-CN" sz="1400" b="0" i="0" u="none" strike="noStrike" cap="none" normalizeH="0" baseline="0" dirty="0">
@@ -20027,6 +19183,17 @@
               </a:rPr>
               <a:t>将当前已完成的ReL4 + TAIC集成系统烧录至FPGA开发板，测试其在真实硬件平台上的运行效果，验证系统稳定性和调度的正确性。</a:t>
             </a:r>
+            <a:endParaRPr kumimoji="0" lang="zh-CN" altLang="zh-CN" sz="1400" b="0" i="0" u="none" strike="noStrike" cap="none" normalizeH="0" baseline="0" dirty="0">
+              <a:ln>
+                <a:noFill/>
+              </a:ln>
+              <a:solidFill>
+                <a:srgbClr val="000000"/>
+              </a:solidFill>
+              <a:effectLst/>
+              <a:latin typeface="Microsoft YaHei UI" panose="020B0503020204020204" pitchFamily="34" charset="-122"/>
+              <a:ea typeface="Microsoft YaHei UI" panose="020B0503020204020204" pitchFamily="34" charset="-122"/>
+            </a:endParaRPr>
           </a:p>
           <a:p>
             <a:pPr marL="0" marR="0" lvl="0" indent="0" algn="l" defTabSz="914400" rtl="0" eaLnBrk="0" fontAlgn="base" latinLnBrk="0" hangingPunct="0">
@@ -20043,7 +19210,6 @@
               <a:buSzTx/>
               <a:buFontTx/>
               <a:buAutoNum type="arabicPeriod" startAt="2"/>
-              <a:tabLst/>
             </a:pPr>
             <a:r>
               <a:rPr kumimoji="0" lang="zh-CN" altLang="zh-CN" sz="1400" b="0" i="0" u="none" strike="noStrike" cap="none" normalizeH="0" baseline="0" dirty="0">
@@ -20059,6 +19225,17 @@
               </a:rPr>
               <a:t>丰富测试覆盖面</a:t>
             </a:r>
+            <a:endParaRPr kumimoji="0" lang="zh-CN" altLang="zh-CN" sz="1400" b="0" i="0" u="none" strike="noStrike" cap="none" normalizeH="0" baseline="0" dirty="0">
+              <a:ln>
+                <a:noFill/>
+              </a:ln>
+              <a:solidFill>
+                <a:srgbClr val="000000"/>
+              </a:solidFill>
+              <a:effectLst/>
+              <a:latin typeface="Microsoft YaHei UI" panose="020B0503020204020204" pitchFamily="34" charset="-122"/>
+              <a:ea typeface="Microsoft YaHei UI" panose="020B0503020204020204" pitchFamily="34" charset="-122"/>
+            </a:endParaRPr>
           </a:p>
           <a:p>
             <a:pPr marL="0" marR="0" lvl="0" indent="0" algn="l" defTabSz="914400" rtl="0" eaLnBrk="0" fontAlgn="base" latinLnBrk="0" hangingPunct="0">
@@ -20075,7 +19252,6 @@
               <a:buSzTx/>
               <a:buFontTx/>
               <a:buNone/>
-              <a:tabLst/>
             </a:pPr>
             <a:r>
               <a:rPr kumimoji="0" lang="zh-CN" altLang="zh-CN" sz="1400" b="0" i="0" u="none" strike="noStrike" cap="none" normalizeH="0" baseline="0" dirty="0">
@@ -20091,6 +19267,17 @@
               </a:rPr>
               <a:t>覆盖不同负载强度和并发模式下的异步IPC、系统调用，进一步对比异步与同步机制在吞吐量、响应延迟方面的差异。</a:t>
             </a:r>
+            <a:endParaRPr kumimoji="0" lang="zh-CN" altLang="zh-CN" sz="1400" b="0" i="0" u="none" strike="noStrike" cap="none" normalizeH="0" baseline="0" dirty="0">
+              <a:ln>
+                <a:noFill/>
+              </a:ln>
+              <a:solidFill>
+                <a:srgbClr val="000000"/>
+              </a:solidFill>
+              <a:effectLst/>
+              <a:latin typeface="Microsoft YaHei UI" panose="020B0503020204020204" pitchFamily="34" charset="-122"/>
+              <a:ea typeface="Microsoft YaHei UI" panose="020B0503020204020204" pitchFamily="34" charset="-122"/>
+            </a:endParaRPr>
           </a:p>
           <a:p>
             <a:pPr marL="0" marR="0" lvl="0" indent="0" algn="l" defTabSz="914400" rtl="0" eaLnBrk="0" fontAlgn="base" latinLnBrk="0" hangingPunct="0">
@@ -20107,7 +19294,6 @@
               <a:buSzTx/>
               <a:buFontTx/>
               <a:buNone/>
-              <a:tabLst/>
             </a:pPr>
             <a:r>
               <a:rPr kumimoji="0" lang="zh-CN" altLang="zh-CN" sz="2000" b="1" i="0" u="none" strike="noStrike" cap="none" normalizeH="0" baseline="0" dirty="0">
@@ -20123,6 +19309,17 @@
               </a:rPr>
               <a:t>（二）功能与兼容性完善（4月中旬 - 5月初）</a:t>
             </a:r>
+            <a:endParaRPr kumimoji="0" lang="zh-CN" altLang="zh-CN" sz="2000" b="1" i="0" u="none" strike="noStrike" cap="none" normalizeH="0" baseline="0" dirty="0">
+              <a:ln>
+                <a:noFill/>
+              </a:ln>
+              <a:solidFill>
+                <a:schemeClr val="tx1"/>
+              </a:solidFill>
+              <a:effectLst/>
+              <a:latin typeface="Microsoft YaHei UI" panose="020B0503020204020204" pitchFamily="34" charset="-122"/>
+              <a:ea typeface="Microsoft YaHei UI" panose="020B0503020204020204" pitchFamily="34" charset="-122"/>
+            </a:endParaRPr>
           </a:p>
           <a:p>
             <a:pPr marL="0" marR="0" lvl="0" indent="0" algn="l" defTabSz="914400" rtl="0" eaLnBrk="0" fontAlgn="base" latinLnBrk="0" hangingPunct="0">
@@ -20139,7 +19336,6 @@
               <a:buSzTx/>
               <a:buFontTx/>
               <a:buAutoNum type="arabicPeriod"/>
-              <a:tabLst/>
             </a:pPr>
             <a:r>
               <a:rPr kumimoji="0" lang="zh-CN" altLang="zh-CN" sz="1400" b="0" i="0" u="none" strike="noStrike" cap="none" normalizeH="0" baseline="0" dirty="0">
@@ -20155,6 +19351,17 @@
               </a:rPr>
               <a:t>针对异步系统调用处理的延迟较高问题进行改进</a:t>
             </a:r>
+            <a:endParaRPr kumimoji="0" lang="zh-CN" altLang="zh-CN" sz="1400" b="0" i="0" u="none" strike="noStrike" cap="none" normalizeH="0" baseline="0" dirty="0">
+              <a:ln>
+                <a:noFill/>
+              </a:ln>
+              <a:solidFill>
+                <a:srgbClr val="000000"/>
+              </a:solidFill>
+              <a:effectLst/>
+              <a:latin typeface="Microsoft YaHei UI" panose="020B0503020204020204" pitchFamily="34" charset="-122"/>
+              <a:ea typeface="Microsoft YaHei UI" panose="020B0503020204020204" pitchFamily="34" charset="-122"/>
+            </a:endParaRPr>
           </a:p>
           <a:p>
             <a:pPr marL="0" marR="0" lvl="0" indent="0" algn="l" defTabSz="914400" rtl="0" eaLnBrk="0" fontAlgn="base" latinLnBrk="0" hangingPunct="0">
@@ -20171,7 +19378,6 @@
               <a:buSzTx/>
               <a:buFontTx/>
               <a:buNone/>
-              <a:tabLst/>
             </a:pPr>
             <a:r>
               <a:rPr kumimoji="0" lang="zh-CN" altLang="zh-CN" sz="2000" b="1" i="0" u="none" strike="noStrike" cap="none" normalizeH="0" baseline="0" dirty="0">
@@ -20187,6 +19393,17 @@
               </a:rPr>
               <a:t>（三） 毕业论文撰写与系统整理（5月初 - 5月中旬）</a:t>
             </a:r>
+            <a:endParaRPr kumimoji="0" lang="zh-CN" altLang="zh-CN" sz="2000" b="1" i="0" u="none" strike="noStrike" cap="none" normalizeH="0" baseline="0" dirty="0">
+              <a:ln>
+                <a:noFill/>
+              </a:ln>
+              <a:solidFill>
+                <a:schemeClr val="tx1"/>
+              </a:solidFill>
+              <a:effectLst/>
+              <a:latin typeface="Microsoft YaHei UI" panose="020B0503020204020204" pitchFamily="34" charset="-122"/>
+              <a:ea typeface="Microsoft YaHei UI" panose="020B0503020204020204" pitchFamily="34" charset="-122"/>
+            </a:endParaRPr>
           </a:p>
           <a:p>
             <a:pPr marL="0" marR="0" lvl="0" indent="0" algn="l" defTabSz="914400" rtl="0" eaLnBrk="0" fontAlgn="base" latinLnBrk="0" hangingPunct="0">
@@ -20203,7 +19420,6 @@
               <a:buSzTx/>
               <a:buFontTx/>
               <a:buAutoNum type="arabicPeriod"/>
-              <a:tabLst/>
             </a:pPr>
             <a:r>
               <a:rPr kumimoji="0" lang="zh-CN" altLang="zh-CN" sz="1400" b="0" i="0" u="none" strike="noStrike" cap="none" normalizeH="0" baseline="0" dirty="0">
@@ -20219,6 +19435,17 @@
               </a:rPr>
               <a:t>撰写毕业论文初稿</a:t>
             </a:r>
+            <a:endParaRPr kumimoji="0" lang="zh-CN" altLang="zh-CN" sz="1400" b="0" i="0" u="none" strike="noStrike" cap="none" normalizeH="0" baseline="0" dirty="0">
+              <a:ln>
+                <a:noFill/>
+              </a:ln>
+              <a:solidFill>
+                <a:srgbClr val="000000"/>
+              </a:solidFill>
+              <a:effectLst/>
+              <a:latin typeface="Microsoft YaHei UI" panose="020B0503020204020204" pitchFamily="34" charset="-122"/>
+              <a:ea typeface="Microsoft YaHei UI" panose="020B0503020204020204" pitchFamily="34" charset="-122"/>
+            </a:endParaRPr>
           </a:p>
           <a:p>
             <a:pPr marL="0" marR="0" lvl="0" indent="0" algn="l" defTabSz="914400" rtl="0" eaLnBrk="0" fontAlgn="base" latinLnBrk="0" hangingPunct="0">
@@ -20235,7 +19462,6 @@
               <a:buSzTx/>
               <a:buFontTx/>
               <a:buAutoNum type="arabicPeriod" startAt="2"/>
-              <a:tabLst/>
             </a:pPr>
             <a:r>
               <a:rPr kumimoji="0" lang="zh-CN" altLang="zh-CN" sz="1400" b="0" i="0" u="none" strike="noStrike" cap="none" normalizeH="0" baseline="0" dirty="0">
@@ -20251,6 +19477,17 @@
               </a:rPr>
               <a:t>整理代码与文档，将所有项目源码、测试脚本进整理并附带注释，准备提交材料</a:t>
             </a:r>
+            <a:endParaRPr kumimoji="0" lang="zh-CN" altLang="zh-CN" sz="1400" b="0" i="0" u="none" strike="noStrike" cap="none" normalizeH="0" baseline="0" dirty="0">
+              <a:ln>
+                <a:noFill/>
+              </a:ln>
+              <a:solidFill>
+                <a:srgbClr val="000000"/>
+              </a:solidFill>
+              <a:effectLst/>
+              <a:latin typeface="Microsoft YaHei UI" panose="020B0503020204020204" pitchFamily="34" charset="-122"/>
+              <a:ea typeface="Microsoft YaHei UI" panose="020B0503020204020204" pitchFamily="34" charset="-122"/>
+            </a:endParaRPr>
           </a:p>
           <a:p>
             <a:pPr marL="0" marR="0" lvl="0" indent="0" algn="l" defTabSz="914400" rtl="0" eaLnBrk="0" fontAlgn="base" latinLnBrk="0" hangingPunct="0">
@@ -20267,7 +19504,6 @@
               <a:buSzTx/>
               <a:buFontTx/>
               <a:buNone/>
-              <a:tabLst/>
             </a:pPr>
             <a:r>
               <a:rPr kumimoji="0" lang="zh-CN" altLang="zh-CN" sz="2000" b="1" i="0" u="none" strike="noStrike" cap="none" normalizeH="0" baseline="0" dirty="0">
@@ -20283,6 +19519,17 @@
               </a:rPr>
               <a:t>（四）预留收尾与论文修改时间（5月中旬 - 5月下旬）</a:t>
             </a:r>
+            <a:endParaRPr kumimoji="0" lang="zh-CN" altLang="zh-CN" sz="2000" b="1" i="0" u="none" strike="noStrike" cap="none" normalizeH="0" baseline="0" dirty="0">
+              <a:ln>
+                <a:noFill/>
+              </a:ln>
+              <a:solidFill>
+                <a:schemeClr val="tx1"/>
+              </a:solidFill>
+              <a:effectLst/>
+              <a:latin typeface="Microsoft YaHei UI" panose="020B0503020204020204" pitchFamily="34" charset="-122"/>
+              <a:ea typeface="Microsoft YaHei UI" panose="020B0503020204020204" pitchFamily="34" charset="-122"/>
+            </a:endParaRPr>
           </a:p>
           <a:p>
             <a:pPr marL="0" marR="0" lvl="0" indent="0" algn="l" defTabSz="914400" rtl="0" eaLnBrk="0" fontAlgn="base" latinLnBrk="0" hangingPunct="0">
@@ -20299,7 +19546,6 @@
               <a:buSzTx/>
               <a:buFontTx/>
               <a:buAutoNum type="arabicPeriod"/>
-              <a:tabLst/>
             </a:pPr>
             <a:r>
               <a:rPr kumimoji="0" lang="zh-CN" altLang="zh-CN" sz="1400" b="0" i="0" u="none" strike="noStrike" cap="none" normalizeH="0" baseline="0" dirty="0">
@@ -20315,6 +19561,17 @@
               </a:rPr>
               <a:t>根据指导老师的反馈意见进行论文修改</a:t>
             </a:r>
+            <a:endParaRPr kumimoji="0" lang="zh-CN" altLang="zh-CN" sz="1400" b="0" i="0" u="none" strike="noStrike" cap="none" normalizeH="0" baseline="0" dirty="0">
+              <a:ln>
+                <a:noFill/>
+              </a:ln>
+              <a:solidFill>
+                <a:srgbClr val="000000"/>
+              </a:solidFill>
+              <a:effectLst/>
+              <a:latin typeface="Microsoft YaHei UI" panose="020B0503020204020204" pitchFamily="34" charset="-122"/>
+              <a:ea typeface="Microsoft YaHei UI" panose="020B0503020204020204" pitchFamily="34" charset="-122"/>
+            </a:endParaRPr>
           </a:p>
           <a:p>
             <a:pPr marL="0" marR="0" lvl="0" indent="0" algn="l" defTabSz="914400" rtl="0" eaLnBrk="0" fontAlgn="base" latinLnBrk="0" hangingPunct="0">
@@ -20331,7 +19588,6 @@
               <a:buSzTx/>
               <a:buFontTx/>
               <a:buAutoNum type="arabicPeriod" startAt="2"/>
-              <a:tabLst/>
             </a:pPr>
             <a:r>
               <a:rPr kumimoji="0" lang="zh-CN" altLang="zh-CN" sz="1400" b="0" i="0" u="none" strike="noStrike" cap="none" normalizeH="0" baseline="0" dirty="0">
@@ -20347,6 +19603,17 @@
               </a:rPr>
               <a:t>准备毕设答辩相关材料</a:t>
             </a:r>
+            <a:endParaRPr kumimoji="0" lang="zh-CN" altLang="zh-CN" sz="1400" b="0" i="0" u="none" strike="noStrike" cap="none" normalizeH="0" baseline="0" dirty="0">
+              <a:ln>
+                <a:noFill/>
+              </a:ln>
+              <a:solidFill>
+                <a:srgbClr val="000000"/>
+              </a:solidFill>
+              <a:effectLst/>
+              <a:latin typeface="Microsoft YaHei UI" panose="020B0503020204020204" pitchFamily="34" charset="-122"/>
+              <a:ea typeface="Microsoft YaHei UI" panose="020B0503020204020204" pitchFamily="34" charset="-122"/>
+            </a:endParaRPr>
           </a:p>
           <a:p>
             <a:pPr marL="0" marR="0" lvl="0" indent="0" algn="l" defTabSz="914400" rtl="0" eaLnBrk="0" fontAlgn="base" latinLnBrk="0" hangingPunct="0">
@@ -20363,7 +19630,6 @@
               <a:buSzTx/>
               <a:buFontTx/>
               <a:buNone/>
-              <a:tabLst/>
             </a:pPr>
             <a:endParaRPr kumimoji="0" lang="zh-CN" altLang="zh-CN" sz="2000" b="0" i="0" u="none" strike="noStrike" cap="none" normalizeH="0" baseline="0" dirty="0">
               <a:ln>
@@ -20379,11 +19645,6 @@
         </p:txBody>
       </p:sp>
     </p:spTree>
-    <p:extLst>
-      <p:ext uri="{BB962C8B-B14F-4D97-AF65-F5344CB8AC3E}">
-        <p14:creationId xmlns:p14="http://schemas.microsoft.com/office/powerpoint/2010/main" val="2665178685"/>
-      </p:ext>
-    </p:extLst>
   </p:cSld>
   <p:clrMapOvr>
     <a:masterClrMapping/>
@@ -20413,16 +19674,8 @@
       </p:grpSpPr>
       <p:sp>
         <p:nvSpPr>
-          <p:cNvPr id="6" name="标题 1">
-            <a:extLst>
-              <a:ext uri="{FF2B5EF4-FFF2-40B4-BE49-F238E27FC236}">
-                <a16:creationId xmlns:a16="http://schemas.microsoft.com/office/drawing/2014/main" id="{A453CE20-6C14-4C4C-84F7-26422658A810}"/>
-              </a:ext>
-            </a:extLst>
-          </p:cNvPr>
-          <p:cNvSpPr txBox="1">
-            <a:spLocks/>
-          </p:cNvSpPr>
+          <p:cNvPr id="6" name="标题 1"/>
+          <p:cNvSpPr txBox="1"/>
           <p:nvPr/>
         </p:nvSpPr>
         <p:spPr>
@@ -20472,7 +19725,6 @@
               <a:buSzTx/>
               <a:buFontTx/>
               <a:buNone/>
-              <a:tabLst/>
               <a:defRPr/>
             </a:pPr>
             <a:r>
@@ -20486,27 +19738,33 @@
                 <a:effectLst/>
                 <a:uLnTx/>
                 <a:uFillTx/>
-                <a:latin typeface="微软雅黑"/>
-                <a:ea typeface="微软雅黑"/>
+                <a:latin typeface="微软雅黑" panose="020B0503020204020204" charset="-122"/>
+                <a:ea typeface="微软雅黑" panose="020B0503020204020204" charset="-122"/>
                 <a:cs typeface="+mj-cs"/>
               </a:rPr>
               <a:t>感谢老师的悉心指导</a:t>
             </a:r>
+            <a:endParaRPr kumimoji="0" lang="zh-CN" altLang="en-US" sz="4000" b="1" i="0" u="none" strike="noStrike" kern="1200" cap="none" spc="0" normalizeH="0" baseline="0" noProof="0" dirty="0">
+              <a:ln>
+                <a:noFill/>
+              </a:ln>
+              <a:solidFill>
+                <a:prstClr val="black"/>
+              </a:solidFill>
+              <a:effectLst/>
+              <a:uLnTx/>
+              <a:uFillTx/>
+              <a:latin typeface="微软雅黑" panose="020B0503020204020204" charset="-122"/>
+              <a:ea typeface="微软雅黑" panose="020B0503020204020204" charset="-122"/>
+              <a:cs typeface="+mj-cs"/>
+            </a:endParaRPr>
           </a:p>
         </p:txBody>
       </p:sp>
       <p:sp>
         <p:nvSpPr>
-          <p:cNvPr id="7" name="副标题 2">
-            <a:extLst>
-              <a:ext uri="{FF2B5EF4-FFF2-40B4-BE49-F238E27FC236}">
-                <a16:creationId xmlns:a16="http://schemas.microsoft.com/office/drawing/2014/main" id="{831FADC7-207E-7B4E-8BBD-42F82FE1F818}"/>
-              </a:ext>
-            </a:extLst>
-          </p:cNvPr>
-          <p:cNvSpPr txBox="1">
-            <a:spLocks/>
-          </p:cNvSpPr>
+          <p:cNvPr id="7" name="副标题 2"/>
+          <p:cNvSpPr txBox="1"/>
           <p:nvPr/>
         </p:nvSpPr>
         <p:spPr>
@@ -20699,7 +19957,6 @@
               <a:buSzTx/>
               <a:buFont typeface="Arial" panose="020B0604020202020204" pitchFamily="34" charset="0"/>
               <a:buNone/>
-              <a:tabLst/>
               <a:defRPr/>
             </a:pPr>
             <a:r>
@@ -20713,21 +19970,30 @@
                 <a:effectLst/>
                 <a:uLnTx/>
                 <a:uFillTx/>
-                <a:latin typeface="微软雅黑"/>
-                <a:ea typeface="微软雅黑"/>
+                <a:latin typeface="微软雅黑" panose="020B0503020204020204" charset="-122"/>
+                <a:ea typeface="微软雅黑" panose="020B0503020204020204" charset="-122"/>
                 <a:cs typeface="+mn-cs"/>
               </a:rPr>
               <a:t>Thanks for Your Attention</a:t>
             </a:r>
+            <a:endParaRPr kumimoji="0" lang="en-US" altLang="zh-CN" sz="1800" b="0" i="0" u="none" strike="noStrike" kern="1200" cap="none" spc="0" normalizeH="0" baseline="0" noProof="0" dirty="0">
+              <a:ln>
+                <a:noFill/>
+              </a:ln>
+              <a:solidFill>
+                <a:srgbClr val="A2A2A2"/>
+              </a:solidFill>
+              <a:effectLst/>
+              <a:uLnTx/>
+              <a:uFillTx/>
+              <a:latin typeface="微软雅黑" panose="020B0503020204020204" charset="-122"/>
+              <a:ea typeface="微软雅黑" panose="020B0503020204020204" charset="-122"/>
+              <a:cs typeface="+mn-cs"/>
+            </a:endParaRPr>
           </a:p>
         </p:txBody>
       </p:sp>
     </p:spTree>
-    <p:extLst>
-      <p:ext uri="{BB962C8B-B14F-4D97-AF65-F5344CB8AC3E}">
-        <p14:creationId xmlns:p14="http://schemas.microsoft.com/office/powerpoint/2010/main" val="2635623735"/>
-      </p:ext>
-    </p:extLst>
   </p:cSld>
   <p:clrMapOvr>
     <a:masterClrMapping/>
@@ -20771,13 +20037,7 @@
         </p:grpSpPr>
         <p:sp>
           <p:nvSpPr>
-            <p:cNvPr id="19" name="文本框 18">
-              <a:extLst>
-                <a:ext uri="{FF2B5EF4-FFF2-40B4-BE49-F238E27FC236}">
-                  <a16:creationId xmlns:a16="http://schemas.microsoft.com/office/drawing/2014/main" id="{41B256AE-680D-4CCC-B51F-B69BF45F0365}"/>
-                </a:ext>
-              </a:extLst>
-            </p:cNvPr>
+            <p:cNvPr id="19" name="文本框 18"/>
             <p:cNvSpPr txBox="1"/>
             <p:nvPr/>
           </p:nvSpPr>
@@ -20838,18 +20098,15 @@
                 </a:rPr>
                 <a:t>及取得成果</a:t>
               </a:r>
+              <a:endParaRPr lang="zh-CN" altLang="en-US" sz="3200" b="1" dirty="0">
+                <a:sym typeface="+mn-lt"/>
+              </a:endParaRPr>
             </a:p>
           </p:txBody>
         </p:sp>
         <p:sp>
           <p:nvSpPr>
-            <p:cNvPr id="20" name="椭圆 19">
-              <a:extLst>
-                <a:ext uri="{FF2B5EF4-FFF2-40B4-BE49-F238E27FC236}">
-                  <a16:creationId xmlns:a16="http://schemas.microsoft.com/office/drawing/2014/main" id="{4CD969C8-E62F-446D-85AA-293C5C9F7396}"/>
-                </a:ext>
-              </a:extLst>
-            </p:cNvPr>
+            <p:cNvPr id="20" name="椭圆 19"/>
             <p:cNvSpPr/>
             <p:nvPr/>
           </p:nvSpPr>
@@ -20900,24 +20157,19 @@
               <a:r>
                 <a:rPr lang="en-US" altLang="zh-CN" sz="4000" b="1" dirty="0">
                   <a:latin typeface="Century Gothic" panose="020B0502020202020204" pitchFamily="34" charset="0"/>
-                  <a:ea typeface="微软雅黑" panose="020B0503020204020204" pitchFamily="34" charset="-122"/>
+                  <a:ea typeface="微软雅黑" panose="020B0503020204020204" charset="-122"/>
                 </a:rPr>
                 <a:t>1</a:t>
               </a:r>
               <a:endParaRPr lang="zh-CN" altLang="en-US" sz="4000" b="1" dirty="0">
                 <a:latin typeface="Century Gothic" panose="020B0502020202020204" pitchFamily="34" charset="0"/>
-                <a:ea typeface="微软雅黑" panose="020B0503020204020204" pitchFamily="34" charset="-122"/>
+                <a:ea typeface="微软雅黑" panose="020B0503020204020204" charset="-122"/>
               </a:endParaRPr>
             </a:p>
           </p:txBody>
         </p:sp>
       </p:grpSp>
     </p:spTree>
-    <p:extLst>
-      <p:ext uri="{BB962C8B-B14F-4D97-AF65-F5344CB8AC3E}">
-        <p14:creationId xmlns:p14="http://schemas.microsoft.com/office/powerpoint/2010/main" val="467670668"/>
-      </p:ext>
-    </p:extLst>
   </p:cSld>
   <p:clrMapOvr>
     <a:masterClrMapping/>
@@ -20964,25 +20216,20 @@
               <a:rPr lang="zh-CN" altLang="en-US" dirty="0"/>
               <a:t>目前进度总体完成情况</a:t>
             </a:r>
+            <a:endParaRPr lang="zh-CN" altLang="en-US" dirty="0"/>
           </a:p>
         </p:txBody>
       </p:sp>
       <p:sp>
         <p:nvSpPr>
-          <p:cNvPr id="13" name="文本框 12">
-            <a:extLst>
-              <a:ext uri="{FF2B5EF4-FFF2-40B4-BE49-F238E27FC236}">
-                <a16:creationId xmlns:a16="http://schemas.microsoft.com/office/drawing/2014/main" id="{9FD59AEA-A8DA-4FD6-95B0-1014104036C0}"/>
-              </a:ext>
-            </a:extLst>
-          </p:cNvPr>
+          <p:cNvPr id="13" name="文本框 12"/>
           <p:cNvSpPr txBox="1"/>
           <p:nvPr/>
         </p:nvSpPr>
         <p:spPr>
           <a:xfrm>
             <a:off x="1249530" y="1320987"/>
-            <a:ext cx="10398033" cy="4216026"/>
+            <a:ext cx="10398033" cy="4308475"/>
           </a:xfrm>
           <a:prstGeom prst="rect">
             <a:avLst/>
@@ -21019,7 +20266,7 @@
             </a:pPr>
             <a:r>
               <a:rPr lang="en-US" altLang="zh-CN" sz="2000" dirty="0"/>
-              <a:t>[x] </a:t>
+              <a:t>[√] </a:t>
             </a:r>
             <a:r>
               <a:rPr lang="zh-CN" altLang="en-US" sz="2000" dirty="0"/>
@@ -21033,6 +20280,7 @@
               <a:rPr lang="zh-CN" altLang="en-US" sz="2000" dirty="0"/>
               <a:t>异步编程基础</a:t>
             </a:r>
+            <a:endParaRPr lang="zh-CN" altLang="en-US" sz="2000" dirty="0"/>
           </a:p>
           <a:p>
             <a:pPr algn="just">
@@ -21042,7 +20290,17 @@
             </a:pPr>
             <a:r>
               <a:rPr lang="en-US" altLang="zh-CN" sz="2000" dirty="0"/>
-              <a:t>[x] </a:t>
+              <a:t>[</a:t>
+            </a:r>
+            <a:r>
+              <a:rPr lang="en-US" altLang="zh-CN" sz="2000" dirty="0">
+                <a:sym typeface="+mn-ea"/>
+              </a:rPr>
+              <a:t>√</a:t>
+            </a:r>
+            <a:r>
+              <a:rPr lang="en-US" altLang="zh-CN" sz="2000" dirty="0"/>
+              <a:t>] </a:t>
             </a:r>
             <a:r>
               <a:rPr lang="zh-CN" altLang="en-US" sz="2000" dirty="0"/>
@@ -21064,6 +20322,7 @@
               <a:rPr lang="zh-CN" altLang="en-US" sz="2000" dirty="0"/>
               <a:t>的相关论文、背景知识和熟悉相关代码。</a:t>
             </a:r>
+            <a:endParaRPr lang="zh-CN" altLang="en-US" sz="2000" dirty="0"/>
           </a:p>
           <a:p>
             <a:pPr algn="just">
@@ -21073,7 +20332,17 @@
             </a:pPr>
             <a:r>
               <a:rPr lang="en-US" altLang="zh-CN" sz="2000" dirty="0"/>
-              <a:t>[x] </a:t>
+              <a:t>[</a:t>
+            </a:r>
+            <a:r>
+              <a:rPr lang="en-US" altLang="zh-CN" sz="2000" dirty="0">
+                <a:sym typeface="+mn-ea"/>
+              </a:rPr>
+              <a:t>√</a:t>
+            </a:r>
+            <a:r>
+              <a:rPr lang="en-US" altLang="zh-CN" sz="2000" dirty="0"/>
+              <a:t>] </a:t>
             </a:r>
             <a:r>
               <a:rPr lang="zh-CN" altLang="en-US" sz="2000" dirty="0"/>
@@ -21087,6 +20356,7 @@
               <a:rPr lang="zh-CN" altLang="en-US" sz="2000" dirty="0"/>
               <a:t>硬件设计及使用，熟悉相关代码。</a:t>
             </a:r>
+            <a:endParaRPr lang="zh-CN" altLang="en-US" sz="2000" dirty="0"/>
           </a:p>
           <a:p>
             <a:pPr algn="just">
@@ -21096,7 +20366,17 @@
             </a:pPr>
             <a:r>
               <a:rPr lang="en-US" altLang="zh-CN" sz="2000" dirty="0"/>
-              <a:t>[x] </a:t>
+              <a:t>[</a:t>
+            </a:r>
+            <a:r>
+              <a:rPr lang="en-US" altLang="zh-CN" sz="2000" dirty="0">
+                <a:sym typeface="+mn-ea"/>
+              </a:rPr>
+              <a:t>√</a:t>
+            </a:r>
+            <a:r>
+              <a:rPr lang="en-US" altLang="zh-CN" sz="2000" dirty="0"/>
+              <a:t>] </a:t>
             </a:r>
             <a:r>
               <a:rPr lang="zh-CN" altLang="en-US" sz="2000" dirty="0"/>
@@ -21118,6 +20398,7 @@
               <a:rPr lang="en-US" altLang="zh-CN" sz="2000" dirty="0"/>
               <a:t> </a:t>
             </a:r>
+            <a:endParaRPr lang="en-US" altLang="zh-CN" sz="2000" dirty="0"/>
           </a:p>
           <a:p>
             <a:pPr algn="just">
@@ -21127,12 +20408,23 @@
             </a:pPr>
             <a:r>
               <a:rPr lang="en-US" altLang="zh-CN" sz="2000" dirty="0"/>
-              <a:t>[x] </a:t>
+              <a:t>[</a:t>
+            </a:r>
+            <a:r>
+              <a:rPr lang="en-US" altLang="zh-CN" sz="2000" dirty="0">
+                <a:sym typeface="+mn-ea"/>
+              </a:rPr>
+              <a:t>√</a:t>
+            </a:r>
+            <a:r>
+              <a:rPr lang="en-US" altLang="zh-CN" sz="2000" dirty="0"/>
+              <a:t>] </a:t>
             </a:r>
             <a:r>
               <a:rPr lang="zh-CN" altLang="en-US" sz="2000" dirty="0"/>
               <a:t>修改系统调用测试函数，跑通异步系统调用测试</a:t>
             </a:r>
+            <a:endParaRPr lang="zh-CN" altLang="en-US" sz="2000" dirty="0"/>
           </a:p>
           <a:p>
             <a:pPr algn="just">
@@ -21184,6 +20476,7 @@
               <a:rPr lang="zh-CN" altLang="en-US" sz="2000" dirty="0"/>
               <a:t>（在下阶段中进行）</a:t>
             </a:r>
+            <a:endParaRPr lang="zh-CN" altLang="en-US" sz="2000" dirty="0"/>
           </a:p>
           <a:p>
             <a:pPr algn="just">
@@ -21207,6 +20500,7 @@
               <a:rPr lang="zh-CN" altLang="en-US" sz="2000" dirty="0"/>
               <a:t>（在下阶段中进行）</a:t>
             </a:r>
+            <a:endParaRPr lang="zh-CN" altLang="en-US" sz="2000" dirty="0"/>
           </a:p>
         </p:txBody>
       </p:sp>
@@ -21261,7 +20555,7 @@
                   <a:schemeClr val="tx1"/>
                 </a:solidFill>
                 <a:latin typeface="Century Gothic" panose="020B0502020202020204" pitchFamily="34" charset="0"/>
-                <a:ea typeface="微软雅黑" panose="020B0503020204020204" pitchFamily="34" charset="-122"/>
+                <a:ea typeface="微软雅黑" panose="020B0503020204020204" charset="-122"/>
               </a:defRPr>
             </a:lvl1pPr>
             <a:lvl2pPr marL="742950" indent="-285750">
@@ -21270,7 +20564,7 @@
                   <a:schemeClr val="tx1"/>
                 </a:solidFill>
                 <a:latin typeface="Century Gothic" panose="020B0502020202020204" pitchFamily="34" charset="0"/>
-                <a:ea typeface="微软雅黑" panose="020B0503020204020204" pitchFamily="34" charset="-122"/>
+                <a:ea typeface="微软雅黑" panose="020B0503020204020204" charset="-122"/>
               </a:defRPr>
             </a:lvl2pPr>
             <a:lvl3pPr marL="1143000" indent="-228600">
@@ -21279,7 +20573,7 @@
                   <a:schemeClr val="tx1"/>
                 </a:solidFill>
                 <a:latin typeface="Century Gothic" panose="020B0502020202020204" pitchFamily="34" charset="0"/>
-                <a:ea typeface="微软雅黑" panose="020B0503020204020204" pitchFamily="34" charset="-122"/>
+                <a:ea typeface="微软雅黑" panose="020B0503020204020204" charset="-122"/>
               </a:defRPr>
             </a:lvl3pPr>
             <a:lvl4pPr marL="1600200" indent="-228600">
@@ -21288,7 +20582,7 @@
                   <a:schemeClr val="tx1"/>
                 </a:solidFill>
                 <a:latin typeface="Century Gothic" panose="020B0502020202020204" pitchFamily="34" charset="0"/>
-                <a:ea typeface="微软雅黑" panose="020B0503020204020204" pitchFamily="34" charset="-122"/>
+                <a:ea typeface="微软雅黑" panose="020B0503020204020204" charset="-122"/>
               </a:defRPr>
             </a:lvl4pPr>
             <a:lvl5pPr marL="2057400" indent="-228600">
@@ -21297,7 +20591,7 @@
                   <a:schemeClr val="tx1"/>
                 </a:solidFill>
                 <a:latin typeface="Century Gothic" panose="020B0502020202020204" pitchFamily="34" charset="0"/>
-                <a:ea typeface="微软雅黑" panose="020B0503020204020204" pitchFamily="34" charset="-122"/>
+                <a:ea typeface="微软雅黑" panose="020B0503020204020204" charset="-122"/>
               </a:defRPr>
             </a:lvl5pPr>
             <a:lvl6pPr marL="2514600" indent="-228600" fontAlgn="base">
@@ -21312,7 +20606,7 @@
                   <a:schemeClr val="tx1"/>
                 </a:solidFill>
                 <a:latin typeface="Century Gothic" panose="020B0502020202020204" pitchFamily="34" charset="0"/>
-                <a:ea typeface="微软雅黑" panose="020B0503020204020204" pitchFamily="34" charset="-122"/>
+                <a:ea typeface="微软雅黑" panose="020B0503020204020204" charset="-122"/>
               </a:defRPr>
             </a:lvl6pPr>
             <a:lvl7pPr marL="2971800" indent="-228600" fontAlgn="base">
@@ -21327,7 +20621,7 @@
                   <a:schemeClr val="tx1"/>
                 </a:solidFill>
                 <a:latin typeface="Century Gothic" panose="020B0502020202020204" pitchFamily="34" charset="0"/>
-                <a:ea typeface="微软雅黑" panose="020B0503020204020204" pitchFamily="34" charset="-122"/>
+                <a:ea typeface="微软雅黑" panose="020B0503020204020204" charset="-122"/>
               </a:defRPr>
             </a:lvl7pPr>
             <a:lvl8pPr marL="3429000" indent="-228600" fontAlgn="base">
@@ -21342,7 +20636,7 @@
                   <a:schemeClr val="tx1"/>
                 </a:solidFill>
                 <a:latin typeface="Century Gothic" panose="020B0502020202020204" pitchFamily="34" charset="0"/>
-                <a:ea typeface="微软雅黑" panose="020B0503020204020204" pitchFamily="34" charset="-122"/>
+                <a:ea typeface="微软雅黑" panose="020B0503020204020204" charset="-122"/>
               </a:defRPr>
             </a:lvl8pPr>
             <a:lvl9pPr marL="3886200" indent="-228600" fontAlgn="base">
@@ -21357,7 +20651,7 @@
                   <a:schemeClr val="tx1"/>
                 </a:solidFill>
                 <a:latin typeface="Century Gothic" panose="020B0502020202020204" pitchFamily="34" charset="0"/>
-                <a:ea typeface="微软雅黑" panose="020B0503020204020204" pitchFamily="34" charset="-122"/>
+                <a:ea typeface="微软雅黑" panose="020B0503020204020204" charset="-122"/>
               </a:defRPr>
             </a:lvl9pPr>
           </a:lstStyle>
@@ -21382,11 +20676,6 @@
         </p:txBody>
       </p:sp>
     </p:spTree>
-    <p:extLst>
-      <p:ext uri="{BB962C8B-B14F-4D97-AF65-F5344CB8AC3E}">
-        <p14:creationId xmlns:p14="http://schemas.microsoft.com/office/powerpoint/2010/main" val="2528440528"/>
-      </p:ext>
-    </p:extLst>
   </p:cSld>
   <p:clrMapOvr>
     <a:masterClrMapping/>
@@ -21438,18 +20727,13 @@
               <a:rPr lang="zh-CN" altLang="en-US" dirty="0"/>
               <a:t>主要研究内容</a:t>
             </a:r>
+            <a:endParaRPr lang="zh-CN" altLang="en-US" dirty="0"/>
           </a:p>
         </p:txBody>
       </p:sp>
       <p:sp>
         <p:nvSpPr>
-          <p:cNvPr id="12" name="半闭框 11">
-            <a:extLst>
-              <a:ext uri="{FF2B5EF4-FFF2-40B4-BE49-F238E27FC236}">
-                <a16:creationId xmlns:a16="http://schemas.microsoft.com/office/drawing/2014/main" id="{0D90A06A-B605-4CDB-9B13-1BB6C4658928}"/>
-              </a:ext>
-            </a:extLst>
-          </p:cNvPr>
+          <p:cNvPr id="12" name="半闭框 11"/>
           <p:cNvSpPr/>
           <p:nvPr/>
         </p:nvSpPr>
@@ -21492,7 +20776,6 @@
               <a:buSzTx/>
               <a:buFontTx/>
               <a:buNone/>
-              <a:tabLst/>
               <a:defRPr/>
             </a:pPr>
             <a:endParaRPr kumimoji="0" lang="zh-CN" altLang="en-US" sz="1800" b="0" i="0" u="none" strike="noStrike" kern="0" cap="none" spc="0" normalizeH="0" baseline="0" noProof="0">
@@ -21505,8 +20788,8 @@
               <a:effectLst/>
               <a:uLnTx/>
               <a:uFillTx/>
-              <a:latin typeface="微软雅黑"/>
-              <a:ea typeface="微软雅黑"/>
+              <a:latin typeface="微软雅黑" panose="020B0503020204020204" charset="-122"/>
+              <a:ea typeface="微软雅黑" panose="020B0503020204020204" charset="-122"/>
               <a:cs typeface="+mn-cs"/>
             </a:endParaRPr>
           </a:p>
@@ -21514,13 +20797,7 @@
       </p:sp>
       <p:sp>
         <p:nvSpPr>
-          <p:cNvPr id="13" name="半闭框 12">
-            <a:extLst>
-              <a:ext uri="{FF2B5EF4-FFF2-40B4-BE49-F238E27FC236}">
-                <a16:creationId xmlns:a16="http://schemas.microsoft.com/office/drawing/2014/main" id="{F77F212D-4F59-4957-9187-E73A42BE8E9D}"/>
-              </a:ext>
-            </a:extLst>
-          </p:cNvPr>
+          <p:cNvPr id="13" name="半闭框 12"/>
           <p:cNvSpPr/>
           <p:nvPr/>
         </p:nvSpPr>
@@ -21563,7 +20840,6 @@
               <a:buSzTx/>
               <a:buFontTx/>
               <a:buNone/>
-              <a:tabLst/>
               <a:defRPr/>
             </a:pPr>
             <a:endParaRPr kumimoji="0" lang="zh-CN" altLang="en-US" sz="1800" b="0" i="0" u="none" strike="noStrike" kern="0" cap="none" spc="0" normalizeH="0" baseline="0" noProof="0">
@@ -21576,8 +20852,8 @@
               <a:effectLst/>
               <a:uLnTx/>
               <a:uFillTx/>
-              <a:latin typeface="微软雅黑"/>
-              <a:ea typeface="微软雅黑"/>
+              <a:latin typeface="微软雅黑" panose="020B0503020204020204" charset="-122"/>
+              <a:ea typeface="微软雅黑" panose="020B0503020204020204" charset="-122"/>
               <a:cs typeface="+mn-cs"/>
             </a:endParaRPr>
           </a:p>
@@ -21585,13 +20861,7 @@
       </p:sp>
       <p:sp>
         <p:nvSpPr>
-          <p:cNvPr id="7" name="文本框 6">
-            <a:extLst>
-              <a:ext uri="{FF2B5EF4-FFF2-40B4-BE49-F238E27FC236}">
-                <a16:creationId xmlns:a16="http://schemas.microsoft.com/office/drawing/2014/main" id="{6037CFF9-A525-4EAF-B3FE-037F2439DFA3}"/>
-              </a:ext>
-            </a:extLst>
-          </p:cNvPr>
+          <p:cNvPr id="7" name="文本框 6"/>
           <p:cNvSpPr txBox="1">
             <a:spLocks noChangeArrowheads="1"/>
           </p:cNvSpPr>
@@ -21640,7 +20910,7 @@
                   <a:schemeClr val="tx1"/>
                 </a:solidFill>
                 <a:latin typeface="Century Gothic" panose="020B0502020202020204" pitchFamily="34" charset="0"/>
-                <a:ea typeface="微软雅黑" panose="020B0503020204020204" pitchFamily="34" charset="-122"/>
+                <a:ea typeface="微软雅黑" panose="020B0503020204020204" charset="-122"/>
               </a:defRPr>
             </a:lvl1pPr>
             <a:lvl2pPr marL="742950" indent="-285750">
@@ -21649,7 +20919,7 @@
                   <a:schemeClr val="tx1"/>
                 </a:solidFill>
                 <a:latin typeface="Century Gothic" panose="020B0502020202020204" pitchFamily="34" charset="0"/>
-                <a:ea typeface="微软雅黑" panose="020B0503020204020204" pitchFamily="34" charset="-122"/>
+                <a:ea typeface="微软雅黑" panose="020B0503020204020204" charset="-122"/>
               </a:defRPr>
             </a:lvl2pPr>
             <a:lvl3pPr marL="1143000" indent="-228600">
@@ -21658,7 +20928,7 @@
                   <a:schemeClr val="tx1"/>
                 </a:solidFill>
                 <a:latin typeface="Century Gothic" panose="020B0502020202020204" pitchFamily="34" charset="0"/>
-                <a:ea typeface="微软雅黑" panose="020B0503020204020204" pitchFamily="34" charset="-122"/>
+                <a:ea typeface="微软雅黑" panose="020B0503020204020204" charset="-122"/>
               </a:defRPr>
             </a:lvl3pPr>
             <a:lvl4pPr marL="1600200" indent="-228600">
@@ -21667,7 +20937,7 @@
                   <a:schemeClr val="tx1"/>
                 </a:solidFill>
                 <a:latin typeface="Century Gothic" panose="020B0502020202020204" pitchFamily="34" charset="0"/>
-                <a:ea typeface="微软雅黑" panose="020B0503020204020204" pitchFamily="34" charset="-122"/>
+                <a:ea typeface="微软雅黑" panose="020B0503020204020204" charset="-122"/>
               </a:defRPr>
             </a:lvl4pPr>
             <a:lvl5pPr marL="2057400" indent="-228600">
@@ -21676,7 +20946,7 @@
                   <a:schemeClr val="tx1"/>
                 </a:solidFill>
                 <a:latin typeface="Century Gothic" panose="020B0502020202020204" pitchFamily="34" charset="0"/>
-                <a:ea typeface="微软雅黑" panose="020B0503020204020204" pitchFamily="34" charset="-122"/>
+                <a:ea typeface="微软雅黑" panose="020B0503020204020204" charset="-122"/>
               </a:defRPr>
             </a:lvl5pPr>
             <a:lvl6pPr marL="2514600" indent="-228600" fontAlgn="base">
@@ -21691,7 +20961,7 @@
                   <a:schemeClr val="tx1"/>
                 </a:solidFill>
                 <a:latin typeface="Century Gothic" panose="020B0502020202020204" pitchFamily="34" charset="0"/>
-                <a:ea typeface="微软雅黑" panose="020B0503020204020204" pitchFamily="34" charset="-122"/>
+                <a:ea typeface="微软雅黑" panose="020B0503020204020204" charset="-122"/>
               </a:defRPr>
             </a:lvl6pPr>
             <a:lvl7pPr marL="2971800" indent="-228600" fontAlgn="base">
@@ -21706,7 +20976,7 @@
                   <a:schemeClr val="tx1"/>
                 </a:solidFill>
                 <a:latin typeface="Century Gothic" panose="020B0502020202020204" pitchFamily="34" charset="0"/>
-                <a:ea typeface="微软雅黑" panose="020B0503020204020204" pitchFamily="34" charset="-122"/>
+                <a:ea typeface="微软雅黑" panose="020B0503020204020204" charset="-122"/>
               </a:defRPr>
             </a:lvl7pPr>
             <a:lvl8pPr marL="3429000" indent="-228600" fontAlgn="base">
@@ -21721,7 +20991,7 @@
                   <a:schemeClr val="tx1"/>
                 </a:solidFill>
                 <a:latin typeface="Century Gothic" panose="020B0502020202020204" pitchFamily="34" charset="0"/>
-                <a:ea typeface="微软雅黑" panose="020B0503020204020204" pitchFamily="34" charset="-122"/>
+                <a:ea typeface="微软雅黑" panose="020B0503020204020204" charset="-122"/>
               </a:defRPr>
             </a:lvl8pPr>
             <a:lvl9pPr marL="3886200" indent="-228600" fontAlgn="base">
@@ -21736,7 +21006,7 @@
                   <a:schemeClr val="tx1"/>
                 </a:solidFill>
                 <a:latin typeface="Century Gothic" panose="020B0502020202020204" pitchFamily="34" charset="0"/>
-                <a:ea typeface="微软雅黑" panose="020B0503020204020204" pitchFamily="34" charset="-122"/>
+                <a:ea typeface="微软雅黑" panose="020B0503020204020204" charset="-122"/>
               </a:defRPr>
             </a:lvl9pPr>
           </a:lstStyle>
@@ -21762,13 +21032,7 @@
       </p:sp>
       <p:sp>
         <p:nvSpPr>
-          <p:cNvPr id="3" name="Rectangle 2">
-            <a:extLst>
-              <a:ext uri="{FF2B5EF4-FFF2-40B4-BE49-F238E27FC236}">
-                <a16:creationId xmlns:a16="http://schemas.microsoft.com/office/drawing/2014/main" id="{51E8D451-5B60-81BA-224F-39D9BE7CB342}"/>
-              </a:ext>
-            </a:extLst>
-          </p:cNvPr>
+          <p:cNvPr id="3" name="Rectangle 2"/>
           <p:cNvSpPr>
             <a:spLocks noChangeArrowheads="1"/>
           </p:cNvSpPr>
@@ -21776,7 +21040,7 @@
         </p:nvSpPr>
         <p:spPr bwMode="auto">
           <a:xfrm>
-            <a:off x="3050754" y="2823972"/>
+            <a:off x="1808059" y="2769997"/>
             <a:ext cx="9312519" cy="886476"/>
           </a:xfrm>
           <a:prstGeom prst="rect">
@@ -21818,9 +21082,6 @@
         </p:spPr>
         <p:txBody>
           <a:bodyPr vert="horz" wrap="square" lIns="0" tIns="76176" rIns="0" bIns="76176" numCol="1" anchor="ctr" anchorCtr="0" compatLnSpc="1">
-            <a:prstTxWarp prst="textNoShape">
-              <a:avLst/>
-            </a:prstTxWarp>
             <a:spAutoFit/>
           </a:bodyPr>
           <a:lstStyle>
@@ -21936,7 +21197,6 @@
               <a:buSzTx/>
               <a:buFontTx/>
               <a:buNone/>
-              <a:tabLst/>
             </a:pPr>
             <a:r>
               <a:rPr kumimoji="0" lang="zh-CN" altLang="zh-CN" sz="2800" b="1" i="0" u="none" strike="noStrike" cap="none" normalizeH="0" baseline="0" dirty="0">
@@ -21952,15 +21212,21 @@
               </a:rPr>
               <a:t>1.Rust异步编程的学习，rel4/taic项目复现</a:t>
             </a:r>
+            <a:endParaRPr kumimoji="0" lang="zh-CN" altLang="zh-CN" sz="2800" b="1" i="0" u="none" strike="noStrike" cap="none" normalizeH="0" baseline="0" dirty="0">
+              <a:ln>
+                <a:noFill/>
+              </a:ln>
+              <a:solidFill>
+                <a:schemeClr val="tx1"/>
+              </a:solidFill>
+              <a:effectLst/>
+              <a:latin typeface="Microsoft YaHei UI" panose="020B0503020204020204" pitchFamily="34" charset="-122"/>
+              <a:ea typeface="Microsoft YaHei UI" panose="020B0503020204020204" pitchFamily="34" charset="-122"/>
+            </a:endParaRPr>
           </a:p>
         </p:txBody>
       </p:sp>
     </p:spTree>
-    <p:extLst>
-      <p:ext uri="{BB962C8B-B14F-4D97-AF65-F5344CB8AC3E}">
-        <p14:creationId xmlns:p14="http://schemas.microsoft.com/office/powerpoint/2010/main" val="854524267"/>
-      </p:ext>
-    </p:extLst>
   </p:cSld>
   <p:clrMapOvr>
     <a:masterClrMapping/>
@@ -22012,18 +21278,13 @@
               <a:rPr lang="zh-CN" altLang="en-US" dirty="0"/>
               <a:t>主要研究内容</a:t>
             </a:r>
+            <a:endParaRPr lang="zh-CN" altLang="en-US" dirty="0"/>
           </a:p>
         </p:txBody>
       </p:sp>
       <p:sp>
         <p:nvSpPr>
-          <p:cNvPr id="12" name="半闭框 11">
-            <a:extLst>
-              <a:ext uri="{FF2B5EF4-FFF2-40B4-BE49-F238E27FC236}">
-                <a16:creationId xmlns:a16="http://schemas.microsoft.com/office/drawing/2014/main" id="{0D90A06A-B605-4CDB-9B13-1BB6C4658928}"/>
-              </a:ext>
-            </a:extLst>
-          </p:cNvPr>
+          <p:cNvPr id="12" name="半闭框 11"/>
           <p:cNvSpPr/>
           <p:nvPr/>
         </p:nvSpPr>
@@ -22066,7 +21327,6 @@
               <a:buSzTx/>
               <a:buFontTx/>
               <a:buNone/>
-              <a:tabLst/>
               <a:defRPr/>
             </a:pPr>
             <a:endParaRPr kumimoji="0" lang="zh-CN" altLang="en-US" sz="1800" b="0" i="0" u="none" strike="noStrike" kern="0" cap="none" spc="0" normalizeH="0" baseline="0" noProof="0">
@@ -22079,8 +21339,8 @@
               <a:effectLst/>
               <a:uLnTx/>
               <a:uFillTx/>
-              <a:latin typeface="微软雅黑"/>
-              <a:ea typeface="微软雅黑"/>
+              <a:latin typeface="微软雅黑" panose="020B0503020204020204" charset="-122"/>
+              <a:ea typeface="微软雅黑" panose="020B0503020204020204" charset="-122"/>
               <a:cs typeface="+mn-cs"/>
             </a:endParaRPr>
           </a:p>
@@ -22088,13 +21348,7 @@
       </p:sp>
       <p:sp>
         <p:nvSpPr>
-          <p:cNvPr id="13" name="半闭框 12">
-            <a:extLst>
-              <a:ext uri="{FF2B5EF4-FFF2-40B4-BE49-F238E27FC236}">
-                <a16:creationId xmlns:a16="http://schemas.microsoft.com/office/drawing/2014/main" id="{F77F212D-4F59-4957-9187-E73A42BE8E9D}"/>
-              </a:ext>
-            </a:extLst>
-          </p:cNvPr>
+          <p:cNvPr id="13" name="半闭框 12"/>
           <p:cNvSpPr/>
           <p:nvPr/>
         </p:nvSpPr>
@@ -22137,7 +21391,6 @@
               <a:buSzTx/>
               <a:buFontTx/>
               <a:buNone/>
-              <a:tabLst/>
               <a:defRPr/>
             </a:pPr>
             <a:endParaRPr kumimoji="0" lang="zh-CN" altLang="en-US" sz="1800" b="0" i="0" u="none" strike="noStrike" kern="0" cap="none" spc="0" normalizeH="0" baseline="0" noProof="0">
@@ -22150,8 +21403,8 @@
               <a:effectLst/>
               <a:uLnTx/>
               <a:uFillTx/>
-              <a:latin typeface="微软雅黑"/>
-              <a:ea typeface="微软雅黑"/>
+              <a:latin typeface="微软雅黑" panose="020B0503020204020204" charset="-122"/>
+              <a:ea typeface="微软雅黑" panose="020B0503020204020204" charset="-122"/>
               <a:cs typeface="+mn-cs"/>
             </a:endParaRPr>
           </a:p>
@@ -22159,13 +21412,7 @@
       </p:sp>
       <p:sp>
         <p:nvSpPr>
-          <p:cNvPr id="7" name="文本框 6">
-            <a:extLst>
-              <a:ext uri="{FF2B5EF4-FFF2-40B4-BE49-F238E27FC236}">
-                <a16:creationId xmlns:a16="http://schemas.microsoft.com/office/drawing/2014/main" id="{6037CFF9-A525-4EAF-B3FE-037F2439DFA3}"/>
-              </a:ext>
-            </a:extLst>
-          </p:cNvPr>
+          <p:cNvPr id="7" name="文本框 6"/>
           <p:cNvSpPr txBox="1">
             <a:spLocks noChangeArrowheads="1"/>
           </p:cNvSpPr>
@@ -22214,7 +21461,7 @@
                   <a:schemeClr val="tx1"/>
                 </a:solidFill>
                 <a:latin typeface="Century Gothic" panose="020B0502020202020204" pitchFamily="34" charset="0"/>
-                <a:ea typeface="微软雅黑" panose="020B0503020204020204" pitchFamily="34" charset="-122"/>
+                <a:ea typeface="微软雅黑" panose="020B0503020204020204" charset="-122"/>
               </a:defRPr>
             </a:lvl1pPr>
             <a:lvl2pPr marL="742950" indent="-285750">
@@ -22223,7 +21470,7 @@
                   <a:schemeClr val="tx1"/>
                 </a:solidFill>
                 <a:latin typeface="Century Gothic" panose="020B0502020202020204" pitchFamily="34" charset="0"/>
-                <a:ea typeface="微软雅黑" panose="020B0503020204020204" pitchFamily="34" charset="-122"/>
+                <a:ea typeface="微软雅黑" panose="020B0503020204020204" charset="-122"/>
               </a:defRPr>
             </a:lvl2pPr>
             <a:lvl3pPr marL="1143000" indent="-228600">
@@ -22232,7 +21479,7 @@
                   <a:schemeClr val="tx1"/>
                 </a:solidFill>
                 <a:latin typeface="Century Gothic" panose="020B0502020202020204" pitchFamily="34" charset="0"/>
-                <a:ea typeface="微软雅黑" panose="020B0503020204020204" pitchFamily="34" charset="-122"/>
+                <a:ea typeface="微软雅黑" panose="020B0503020204020204" charset="-122"/>
               </a:defRPr>
             </a:lvl3pPr>
             <a:lvl4pPr marL="1600200" indent="-228600">
@@ -22241,7 +21488,7 @@
                   <a:schemeClr val="tx1"/>
                 </a:solidFill>
                 <a:latin typeface="Century Gothic" panose="020B0502020202020204" pitchFamily="34" charset="0"/>
-                <a:ea typeface="微软雅黑" panose="020B0503020204020204" pitchFamily="34" charset="-122"/>
+                <a:ea typeface="微软雅黑" panose="020B0503020204020204" charset="-122"/>
               </a:defRPr>
             </a:lvl4pPr>
             <a:lvl5pPr marL="2057400" indent="-228600">
@@ -22250,7 +21497,7 @@
                   <a:schemeClr val="tx1"/>
                 </a:solidFill>
                 <a:latin typeface="Century Gothic" panose="020B0502020202020204" pitchFamily="34" charset="0"/>
-                <a:ea typeface="微软雅黑" panose="020B0503020204020204" pitchFamily="34" charset="-122"/>
+                <a:ea typeface="微软雅黑" panose="020B0503020204020204" charset="-122"/>
               </a:defRPr>
             </a:lvl5pPr>
             <a:lvl6pPr marL="2514600" indent="-228600" fontAlgn="base">
@@ -22265,7 +21512,7 @@
                   <a:schemeClr val="tx1"/>
                 </a:solidFill>
                 <a:latin typeface="Century Gothic" panose="020B0502020202020204" pitchFamily="34" charset="0"/>
-                <a:ea typeface="微软雅黑" panose="020B0503020204020204" pitchFamily="34" charset="-122"/>
+                <a:ea typeface="微软雅黑" panose="020B0503020204020204" charset="-122"/>
               </a:defRPr>
             </a:lvl6pPr>
             <a:lvl7pPr marL="2971800" indent="-228600" fontAlgn="base">
@@ -22280,7 +21527,7 @@
                   <a:schemeClr val="tx1"/>
                 </a:solidFill>
                 <a:latin typeface="Century Gothic" panose="020B0502020202020204" pitchFamily="34" charset="0"/>
-                <a:ea typeface="微软雅黑" panose="020B0503020204020204" pitchFamily="34" charset="-122"/>
+                <a:ea typeface="微软雅黑" panose="020B0503020204020204" charset="-122"/>
               </a:defRPr>
             </a:lvl7pPr>
             <a:lvl8pPr marL="3429000" indent="-228600" fontAlgn="base">
@@ -22295,7 +21542,7 @@
                   <a:schemeClr val="tx1"/>
                 </a:solidFill>
                 <a:latin typeface="Century Gothic" panose="020B0502020202020204" pitchFamily="34" charset="0"/>
-                <a:ea typeface="微软雅黑" panose="020B0503020204020204" pitchFamily="34" charset="-122"/>
+                <a:ea typeface="微软雅黑" panose="020B0503020204020204" charset="-122"/>
               </a:defRPr>
             </a:lvl8pPr>
             <a:lvl9pPr marL="3886200" indent="-228600" fontAlgn="base">
@@ -22310,7 +21557,7 @@
                   <a:schemeClr val="tx1"/>
                 </a:solidFill>
                 <a:latin typeface="Century Gothic" panose="020B0502020202020204" pitchFamily="34" charset="0"/>
-                <a:ea typeface="微软雅黑" panose="020B0503020204020204" pitchFamily="34" charset="-122"/>
+                <a:ea typeface="微软雅黑" panose="020B0503020204020204" charset="-122"/>
               </a:defRPr>
             </a:lvl9pPr>
           </a:lstStyle>
@@ -22336,13 +21583,7 @@
       </p:sp>
       <p:sp>
         <p:nvSpPr>
-          <p:cNvPr id="3" name="Rectangle 2">
-            <a:extLst>
-              <a:ext uri="{FF2B5EF4-FFF2-40B4-BE49-F238E27FC236}">
-                <a16:creationId xmlns:a16="http://schemas.microsoft.com/office/drawing/2014/main" id="{51E8D451-5B60-81BA-224F-39D9BE7CB342}"/>
-              </a:ext>
-            </a:extLst>
-          </p:cNvPr>
+          <p:cNvPr id="3" name="Rectangle 2"/>
           <p:cNvSpPr>
             <a:spLocks noChangeArrowheads="1"/>
           </p:cNvSpPr>
@@ -22350,8 +21591,8 @@
         </p:nvSpPr>
         <p:spPr bwMode="auto">
           <a:xfrm>
-            <a:off x="3050754" y="2823972"/>
-            <a:ext cx="9312519" cy="886476"/>
+            <a:off x="3050754" y="2760797"/>
+            <a:ext cx="9312519" cy="1012825"/>
           </a:xfrm>
           <a:prstGeom prst="rect">
             <a:avLst/>
@@ -22392,9 +21633,6 @@
         </p:spPr>
         <p:txBody>
           <a:bodyPr vert="horz" wrap="square" lIns="0" tIns="76176" rIns="0" bIns="76176" numCol="1" anchor="ctr" anchorCtr="0" compatLnSpc="1">
-            <a:prstTxWarp prst="textNoShape">
-              <a:avLst/>
-            </a:prstTxWarp>
             <a:spAutoFit/>
           </a:bodyPr>
           <a:lstStyle/>
@@ -22417,15 +21655,14 @@
               </a:rPr>
               <a:t>2.兼容TAIC硬件调度器的异步系统调用</a:t>
             </a:r>
+            <a:endParaRPr lang="zh-CN" altLang="zh-CN" sz="2800" b="1" dirty="0">
+              <a:latin typeface="Microsoft YaHei UI" panose="020B0503020204020204" pitchFamily="34" charset="-122"/>
+              <a:ea typeface="Microsoft YaHei UI" panose="020B0503020204020204" pitchFamily="34" charset="-122"/>
+            </a:endParaRPr>
           </a:p>
         </p:txBody>
       </p:sp>
     </p:spTree>
-    <p:extLst>
-      <p:ext uri="{BB962C8B-B14F-4D97-AF65-F5344CB8AC3E}">
-        <p14:creationId xmlns:p14="http://schemas.microsoft.com/office/powerpoint/2010/main" val="3482585274"/>
-      </p:ext>
-    </p:extLst>
   </p:cSld>
   <p:clrMapOvr>
     <a:masterClrMapping/>
@@ -22477,18 +21714,13 @@
               <a:rPr lang="zh-CN" altLang="en-US" dirty="0"/>
               <a:t>主要研究内容</a:t>
             </a:r>
+            <a:endParaRPr lang="zh-CN" altLang="en-US" dirty="0"/>
           </a:p>
         </p:txBody>
       </p:sp>
       <p:sp>
         <p:nvSpPr>
-          <p:cNvPr id="12" name="半闭框 11">
-            <a:extLst>
-              <a:ext uri="{FF2B5EF4-FFF2-40B4-BE49-F238E27FC236}">
-                <a16:creationId xmlns:a16="http://schemas.microsoft.com/office/drawing/2014/main" id="{0D90A06A-B605-4CDB-9B13-1BB6C4658928}"/>
-              </a:ext>
-            </a:extLst>
-          </p:cNvPr>
+          <p:cNvPr id="12" name="半闭框 11"/>
           <p:cNvSpPr/>
           <p:nvPr/>
         </p:nvSpPr>
@@ -22531,7 +21763,6 @@
               <a:buSzTx/>
               <a:buFontTx/>
               <a:buNone/>
-              <a:tabLst/>
               <a:defRPr/>
             </a:pPr>
             <a:endParaRPr kumimoji="0" lang="zh-CN" altLang="en-US" sz="1800" b="0" i="0" u="none" strike="noStrike" kern="0" cap="none" spc="0" normalizeH="0" baseline="0" noProof="0">
@@ -22544,8 +21775,8 @@
               <a:effectLst/>
               <a:uLnTx/>
               <a:uFillTx/>
-              <a:latin typeface="微软雅黑"/>
-              <a:ea typeface="微软雅黑"/>
+              <a:latin typeface="微软雅黑" panose="020B0503020204020204" charset="-122"/>
+              <a:ea typeface="微软雅黑" panose="020B0503020204020204" charset="-122"/>
               <a:cs typeface="+mn-cs"/>
             </a:endParaRPr>
           </a:p>
@@ -22553,13 +21784,7 @@
       </p:sp>
       <p:sp>
         <p:nvSpPr>
-          <p:cNvPr id="13" name="半闭框 12">
-            <a:extLst>
-              <a:ext uri="{FF2B5EF4-FFF2-40B4-BE49-F238E27FC236}">
-                <a16:creationId xmlns:a16="http://schemas.microsoft.com/office/drawing/2014/main" id="{F77F212D-4F59-4957-9187-E73A42BE8E9D}"/>
-              </a:ext>
-            </a:extLst>
-          </p:cNvPr>
+          <p:cNvPr id="13" name="半闭框 12"/>
           <p:cNvSpPr/>
           <p:nvPr/>
         </p:nvSpPr>
@@ -22602,7 +21827,6 @@
               <a:buSzTx/>
               <a:buFontTx/>
               <a:buNone/>
-              <a:tabLst/>
               <a:defRPr/>
             </a:pPr>
             <a:endParaRPr kumimoji="0" lang="zh-CN" altLang="en-US" sz="1800" b="0" i="0" u="none" strike="noStrike" kern="0" cap="none" spc="0" normalizeH="0" baseline="0" noProof="0">
@@ -22615,8 +21839,8 @@
               <a:effectLst/>
               <a:uLnTx/>
               <a:uFillTx/>
-              <a:latin typeface="微软雅黑"/>
-              <a:ea typeface="微软雅黑"/>
+              <a:latin typeface="微软雅黑" panose="020B0503020204020204" charset="-122"/>
+              <a:ea typeface="微软雅黑" panose="020B0503020204020204" charset="-122"/>
               <a:cs typeface="+mn-cs"/>
             </a:endParaRPr>
           </a:p>
@@ -22624,13 +21848,7 @@
       </p:sp>
       <p:sp>
         <p:nvSpPr>
-          <p:cNvPr id="7" name="文本框 6">
-            <a:extLst>
-              <a:ext uri="{FF2B5EF4-FFF2-40B4-BE49-F238E27FC236}">
-                <a16:creationId xmlns:a16="http://schemas.microsoft.com/office/drawing/2014/main" id="{6037CFF9-A525-4EAF-B3FE-037F2439DFA3}"/>
-              </a:ext>
-            </a:extLst>
-          </p:cNvPr>
+          <p:cNvPr id="7" name="文本框 6"/>
           <p:cNvSpPr txBox="1">
             <a:spLocks noChangeArrowheads="1"/>
           </p:cNvSpPr>
@@ -22679,7 +21897,7 @@
                   <a:schemeClr val="tx1"/>
                 </a:solidFill>
                 <a:latin typeface="Century Gothic" panose="020B0502020202020204" pitchFamily="34" charset="0"/>
-                <a:ea typeface="微软雅黑" panose="020B0503020204020204" pitchFamily="34" charset="-122"/>
+                <a:ea typeface="微软雅黑" panose="020B0503020204020204" charset="-122"/>
               </a:defRPr>
             </a:lvl1pPr>
             <a:lvl2pPr marL="742950" indent="-285750">
@@ -22688,7 +21906,7 @@
                   <a:schemeClr val="tx1"/>
                 </a:solidFill>
                 <a:latin typeface="Century Gothic" panose="020B0502020202020204" pitchFamily="34" charset="0"/>
-                <a:ea typeface="微软雅黑" panose="020B0503020204020204" pitchFamily="34" charset="-122"/>
+                <a:ea typeface="微软雅黑" panose="020B0503020204020204" charset="-122"/>
               </a:defRPr>
             </a:lvl2pPr>
             <a:lvl3pPr marL="1143000" indent="-228600">
@@ -22697,7 +21915,7 @@
                   <a:schemeClr val="tx1"/>
                 </a:solidFill>
                 <a:latin typeface="Century Gothic" panose="020B0502020202020204" pitchFamily="34" charset="0"/>
-                <a:ea typeface="微软雅黑" panose="020B0503020204020204" pitchFamily="34" charset="-122"/>
+                <a:ea typeface="微软雅黑" panose="020B0503020204020204" charset="-122"/>
               </a:defRPr>
             </a:lvl3pPr>
             <a:lvl4pPr marL="1600200" indent="-228600">
@@ -22706,7 +21924,7 @@
                   <a:schemeClr val="tx1"/>
                 </a:solidFill>
                 <a:latin typeface="Century Gothic" panose="020B0502020202020204" pitchFamily="34" charset="0"/>
-                <a:ea typeface="微软雅黑" panose="020B0503020204020204" pitchFamily="34" charset="-122"/>
+                <a:ea typeface="微软雅黑" panose="020B0503020204020204" charset="-122"/>
               </a:defRPr>
             </a:lvl4pPr>
             <a:lvl5pPr marL="2057400" indent="-228600">
@@ -22715,7 +21933,7 @@
                   <a:schemeClr val="tx1"/>
                 </a:solidFill>
                 <a:latin typeface="Century Gothic" panose="020B0502020202020204" pitchFamily="34" charset="0"/>
-                <a:ea typeface="微软雅黑" panose="020B0503020204020204" pitchFamily="34" charset="-122"/>
+                <a:ea typeface="微软雅黑" panose="020B0503020204020204" charset="-122"/>
               </a:defRPr>
             </a:lvl5pPr>
             <a:lvl6pPr marL="2514600" indent="-228600" fontAlgn="base">
@@ -22730,7 +21948,7 @@
                   <a:schemeClr val="tx1"/>
                 </a:solidFill>
                 <a:latin typeface="Century Gothic" panose="020B0502020202020204" pitchFamily="34" charset="0"/>
-                <a:ea typeface="微软雅黑" panose="020B0503020204020204" pitchFamily="34" charset="-122"/>
+                <a:ea typeface="微软雅黑" panose="020B0503020204020204" charset="-122"/>
               </a:defRPr>
             </a:lvl6pPr>
             <a:lvl7pPr marL="2971800" indent="-228600" fontAlgn="base">
@@ -22745,7 +21963,7 @@
                   <a:schemeClr val="tx1"/>
                 </a:solidFill>
                 <a:latin typeface="Century Gothic" panose="020B0502020202020204" pitchFamily="34" charset="0"/>
-                <a:ea typeface="微软雅黑" panose="020B0503020204020204" pitchFamily="34" charset="-122"/>
+                <a:ea typeface="微软雅黑" panose="020B0503020204020204" charset="-122"/>
               </a:defRPr>
             </a:lvl7pPr>
             <a:lvl8pPr marL="3429000" indent="-228600" fontAlgn="base">
@@ -22760,7 +21978,7 @@
                   <a:schemeClr val="tx1"/>
                 </a:solidFill>
                 <a:latin typeface="Century Gothic" panose="020B0502020202020204" pitchFamily="34" charset="0"/>
-                <a:ea typeface="微软雅黑" panose="020B0503020204020204" pitchFamily="34" charset="-122"/>
+                <a:ea typeface="微软雅黑" panose="020B0503020204020204" charset="-122"/>
               </a:defRPr>
             </a:lvl8pPr>
             <a:lvl9pPr marL="3886200" indent="-228600" fontAlgn="base">
@@ -22775,7 +21993,7 @@
                   <a:schemeClr val="tx1"/>
                 </a:solidFill>
                 <a:latin typeface="Century Gothic" panose="020B0502020202020204" pitchFamily="34" charset="0"/>
-                <a:ea typeface="微软雅黑" panose="020B0503020204020204" pitchFamily="34" charset="-122"/>
+                <a:ea typeface="微软雅黑" panose="020B0503020204020204" charset="-122"/>
               </a:defRPr>
             </a:lvl9pPr>
           </a:lstStyle>
@@ -22801,13 +22019,7 @@
       </p:sp>
       <p:sp>
         <p:nvSpPr>
-          <p:cNvPr id="3" name="Rectangle 2">
-            <a:extLst>
-              <a:ext uri="{FF2B5EF4-FFF2-40B4-BE49-F238E27FC236}">
-                <a16:creationId xmlns:a16="http://schemas.microsoft.com/office/drawing/2014/main" id="{51E8D451-5B60-81BA-224F-39D9BE7CB342}"/>
-              </a:ext>
-            </a:extLst>
-          </p:cNvPr>
+          <p:cNvPr id="3" name="Rectangle 2"/>
           <p:cNvSpPr>
             <a:spLocks noChangeArrowheads="1"/>
           </p:cNvSpPr>
@@ -22857,9 +22069,6 @@
         </p:spPr>
         <p:txBody>
           <a:bodyPr vert="horz" wrap="square" lIns="0" tIns="76176" rIns="0" bIns="76176" numCol="1" anchor="ctr" anchorCtr="0" compatLnSpc="1">
-            <a:prstTxWarp prst="textNoShape">
-              <a:avLst/>
-            </a:prstTxWarp>
             <a:spAutoFit/>
           </a:bodyPr>
           <a:lstStyle/>
@@ -22897,11 +22106,6 @@
         </p:txBody>
       </p:sp>
     </p:spTree>
-    <p:extLst>
-      <p:ext uri="{BB962C8B-B14F-4D97-AF65-F5344CB8AC3E}">
-        <p14:creationId xmlns:p14="http://schemas.microsoft.com/office/powerpoint/2010/main" val="3634398787"/>
-      </p:ext>
-    </p:extLst>
   </p:cSld>
   <p:clrMapOvr>
     <a:masterClrMapping/>
@@ -22953,18 +22157,13 @@
               <a:rPr lang="zh-CN" altLang="en-US" dirty="0"/>
               <a:t>主要研究内容</a:t>
             </a:r>
+            <a:endParaRPr lang="zh-CN" altLang="en-US" dirty="0"/>
           </a:p>
         </p:txBody>
       </p:sp>
       <p:sp>
         <p:nvSpPr>
-          <p:cNvPr id="12" name="半闭框 11">
-            <a:extLst>
-              <a:ext uri="{FF2B5EF4-FFF2-40B4-BE49-F238E27FC236}">
-                <a16:creationId xmlns:a16="http://schemas.microsoft.com/office/drawing/2014/main" id="{0D90A06A-B605-4CDB-9B13-1BB6C4658928}"/>
-              </a:ext>
-            </a:extLst>
-          </p:cNvPr>
+          <p:cNvPr id="12" name="半闭框 11"/>
           <p:cNvSpPr/>
           <p:nvPr/>
         </p:nvSpPr>
@@ -23007,7 +22206,6 @@
               <a:buSzTx/>
               <a:buFontTx/>
               <a:buNone/>
-              <a:tabLst/>
               <a:defRPr/>
             </a:pPr>
             <a:endParaRPr kumimoji="0" lang="zh-CN" altLang="en-US" sz="1800" b="0" i="0" u="none" strike="noStrike" kern="0" cap="none" spc="0" normalizeH="0" baseline="0" noProof="0">
@@ -23020,8 +22218,8 @@
               <a:effectLst/>
               <a:uLnTx/>
               <a:uFillTx/>
-              <a:latin typeface="微软雅黑"/>
-              <a:ea typeface="微软雅黑"/>
+              <a:latin typeface="微软雅黑" panose="020B0503020204020204" charset="-122"/>
+              <a:ea typeface="微软雅黑" panose="020B0503020204020204" charset="-122"/>
               <a:cs typeface="+mn-cs"/>
             </a:endParaRPr>
           </a:p>
@@ -23029,13 +22227,7 @@
       </p:sp>
       <p:sp>
         <p:nvSpPr>
-          <p:cNvPr id="13" name="半闭框 12">
-            <a:extLst>
-              <a:ext uri="{FF2B5EF4-FFF2-40B4-BE49-F238E27FC236}">
-                <a16:creationId xmlns:a16="http://schemas.microsoft.com/office/drawing/2014/main" id="{F77F212D-4F59-4957-9187-E73A42BE8E9D}"/>
-              </a:ext>
-            </a:extLst>
-          </p:cNvPr>
+          <p:cNvPr id="13" name="半闭框 12"/>
           <p:cNvSpPr/>
           <p:nvPr/>
         </p:nvSpPr>
@@ -23078,7 +22270,6 @@
               <a:buSzTx/>
               <a:buFontTx/>
               <a:buNone/>
-              <a:tabLst/>
               <a:defRPr/>
             </a:pPr>
             <a:endParaRPr kumimoji="0" lang="zh-CN" altLang="en-US" sz="1800" b="0" i="0" u="none" strike="noStrike" kern="0" cap="none" spc="0" normalizeH="0" baseline="0" noProof="0">
@@ -23091,8 +22282,8 @@
               <a:effectLst/>
               <a:uLnTx/>
               <a:uFillTx/>
-              <a:latin typeface="微软雅黑"/>
-              <a:ea typeface="微软雅黑"/>
+              <a:latin typeface="微软雅黑" panose="020B0503020204020204" charset="-122"/>
+              <a:ea typeface="微软雅黑" panose="020B0503020204020204" charset="-122"/>
               <a:cs typeface="+mn-cs"/>
             </a:endParaRPr>
           </a:p>
@@ -23100,13 +22291,7 @@
       </p:sp>
       <p:sp>
         <p:nvSpPr>
-          <p:cNvPr id="7" name="文本框 6">
-            <a:extLst>
-              <a:ext uri="{FF2B5EF4-FFF2-40B4-BE49-F238E27FC236}">
-                <a16:creationId xmlns:a16="http://schemas.microsoft.com/office/drawing/2014/main" id="{6037CFF9-A525-4EAF-B3FE-037F2439DFA3}"/>
-              </a:ext>
-            </a:extLst>
-          </p:cNvPr>
+          <p:cNvPr id="7" name="文本框 6"/>
           <p:cNvSpPr txBox="1">
             <a:spLocks noChangeArrowheads="1"/>
           </p:cNvSpPr>
@@ -23155,7 +22340,7 @@
                   <a:schemeClr val="tx1"/>
                 </a:solidFill>
                 <a:latin typeface="Century Gothic" panose="020B0502020202020204" pitchFamily="34" charset="0"/>
-                <a:ea typeface="微软雅黑" panose="020B0503020204020204" pitchFamily="34" charset="-122"/>
+                <a:ea typeface="微软雅黑" panose="020B0503020204020204" charset="-122"/>
               </a:defRPr>
             </a:lvl1pPr>
             <a:lvl2pPr marL="742950" indent="-285750">
@@ -23164,7 +22349,7 @@
                   <a:schemeClr val="tx1"/>
                 </a:solidFill>
                 <a:latin typeface="Century Gothic" panose="020B0502020202020204" pitchFamily="34" charset="0"/>
-                <a:ea typeface="微软雅黑" panose="020B0503020204020204" pitchFamily="34" charset="-122"/>
+                <a:ea typeface="微软雅黑" panose="020B0503020204020204" charset="-122"/>
               </a:defRPr>
             </a:lvl2pPr>
             <a:lvl3pPr marL="1143000" indent="-228600">
@@ -23173,7 +22358,7 @@
                   <a:schemeClr val="tx1"/>
                 </a:solidFill>
                 <a:latin typeface="Century Gothic" panose="020B0502020202020204" pitchFamily="34" charset="0"/>
-                <a:ea typeface="微软雅黑" panose="020B0503020204020204" pitchFamily="34" charset="-122"/>
+                <a:ea typeface="微软雅黑" panose="020B0503020204020204" charset="-122"/>
               </a:defRPr>
             </a:lvl3pPr>
             <a:lvl4pPr marL="1600200" indent="-228600">
@@ -23182,7 +22367,7 @@
                   <a:schemeClr val="tx1"/>
                 </a:solidFill>
                 <a:latin typeface="Century Gothic" panose="020B0502020202020204" pitchFamily="34" charset="0"/>
-                <a:ea typeface="微软雅黑" panose="020B0503020204020204" pitchFamily="34" charset="-122"/>
+                <a:ea typeface="微软雅黑" panose="020B0503020204020204" charset="-122"/>
               </a:defRPr>
             </a:lvl4pPr>
             <a:lvl5pPr marL="2057400" indent="-228600">
@@ -23191,7 +22376,7 @@
                   <a:schemeClr val="tx1"/>
                 </a:solidFill>
                 <a:latin typeface="Century Gothic" panose="020B0502020202020204" pitchFamily="34" charset="0"/>
-                <a:ea typeface="微软雅黑" panose="020B0503020204020204" pitchFamily="34" charset="-122"/>
+                <a:ea typeface="微软雅黑" panose="020B0503020204020204" charset="-122"/>
               </a:defRPr>
             </a:lvl5pPr>
             <a:lvl6pPr marL="2514600" indent="-228600" fontAlgn="base">
@@ -23206,7 +22391,7 @@
                   <a:schemeClr val="tx1"/>
                 </a:solidFill>
                 <a:latin typeface="Century Gothic" panose="020B0502020202020204" pitchFamily="34" charset="0"/>
-                <a:ea typeface="微软雅黑" panose="020B0503020204020204" pitchFamily="34" charset="-122"/>
+                <a:ea typeface="微软雅黑" panose="020B0503020204020204" charset="-122"/>
               </a:defRPr>
             </a:lvl6pPr>
             <a:lvl7pPr marL="2971800" indent="-228600" fontAlgn="base">
@@ -23221,7 +22406,7 @@
                   <a:schemeClr val="tx1"/>
                 </a:solidFill>
                 <a:latin typeface="Century Gothic" panose="020B0502020202020204" pitchFamily="34" charset="0"/>
-                <a:ea typeface="微软雅黑" panose="020B0503020204020204" pitchFamily="34" charset="-122"/>
+                <a:ea typeface="微软雅黑" panose="020B0503020204020204" charset="-122"/>
               </a:defRPr>
             </a:lvl7pPr>
             <a:lvl8pPr marL="3429000" indent="-228600" fontAlgn="base">
@@ -23236,7 +22421,7 @@
                   <a:schemeClr val="tx1"/>
                 </a:solidFill>
                 <a:latin typeface="Century Gothic" panose="020B0502020202020204" pitchFamily="34" charset="0"/>
-                <a:ea typeface="微软雅黑" panose="020B0503020204020204" pitchFamily="34" charset="-122"/>
+                <a:ea typeface="微软雅黑" panose="020B0503020204020204" charset="-122"/>
               </a:defRPr>
             </a:lvl8pPr>
             <a:lvl9pPr marL="3886200" indent="-228600" fontAlgn="base">
@@ -23251,7 +22436,7 @@
                   <a:schemeClr val="tx1"/>
                 </a:solidFill>
                 <a:latin typeface="Century Gothic" panose="020B0502020202020204" pitchFamily="34" charset="0"/>
-                <a:ea typeface="微软雅黑" panose="020B0503020204020204" pitchFamily="34" charset="-122"/>
+                <a:ea typeface="微软雅黑" panose="020B0503020204020204" charset="-122"/>
               </a:defRPr>
             </a:lvl9pPr>
           </a:lstStyle>
@@ -23277,13 +22462,7 @@
       </p:sp>
       <p:sp>
         <p:nvSpPr>
-          <p:cNvPr id="3" name="Rectangle 2">
-            <a:extLst>
-              <a:ext uri="{FF2B5EF4-FFF2-40B4-BE49-F238E27FC236}">
-                <a16:creationId xmlns:a16="http://schemas.microsoft.com/office/drawing/2014/main" id="{51E8D451-5B60-81BA-224F-39D9BE7CB342}"/>
-              </a:ext>
-            </a:extLst>
-          </p:cNvPr>
+          <p:cNvPr id="3" name="Rectangle 2"/>
           <p:cNvSpPr>
             <a:spLocks noChangeArrowheads="1"/>
           </p:cNvSpPr>
@@ -23333,9 +22512,6 @@
         </p:spPr>
         <p:txBody>
           <a:bodyPr vert="horz" wrap="square" lIns="0" tIns="76176" rIns="0" bIns="76176" numCol="1" anchor="ctr" anchorCtr="0" compatLnSpc="1">
-            <a:prstTxWarp prst="textNoShape">
-              <a:avLst/>
-            </a:prstTxWarp>
             <a:spAutoFit/>
           </a:bodyPr>
           <a:lstStyle/>
@@ -23373,11 +22549,6 @@
         </p:txBody>
       </p:sp>
     </p:spTree>
-    <p:extLst>
-      <p:ext uri="{BB962C8B-B14F-4D97-AF65-F5344CB8AC3E}">
-        <p14:creationId xmlns:p14="http://schemas.microsoft.com/office/powerpoint/2010/main" val="2498360774"/>
-      </p:ext>
-    </p:extLst>
   </p:cSld>
   <p:clrMapOvr>
     <a:masterClrMapping/>
@@ -23429,18 +22600,13 @@
               <a:rPr lang="zh-CN" altLang="en-US" dirty="0"/>
               <a:t>主要研究内容</a:t>
             </a:r>
+            <a:endParaRPr lang="zh-CN" altLang="en-US" dirty="0"/>
           </a:p>
         </p:txBody>
       </p:sp>
       <p:sp>
         <p:nvSpPr>
-          <p:cNvPr id="12" name="半闭框 11">
-            <a:extLst>
-              <a:ext uri="{FF2B5EF4-FFF2-40B4-BE49-F238E27FC236}">
-                <a16:creationId xmlns:a16="http://schemas.microsoft.com/office/drawing/2014/main" id="{0D90A06A-B605-4CDB-9B13-1BB6C4658928}"/>
-              </a:ext>
-            </a:extLst>
-          </p:cNvPr>
+          <p:cNvPr id="12" name="半闭框 11"/>
           <p:cNvSpPr/>
           <p:nvPr/>
         </p:nvSpPr>
@@ -23483,7 +22649,6 @@
               <a:buSzTx/>
               <a:buFontTx/>
               <a:buNone/>
-              <a:tabLst/>
               <a:defRPr/>
             </a:pPr>
             <a:endParaRPr kumimoji="0" lang="zh-CN" altLang="en-US" sz="1800" b="0" i="0" u="none" strike="noStrike" kern="0" cap="none" spc="0" normalizeH="0" baseline="0" noProof="0">
@@ -23496,8 +22661,8 @@
               <a:effectLst/>
               <a:uLnTx/>
               <a:uFillTx/>
-              <a:latin typeface="微软雅黑"/>
-              <a:ea typeface="微软雅黑"/>
+              <a:latin typeface="微软雅黑" panose="020B0503020204020204" charset="-122"/>
+              <a:ea typeface="微软雅黑" panose="020B0503020204020204" charset="-122"/>
               <a:cs typeface="+mn-cs"/>
             </a:endParaRPr>
           </a:p>
@@ -23505,13 +22670,7 @@
       </p:sp>
       <p:sp>
         <p:nvSpPr>
-          <p:cNvPr id="13" name="半闭框 12">
-            <a:extLst>
-              <a:ext uri="{FF2B5EF4-FFF2-40B4-BE49-F238E27FC236}">
-                <a16:creationId xmlns:a16="http://schemas.microsoft.com/office/drawing/2014/main" id="{F77F212D-4F59-4957-9187-E73A42BE8E9D}"/>
-              </a:ext>
-            </a:extLst>
-          </p:cNvPr>
+          <p:cNvPr id="13" name="半闭框 12"/>
           <p:cNvSpPr/>
           <p:nvPr/>
         </p:nvSpPr>
@@ -23554,7 +22713,6 @@
               <a:buSzTx/>
               <a:buFontTx/>
               <a:buNone/>
-              <a:tabLst/>
               <a:defRPr/>
             </a:pPr>
             <a:endParaRPr kumimoji="0" lang="zh-CN" altLang="en-US" sz="1800" b="0" i="0" u="none" strike="noStrike" kern="0" cap="none" spc="0" normalizeH="0" baseline="0" noProof="0">
@@ -23567,8 +22725,8 @@
               <a:effectLst/>
               <a:uLnTx/>
               <a:uFillTx/>
-              <a:latin typeface="微软雅黑"/>
-              <a:ea typeface="微软雅黑"/>
+              <a:latin typeface="微软雅黑" panose="020B0503020204020204" charset="-122"/>
+              <a:ea typeface="微软雅黑" panose="020B0503020204020204" charset="-122"/>
               <a:cs typeface="+mn-cs"/>
             </a:endParaRPr>
           </a:p>
@@ -23576,13 +22734,7 @@
       </p:sp>
       <p:sp>
         <p:nvSpPr>
-          <p:cNvPr id="7" name="文本框 6">
-            <a:extLst>
-              <a:ext uri="{FF2B5EF4-FFF2-40B4-BE49-F238E27FC236}">
-                <a16:creationId xmlns:a16="http://schemas.microsoft.com/office/drawing/2014/main" id="{6037CFF9-A525-4EAF-B3FE-037F2439DFA3}"/>
-              </a:ext>
-            </a:extLst>
-          </p:cNvPr>
+          <p:cNvPr id="7" name="文本框 6"/>
           <p:cNvSpPr txBox="1">
             <a:spLocks noChangeArrowheads="1"/>
           </p:cNvSpPr>
@@ -23631,7 +22783,7 @@
                   <a:schemeClr val="tx1"/>
                 </a:solidFill>
                 <a:latin typeface="Century Gothic" panose="020B0502020202020204" pitchFamily="34" charset="0"/>
-                <a:ea typeface="微软雅黑" panose="020B0503020204020204" pitchFamily="34" charset="-122"/>
+                <a:ea typeface="微软雅黑" panose="020B0503020204020204" charset="-122"/>
               </a:defRPr>
             </a:lvl1pPr>
             <a:lvl2pPr marL="742950" indent="-285750">
@@ -23640,7 +22792,7 @@
                   <a:schemeClr val="tx1"/>
                 </a:solidFill>
                 <a:latin typeface="Century Gothic" panose="020B0502020202020204" pitchFamily="34" charset="0"/>
-                <a:ea typeface="微软雅黑" panose="020B0503020204020204" pitchFamily="34" charset="-122"/>
+                <a:ea typeface="微软雅黑" panose="020B0503020204020204" charset="-122"/>
               </a:defRPr>
             </a:lvl2pPr>
             <a:lvl3pPr marL="1143000" indent="-228600">
@@ -23649,7 +22801,7 @@
                   <a:schemeClr val="tx1"/>
                 </a:solidFill>
                 <a:latin typeface="Century Gothic" panose="020B0502020202020204" pitchFamily="34" charset="0"/>
-                <a:ea typeface="微软雅黑" panose="020B0503020204020204" pitchFamily="34" charset="-122"/>
+                <a:ea typeface="微软雅黑" panose="020B0503020204020204" charset="-122"/>
               </a:defRPr>
             </a:lvl3pPr>
             <a:lvl4pPr marL="1600200" indent="-228600">
@@ -23658,7 +22810,7 @@
                   <a:schemeClr val="tx1"/>
                 </a:solidFill>
                 <a:latin typeface="Century Gothic" panose="020B0502020202020204" pitchFamily="34" charset="0"/>
-                <a:ea typeface="微软雅黑" panose="020B0503020204020204" pitchFamily="34" charset="-122"/>
+                <a:ea typeface="微软雅黑" panose="020B0503020204020204" charset="-122"/>
               </a:defRPr>
             </a:lvl4pPr>
             <a:lvl5pPr marL="2057400" indent="-228600">
@@ -23667,7 +22819,7 @@
                   <a:schemeClr val="tx1"/>
                 </a:solidFill>
                 <a:latin typeface="Century Gothic" panose="020B0502020202020204" pitchFamily="34" charset="0"/>
-                <a:ea typeface="微软雅黑" panose="020B0503020204020204" pitchFamily="34" charset="-122"/>
+                <a:ea typeface="微软雅黑" panose="020B0503020204020204" charset="-122"/>
               </a:defRPr>
             </a:lvl5pPr>
             <a:lvl6pPr marL="2514600" indent="-228600" fontAlgn="base">
@@ -23682,7 +22834,7 @@
                   <a:schemeClr val="tx1"/>
                 </a:solidFill>
                 <a:latin typeface="Century Gothic" panose="020B0502020202020204" pitchFamily="34" charset="0"/>
-                <a:ea typeface="微软雅黑" panose="020B0503020204020204" pitchFamily="34" charset="-122"/>
+                <a:ea typeface="微软雅黑" panose="020B0503020204020204" charset="-122"/>
               </a:defRPr>
             </a:lvl6pPr>
             <a:lvl7pPr marL="2971800" indent="-228600" fontAlgn="base">
@@ -23697,7 +22849,7 @@
                   <a:schemeClr val="tx1"/>
                 </a:solidFill>
                 <a:latin typeface="Century Gothic" panose="020B0502020202020204" pitchFamily="34" charset="0"/>
-                <a:ea typeface="微软雅黑" panose="020B0503020204020204" pitchFamily="34" charset="-122"/>
+                <a:ea typeface="微软雅黑" panose="020B0503020204020204" charset="-122"/>
               </a:defRPr>
             </a:lvl7pPr>
             <a:lvl8pPr marL="3429000" indent="-228600" fontAlgn="base">
@@ -23712,7 +22864,7 @@
                   <a:schemeClr val="tx1"/>
                 </a:solidFill>
                 <a:latin typeface="Century Gothic" panose="020B0502020202020204" pitchFamily="34" charset="0"/>
-                <a:ea typeface="微软雅黑" panose="020B0503020204020204" pitchFamily="34" charset="-122"/>
+                <a:ea typeface="微软雅黑" panose="020B0503020204020204" charset="-122"/>
               </a:defRPr>
             </a:lvl8pPr>
             <a:lvl9pPr marL="3886200" indent="-228600" fontAlgn="base">
@@ -23727,7 +22879,7 @@
                   <a:schemeClr val="tx1"/>
                 </a:solidFill>
                 <a:latin typeface="Century Gothic" panose="020B0502020202020204" pitchFamily="34" charset="0"/>
-                <a:ea typeface="微软雅黑" panose="020B0503020204020204" pitchFamily="34" charset="-122"/>
+                <a:ea typeface="微软雅黑" panose="020B0503020204020204" charset="-122"/>
               </a:defRPr>
             </a:lvl9pPr>
           </a:lstStyle>
@@ -23753,13 +22905,7 @@
       </p:sp>
       <p:sp>
         <p:nvSpPr>
-          <p:cNvPr id="3" name="Rectangle 2">
-            <a:extLst>
-              <a:ext uri="{FF2B5EF4-FFF2-40B4-BE49-F238E27FC236}">
-                <a16:creationId xmlns:a16="http://schemas.microsoft.com/office/drawing/2014/main" id="{51E8D451-5B60-81BA-224F-39D9BE7CB342}"/>
-              </a:ext>
-            </a:extLst>
-          </p:cNvPr>
+          <p:cNvPr id="3" name="Rectangle 2"/>
           <p:cNvSpPr>
             <a:spLocks noChangeArrowheads="1"/>
           </p:cNvSpPr>
@@ -23809,9 +22955,6 @@
         </p:spPr>
         <p:txBody>
           <a:bodyPr vert="horz" wrap="square" lIns="0" tIns="76176" rIns="0" bIns="76176" numCol="1" anchor="ctr" anchorCtr="0" compatLnSpc="1">
-            <a:prstTxWarp prst="textNoShape">
-              <a:avLst/>
-            </a:prstTxWarp>
             <a:spAutoFit/>
           </a:bodyPr>
           <a:lstStyle/>
@@ -23849,11 +22992,6 @@
         </p:txBody>
       </p:sp>
     </p:spTree>
-    <p:extLst>
-      <p:ext uri="{BB962C8B-B14F-4D97-AF65-F5344CB8AC3E}">
-        <p14:creationId xmlns:p14="http://schemas.microsoft.com/office/powerpoint/2010/main" val="2672498343"/>
-      </p:ext>
-    </p:extLst>
   </p:cSld>
   <p:clrMapOvr>
     <a:masterClrMapping/>
@@ -23897,13 +23035,7 @@
         </p:grpSpPr>
         <p:sp>
           <p:nvSpPr>
-            <p:cNvPr id="19" name="文本框 18">
-              <a:extLst>
-                <a:ext uri="{FF2B5EF4-FFF2-40B4-BE49-F238E27FC236}">
-                  <a16:creationId xmlns:a16="http://schemas.microsoft.com/office/drawing/2014/main" id="{41B256AE-680D-4CCC-B51F-B69BF45F0365}"/>
-                </a:ext>
-              </a:extLst>
-            </p:cNvPr>
+            <p:cNvPr id="19" name="文本框 18"/>
             <p:cNvSpPr txBox="1"/>
             <p:nvPr/>
           </p:nvSpPr>
@@ -23941,18 +23073,15 @@
                 </a:rPr>
                 <a:t>存在的问题和拟解决方案</a:t>
               </a:r>
+              <a:endParaRPr lang="zh-CN" altLang="en-US" sz="3200" b="1" dirty="0">
+                <a:sym typeface="+mn-lt"/>
+              </a:endParaRPr>
             </a:p>
           </p:txBody>
         </p:sp>
         <p:sp>
           <p:nvSpPr>
-            <p:cNvPr id="20" name="椭圆 19">
-              <a:extLst>
-                <a:ext uri="{FF2B5EF4-FFF2-40B4-BE49-F238E27FC236}">
-                  <a16:creationId xmlns:a16="http://schemas.microsoft.com/office/drawing/2014/main" id="{4CD969C8-E62F-446D-85AA-293C5C9F7396}"/>
-                </a:ext>
-              </a:extLst>
-            </p:cNvPr>
+            <p:cNvPr id="20" name="椭圆 19"/>
             <p:cNvSpPr/>
             <p:nvPr/>
           </p:nvSpPr>
@@ -24003,24 +23132,19 @@
               <a:r>
                 <a:rPr lang="en-US" altLang="zh-CN" sz="4000" b="1" dirty="0">
                   <a:latin typeface="Century Gothic" panose="020B0502020202020204" pitchFamily="34" charset="0"/>
-                  <a:ea typeface="微软雅黑" panose="020B0503020204020204" pitchFamily="34" charset="-122"/>
+                  <a:ea typeface="微软雅黑" panose="020B0503020204020204" charset="-122"/>
                 </a:rPr>
                 <a:t>2</a:t>
               </a:r>
               <a:endParaRPr lang="zh-CN" altLang="en-US" sz="4000" b="1" dirty="0">
                 <a:latin typeface="Century Gothic" panose="020B0502020202020204" pitchFamily="34" charset="0"/>
-                <a:ea typeface="微软雅黑" panose="020B0503020204020204" pitchFamily="34" charset="-122"/>
+                <a:ea typeface="微软雅黑" panose="020B0503020204020204" charset="-122"/>
               </a:endParaRPr>
             </a:p>
           </p:txBody>
         </p:sp>
       </p:grpSp>
     </p:spTree>
-    <p:extLst>
-      <p:ext uri="{BB962C8B-B14F-4D97-AF65-F5344CB8AC3E}">
-        <p14:creationId xmlns:p14="http://schemas.microsoft.com/office/powerpoint/2010/main" val="3762763562"/>
-      </p:ext>
-    </p:extLst>
   </p:cSld>
   <p:clrMapOvr>
     <a:masterClrMapping/>
@@ -24222,8 +23346,6 @@
       </a:bgFillStyleLst>
     </a:fmtScheme>
   </a:themeElements>
-  <a:objectDefaults/>
-  <a:extraClrSchemeLst/>
   <a:extLst>
     <a:ext uri="{05A4C25C-085E-4340-85A3-A5531E510DB2}">
       <thm15:themeFamily xmlns:thm15="http://schemas.microsoft.com/office/thememl/2012/main" name="Office Theme" id="{62F939B6-93AF-4DB8-9C6B-D6C7DFDC589F}" vid="{4A3C46E8-61CC-4603-A589-7422A47A8E4A}"/>
@@ -24275,7 +23397,7 @@
     </a:clrScheme>
     <a:fontScheme name="Office">
       <a:majorFont>
-        <a:latin typeface="等线 Light" panose="02110004020202020204"/>
+        <a:latin typeface="等线 Light"/>
         <a:ea typeface=""/>
         <a:cs typeface=""/>
         <a:font script="Jpan" typeface="游ゴシック Light"/>
@@ -24308,26 +23430,9 @@
         <a:font script="Viet" typeface="Times New Roman"/>
         <a:font script="Uigh" typeface="Microsoft Uighur"/>
         <a:font script="Geor" typeface="Sylfaen"/>
-        <a:font script="Armn" typeface="Arial"/>
-        <a:font script="Bugi" typeface="Leelawadee UI"/>
-        <a:font script="Bopo" typeface="Microsoft JhengHei"/>
-        <a:font script="Java" typeface="Javanese Text"/>
-        <a:font script="Lisu" typeface="Segoe UI"/>
-        <a:font script="Mymr" typeface="Myanmar Text"/>
-        <a:font script="Nkoo" typeface="Ebrima"/>
-        <a:font script="Olck" typeface="Nirmala UI"/>
-        <a:font script="Osma" typeface="Ebrima"/>
-        <a:font script="Phag" typeface="Phagspa"/>
-        <a:font script="Syrn" typeface="Estrangelo Edessa"/>
-        <a:font script="Syrj" typeface="Estrangelo Edessa"/>
-        <a:font script="Syre" typeface="Estrangelo Edessa"/>
-        <a:font script="Sora" typeface="Nirmala UI"/>
-        <a:font script="Tale" typeface="Microsoft Tai Le"/>
-        <a:font script="Talu" typeface="Microsoft New Tai Lue"/>
-        <a:font script="Tfng" typeface="Ebrima"/>
       </a:majorFont>
       <a:minorFont>
-        <a:latin typeface="等线" panose="02110004020202020204"/>
+        <a:latin typeface="等线"/>
         <a:ea typeface=""/>
         <a:cs typeface=""/>
         <a:font script="Jpan" typeface="游ゴシック"/>
@@ -24360,23 +23465,6 @@
         <a:font script="Viet" typeface="Arial"/>
         <a:font script="Uigh" typeface="Microsoft Uighur"/>
         <a:font script="Geor" typeface="Sylfaen"/>
-        <a:font script="Armn" typeface="Arial"/>
-        <a:font script="Bugi" typeface="Leelawadee UI"/>
-        <a:font script="Bopo" typeface="Microsoft JhengHei"/>
-        <a:font script="Java" typeface="Javanese Text"/>
-        <a:font script="Lisu" typeface="Segoe UI"/>
-        <a:font script="Mymr" typeface="Myanmar Text"/>
-        <a:font script="Nkoo" typeface="Ebrima"/>
-        <a:font script="Olck" typeface="Nirmala UI"/>
-        <a:font script="Osma" typeface="Ebrima"/>
-        <a:font script="Phag" typeface="Phagspa"/>
-        <a:font script="Syrn" typeface="Estrangelo Edessa"/>
-        <a:font script="Syrj" typeface="Estrangelo Edessa"/>
-        <a:font script="Syre" typeface="Estrangelo Edessa"/>
-        <a:font script="Sora" typeface="Nirmala UI"/>
-        <a:font script="Tale" typeface="Microsoft Tai Le"/>
-        <a:font script="Talu" typeface="Microsoft New Tai Lue"/>
-        <a:font script="Tfng" typeface="Ebrima"/>
       </a:minorFont>
     </a:fontScheme>
     <a:fmtScheme name="Office">
@@ -24538,10 +23626,9 @@
       </a:style>
     </a:lnDef>
   </a:objectDefaults>
-  <a:extraClrSchemeLst/>
   <a:extLst>
     <a:ext uri="{05A4C25C-085E-4340-85A3-A5531E510DB2}">
-      <thm15:themeFamily xmlns:thm15="http://schemas.microsoft.com/office/thememl/2012/main" name="Office Theme" id="{2E142A2C-CD16-42D6-873A-C26D2A0506FA}" vid="{1BDDFF52-6CD6-40A5-AB3C-68EB2F1E4D0A}"/>
+      <thm15:themeFamily xmlns:thm15="http://schemas.microsoft.com/office/thememl/2012/main" name="Office Theme" id="{62F939B6-93AF-4DB8-9C6B-D6C7DFDC589F}" vid="{4A3C46E8-61CC-4603-A589-7422A47A8E4A}"/>
     </a:ext>
   </a:extLst>
 </a:theme>
